--- a/manual/Exposición.pptx
+++ b/manual/Exposición.pptx
@@ -2,8 +2,24 @@
 <file path=ppt/presentation.xml><?xml version="1.0" encoding="utf-8"?>
 <p:presentation xmlns:a="http://schemas.openxmlformats.org/drawingml/2006/main" xmlns:r="http://schemas.openxmlformats.org/officeDocument/2006/relationships" xmlns:p="http://schemas.openxmlformats.org/presentationml/2006/main" saveSubsetFonts="1">
   <p:sldMasterIdLst>
-    <p:sldMasterId id="2147483648" r:id="rId1"/>
+    <p:sldMasterId id="2147483684" r:id="rId1"/>
   </p:sldMasterIdLst>
+  <p:sldIdLst>
+    <p:sldId id="256" r:id="rId2"/>
+    <p:sldId id="257" r:id="rId3"/>
+    <p:sldId id="258" r:id="rId4"/>
+    <p:sldId id="259" r:id="rId5"/>
+    <p:sldId id="260" r:id="rId6"/>
+    <p:sldId id="261" r:id="rId7"/>
+    <p:sldId id="262" r:id="rId8"/>
+    <p:sldId id="263" r:id="rId9"/>
+    <p:sldId id="264" r:id="rId10"/>
+    <p:sldId id="265" r:id="rId11"/>
+    <p:sldId id="266" r:id="rId12"/>
+    <p:sldId id="267" r:id="rId13"/>
+    <p:sldId id="268" r:id="rId14"/>
+    <p:sldId id="269" r:id="rId15"/>
+  </p:sldIdLst>
   <p:sldSz cx="9144000" cy="6858000" type="screen4x3"/>
   <p:notesSz cx="6858000" cy="9144000"/>
   <p:defaultTextStyle>
@@ -105,7 +121,7 @@
 </file>
 
 <file path=ppt/slideLayouts/slideLayout1.xml><?xml version="1.0" encoding="utf-8"?>
-<p:sldLayout xmlns:a="http://schemas.openxmlformats.org/drawingml/2006/main" xmlns:r="http://schemas.openxmlformats.org/officeDocument/2006/relationships" xmlns:p="http://schemas.openxmlformats.org/presentationml/2006/main" type="title" preserve="1">
+<p:sldLayout xmlns:a="http://schemas.openxmlformats.org/drawingml/2006/main" xmlns:r="http://schemas.openxmlformats.org/officeDocument/2006/relationships" xmlns:p="http://schemas.openxmlformats.org/presentationml/2006/main" showMasterSp="0" type="title" preserve="1">
   <p:cSld name="Diapositiva de título">
     <p:spTree>
       <p:nvGrpSpPr>
@@ -123,7 +139,7 @@
       </p:grpSpPr>
       <p:sp>
         <p:nvSpPr>
-          <p:cNvPr id="2" name="1 Título"/>
+          <p:cNvPr id="8" name="7 Título"/>
           <p:cNvSpPr>
             <a:spLocks noGrp="1"/>
           </p:cNvSpPr>
@@ -133,25 +149,33 @@
         </p:nvSpPr>
         <p:spPr>
           <a:xfrm>
-            <a:off x="685800" y="2130425"/>
-            <a:ext cx="7772400" cy="1470025"/>
-          </a:xfrm>
-        </p:spPr>
-        <p:txBody>
-          <a:bodyPr/>
-          <a:lstStyle/>
-          <a:p>
-            <a:r>
-              <a:rPr lang="es-ES" smtClean="0"/>
+            <a:off x="1219200" y="3886200"/>
+            <a:ext cx="6858000" cy="990600"/>
+          </a:xfrm>
+        </p:spPr>
+        <p:txBody>
+          <a:bodyPr anchor="t" anchorCtr="0"/>
+          <a:lstStyle>
+            <a:lvl1pPr algn="r">
+              <a:defRPr sz="3200">
+                <a:solidFill>
+                  <a:schemeClr val="tx1"/>
+                </a:solidFill>
+              </a:defRPr>
+            </a:lvl1pPr>
+          </a:lstStyle>
+          <a:p>
+            <a:r>
+              <a:rPr kumimoji="0" lang="es-ES" smtClean="0"/>
               <a:t>Haga clic para modificar el estilo de título del patrón</a:t>
             </a:r>
-            <a:endParaRPr lang="es-ES"/>
-          </a:p>
-        </p:txBody>
-      </p:sp>
-      <p:sp>
-        <p:nvSpPr>
-          <p:cNvPr id="3" name="2 Subtítulo"/>
+            <a:endParaRPr kumimoji="0" lang="en-US"/>
+          </a:p>
+        </p:txBody>
+      </p:sp>
+      <p:sp>
+        <p:nvSpPr>
+          <p:cNvPr id="9" name="8 Subtítulo"/>
           <p:cNvSpPr>
             <a:spLocks noGrp="1"/>
           </p:cNvSpPr>
@@ -161,116 +185,61 @@
         </p:nvSpPr>
         <p:spPr>
           <a:xfrm>
-            <a:off x="1371600" y="3886200"/>
-            <a:ext cx="6400800" cy="1752600"/>
+            <a:off x="1219200" y="5124450"/>
+            <a:ext cx="6858000" cy="533400"/>
           </a:xfrm>
         </p:spPr>
         <p:txBody>
           <a:bodyPr/>
           <a:lstStyle>
-            <a:lvl1pPr marL="0" indent="0" algn="ctr">
+            <a:lvl1pPr marL="0" indent="0" algn="r">
               <a:buNone/>
-              <a:defRPr>
+              <a:defRPr sz="2000">
                 <a:solidFill>
-                  <a:schemeClr val="tx1">
-                    <a:tint val="75000"/>
-                  </a:schemeClr>
+                  <a:schemeClr val="tx2"/>
                 </a:solidFill>
+                <a:latin typeface="+mj-lt"/>
+                <a:ea typeface="+mj-ea"/>
+                <a:cs typeface="+mj-cs"/>
               </a:defRPr>
             </a:lvl1pPr>
             <a:lvl2pPr marL="457200" indent="0" algn="ctr">
               <a:buNone/>
-              <a:defRPr>
-                <a:solidFill>
-                  <a:schemeClr val="tx1">
-                    <a:tint val="75000"/>
-                  </a:schemeClr>
-                </a:solidFill>
-              </a:defRPr>
             </a:lvl2pPr>
             <a:lvl3pPr marL="914400" indent="0" algn="ctr">
               <a:buNone/>
-              <a:defRPr>
-                <a:solidFill>
-                  <a:schemeClr val="tx1">
-                    <a:tint val="75000"/>
-                  </a:schemeClr>
-                </a:solidFill>
-              </a:defRPr>
             </a:lvl3pPr>
             <a:lvl4pPr marL="1371600" indent="0" algn="ctr">
               <a:buNone/>
-              <a:defRPr>
-                <a:solidFill>
-                  <a:schemeClr val="tx1">
-                    <a:tint val="75000"/>
-                  </a:schemeClr>
-                </a:solidFill>
-              </a:defRPr>
             </a:lvl4pPr>
             <a:lvl5pPr marL="1828800" indent="0" algn="ctr">
               <a:buNone/>
-              <a:defRPr>
-                <a:solidFill>
-                  <a:schemeClr val="tx1">
-                    <a:tint val="75000"/>
-                  </a:schemeClr>
-                </a:solidFill>
-              </a:defRPr>
             </a:lvl5pPr>
             <a:lvl6pPr marL="2286000" indent="0" algn="ctr">
               <a:buNone/>
-              <a:defRPr>
-                <a:solidFill>
-                  <a:schemeClr val="tx1">
-                    <a:tint val="75000"/>
-                  </a:schemeClr>
-                </a:solidFill>
-              </a:defRPr>
             </a:lvl6pPr>
             <a:lvl7pPr marL="2743200" indent="0" algn="ctr">
               <a:buNone/>
-              <a:defRPr>
-                <a:solidFill>
-                  <a:schemeClr val="tx1">
-                    <a:tint val="75000"/>
-                  </a:schemeClr>
-                </a:solidFill>
-              </a:defRPr>
             </a:lvl7pPr>
             <a:lvl8pPr marL="3200400" indent="0" algn="ctr">
               <a:buNone/>
-              <a:defRPr>
-                <a:solidFill>
-                  <a:schemeClr val="tx1">
-                    <a:tint val="75000"/>
-                  </a:schemeClr>
-                </a:solidFill>
-              </a:defRPr>
             </a:lvl8pPr>
             <a:lvl9pPr marL="3657600" indent="0" algn="ctr">
               <a:buNone/>
-              <a:defRPr>
-                <a:solidFill>
-                  <a:schemeClr val="tx1">
-                    <a:tint val="75000"/>
-                  </a:schemeClr>
-                </a:solidFill>
-              </a:defRPr>
             </a:lvl9pPr>
           </a:lstStyle>
           <a:p>
             <a:r>
-              <a:rPr lang="es-ES" smtClean="0"/>
+              <a:rPr kumimoji="0" lang="es-ES" smtClean="0"/>
               <a:t>Haga clic para modificar el estilo de subtítulo del patrón</a:t>
             </a:r>
-            <a:endParaRPr lang="es-ES"/>
-          </a:p>
-        </p:txBody>
-      </p:sp>
-      <p:sp>
-        <p:nvSpPr>
-          <p:cNvPr id="4" name="3 Marcador de fecha"/>
+            <a:endParaRPr kumimoji="0" lang="en-US"/>
+          </a:p>
+        </p:txBody>
+      </p:sp>
+      <p:sp>
+        <p:nvSpPr>
+          <p:cNvPr id="28" name="27 Marcador de fecha"/>
           <p:cNvSpPr>
             <a:spLocks noGrp="1"/>
           </p:cNvSpPr>
@@ -278,14 +247,23 @@
             <p:ph type="dt" sz="half" idx="10"/>
           </p:nvPr>
         </p:nvSpPr>
-        <p:spPr/>
+        <p:spPr>
+          <a:xfrm>
+            <a:off x="6400800" y="6355080"/>
+            <a:ext cx="2286000" cy="365760"/>
+          </a:xfrm>
+        </p:spPr>
         <p:txBody>
           <a:bodyPr/>
-          <a:lstStyle/>
+          <a:lstStyle>
+            <a:lvl1pPr>
+              <a:defRPr sz="1400"/>
+            </a:lvl1pPr>
+          </a:lstStyle>
           <a:p>
             <a:fld id="{7A847CFC-816F-41D0-AAC0-9BF4FEBC753E}" type="datetimeFigureOut">
               <a:rPr lang="es-ES" smtClean="0"/>
-              <a:t>06/10/2006</a:t>
+              <a:t>31/07/2015</a:t>
             </a:fld>
             <a:endParaRPr lang="es-ES"/>
           </a:p>
@@ -293,7 +271,7 @@
       </p:sp>
       <p:sp>
         <p:nvSpPr>
-          <p:cNvPr id="5" name="4 Marcador de pie de página"/>
+          <p:cNvPr id="17" name="16 Marcador de pie de página"/>
           <p:cNvSpPr>
             <a:spLocks noGrp="1"/>
           </p:cNvSpPr>
@@ -301,7 +279,12 @@
             <p:ph type="ftr" sz="quarter" idx="11"/>
           </p:nvPr>
         </p:nvSpPr>
-        <p:spPr/>
+        <p:spPr>
+          <a:xfrm>
+            <a:off x="2898648" y="6355080"/>
+            <a:ext cx="3474720" cy="365760"/>
+          </a:xfrm>
+        </p:spPr>
         <p:txBody>
           <a:bodyPr/>
           <a:lstStyle/>
@@ -312,7 +295,7 @@
       </p:sp>
       <p:sp>
         <p:nvSpPr>
-          <p:cNvPr id="6" name="5 Marcador de número de diapositiva"/>
+          <p:cNvPr id="29" name="28 Marcador de número de diapositiva"/>
           <p:cNvSpPr>
             <a:spLocks noGrp="1"/>
           </p:cNvSpPr>
@@ -320,7 +303,12 @@
             <p:ph type="sldNum" sz="quarter" idx="12"/>
           </p:nvPr>
         </p:nvSpPr>
-        <p:spPr/>
+        <p:spPr>
+          <a:xfrm>
+            <a:off x="1216152" y="6355080"/>
+            <a:ext cx="1219200" cy="365760"/>
+          </a:xfrm>
+        </p:spPr>
         <p:txBody>
           <a:bodyPr/>
           <a:lstStyle/>
@@ -330,6 +318,190 @@
               <a:t>‹Nº›</a:t>
             </a:fld>
             <a:endParaRPr lang="es-ES"/>
+          </a:p>
+        </p:txBody>
+      </p:sp>
+      <p:sp>
+        <p:nvSpPr>
+          <p:cNvPr id="21" name="20 Rectángulo"/>
+          <p:cNvSpPr/>
+          <p:nvPr/>
+        </p:nvSpPr>
+        <p:spPr>
+          <a:xfrm>
+            <a:off x="904875" y="3648075"/>
+            <a:ext cx="7315200" cy="1280160"/>
+          </a:xfrm>
+          <a:prstGeom prst="rect">
+            <a:avLst/>
+          </a:prstGeom>
+          <a:noFill/>
+          <a:ln w="6350" cap="rnd" cmpd="sng" algn="ctr">
+            <a:solidFill>
+              <a:schemeClr val="accent1"/>
+            </a:solidFill>
+            <a:prstDash val="solid"/>
+          </a:ln>
+          <a:effectLst/>
+        </p:spPr>
+        <p:style>
+          <a:lnRef idx="3">
+            <a:schemeClr val="lt1"/>
+          </a:lnRef>
+          <a:fillRef idx="1">
+            <a:schemeClr val="accent1"/>
+          </a:fillRef>
+          <a:effectRef idx="1">
+            <a:schemeClr val="accent1"/>
+          </a:effectRef>
+          <a:fontRef idx="minor">
+            <a:schemeClr val="lt1"/>
+          </a:fontRef>
+        </p:style>
+        <p:txBody>
+          <a:bodyPr anchor="ctr"/>
+          <a:lstStyle/>
+          <a:p>
+            <a:pPr algn="ctr" eaLnBrk="1" latinLnBrk="0" hangingPunct="1"/>
+            <a:endParaRPr kumimoji="0" lang="en-US"/>
+          </a:p>
+        </p:txBody>
+      </p:sp>
+      <p:sp>
+        <p:nvSpPr>
+          <p:cNvPr id="33" name="32 Rectángulo"/>
+          <p:cNvSpPr/>
+          <p:nvPr/>
+        </p:nvSpPr>
+        <p:spPr>
+          <a:xfrm>
+            <a:off x="914400" y="5048250"/>
+            <a:ext cx="7315200" cy="685800"/>
+          </a:xfrm>
+          <a:prstGeom prst="rect">
+            <a:avLst/>
+          </a:prstGeom>
+          <a:noFill/>
+          <a:ln w="6350" cap="rnd" cmpd="sng" algn="ctr">
+            <a:solidFill>
+              <a:schemeClr val="accent2"/>
+            </a:solidFill>
+            <a:prstDash val="solid"/>
+          </a:ln>
+          <a:effectLst/>
+        </p:spPr>
+        <p:style>
+          <a:lnRef idx="3">
+            <a:schemeClr val="lt1"/>
+          </a:lnRef>
+          <a:fillRef idx="1">
+            <a:schemeClr val="accent1"/>
+          </a:fillRef>
+          <a:effectRef idx="1">
+            <a:schemeClr val="accent1"/>
+          </a:effectRef>
+          <a:fontRef idx="minor">
+            <a:schemeClr val="lt1"/>
+          </a:fontRef>
+        </p:style>
+        <p:txBody>
+          <a:bodyPr anchor="ctr"/>
+          <a:lstStyle/>
+          <a:p>
+            <a:pPr algn="ctr" eaLnBrk="1" latinLnBrk="0" hangingPunct="1"/>
+            <a:endParaRPr kumimoji="0" lang="en-US"/>
+          </a:p>
+        </p:txBody>
+      </p:sp>
+      <p:sp>
+        <p:nvSpPr>
+          <p:cNvPr id="22" name="21 Rectángulo"/>
+          <p:cNvSpPr/>
+          <p:nvPr/>
+        </p:nvSpPr>
+        <p:spPr>
+          <a:xfrm>
+            <a:off x="904875" y="3648075"/>
+            <a:ext cx="228600" cy="1280160"/>
+          </a:xfrm>
+          <a:prstGeom prst="rect">
+            <a:avLst/>
+          </a:prstGeom>
+          <a:solidFill>
+            <a:schemeClr val="accent1"/>
+          </a:solidFill>
+          <a:ln w="6350" cap="rnd" cmpd="sng" algn="ctr">
+            <a:noFill/>
+            <a:prstDash val="solid"/>
+          </a:ln>
+          <a:effectLst/>
+        </p:spPr>
+        <p:style>
+          <a:lnRef idx="3">
+            <a:schemeClr val="lt1"/>
+          </a:lnRef>
+          <a:fillRef idx="1">
+            <a:schemeClr val="accent1"/>
+          </a:fillRef>
+          <a:effectRef idx="1">
+            <a:schemeClr val="accent1"/>
+          </a:effectRef>
+          <a:fontRef idx="minor">
+            <a:schemeClr val="lt1"/>
+          </a:fontRef>
+        </p:style>
+        <p:txBody>
+          <a:bodyPr anchor="ctr"/>
+          <a:lstStyle/>
+          <a:p>
+            <a:pPr algn="ctr" eaLnBrk="1" latinLnBrk="0" hangingPunct="1"/>
+            <a:endParaRPr kumimoji="0" lang="en-US"/>
+          </a:p>
+        </p:txBody>
+      </p:sp>
+      <p:sp>
+        <p:nvSpPr>
+          <p:cNvPr id="32" name="31 Rectángulo"/>
+          <p:cNvSpPr/>
+          <p:nvPr/>
+        </p:nvSpPr>
+        <p:spPr>
+          <a:xfrm>
+            <a:off x="914400" y="5048250"/>
+            <a:ext cx="228600" cy="685800"/>
+          </a:xfrm>
+          <a:prstGeom prst="rect">
+            <a:avLst/>
+          </a:prstGeom>
+          <a:solidFill>
+            <a:schemeClr val="accent2"/>
+          </a:solidFill>
+          <a:ln w="6350" cap="rnd" cmpd="sng" algn="ctr">
+            <a:noFill/>
+            <a:prstDash val="solid"/>
+          </a:ln>
+          <a:effectLst/>
+        </p:spPr>
+        <p:style>
+          <a:lnRef idx="3">
+            <a:schemeClr val="lt1"/>
+          </a:lnRef>
+          <a:fillRef idx="1">
+            <a:schemeClr val="accent1"/>
+          </a:fillRef>
+          <a:effectRef idx="1">
+            <a:schemeClr val="accent1"/>
+          </a:effectRef>
+          <a:fontRef idx="minor">
+            <a:schemeClr val="lt1"/>
+          </a:fontRef>
+        </p:style>
+        <p:txBody>
+          <a:bodyPr anchor="ctr"/>
+          <a:lstStyle/>
+          <a:p>
+            <a:pPr algn="ctr" eaLnBrk="1" latinLnBrk="0" hangingPunct="1"/>
+            <a:endParaRPr kumimoji="0" lang="en-US"/>
           </a:p>
         </p:txBody>
       </p:sp>
@@ -374,10 +546,10 @@
           <a:lstStyle/>
           <a:p>
             <a:r>
-              <a:rPr lang="es-ES" smtClean="0"/>
+              <a:rPr kumimoji="0" lang="es-ES" smtClean="0"/>
               <a:t>Haga clic para modificar el estilo de título del patrón</a:t>
             </a:r>
-            <a:endParaRPr lang="es-ES"/>
+            <a:endParaRPr kumimoji="0" lang="en-US"/>
           </a:p>
         </p:txBody>
       </p:sp>
@@ -396,40 +568,40 @@
           <a:bodyPr vert="eaVert"/>
           <a:lstStyle/>
           <a:p>
-            <a:pPr lvl="0"/>
+            <a:pPr lvl="0" eaLnBrk="1" latinLnBrk="0" hangingPunct="1"/>
             <a:r>
               <a:rPr lang="es-ES" smtClean="0"/>
               <a:t>Haga clic para modificar el estilo de texto del patrón</a:t>
             </a:r>
           </a:p>
           <a:p>
-            <a:pPr lvl="1"/>
+            <a:pPr lvl="1" eaLnBrk="1" latinLnBrk="0" hangingPunct="1"/>
             <a:r>
               <a:rPr lang="es-ES" smtClean="0"/>
               <a:t>Segundo nivel</a:t>
             </a:r>
           </a:p>
           <a:p>
-            <a:pPr lvl="2"/>
+            <a:pPr lvl="2" eaLnBrk="1" latinLnBrk="0" hangingPunct="1"/>
             <a:r>
               <a:rPr lang="es-ES" smtClean="0"/>
               <a:t>Tercer nivel</a:t>
             </a:r>
           </a:p>
           <a:p>
-            <a:pPr lvl="3"/>
+            <a:pPr lvl="3" eaLnBrk="1" latinLnBrk="0" hangingPunct="1"/>
             <a:r>
               <a:rPr lang="es-ES" smtClean="0"/>
               <a:t>Cuarto nivel</a:t>
             </a:r>
           </a:p>
           <a:p>
-            <a:pPr lvl="4"/>
+            <a:pPr lvl="4" eaLnBrk="1" latinLnBrk="0" hangingPunct="1"/>
             <a:r>
               <a:rPr lang="es-ES" smtClean="0"/>
               <a:t>Quinto nivel</a:t>
             </a:r>
-            <a:endParaRPr lang="es-ES"/>
+            <a:endParaRPr kumimoji="0" lang="en-US"/>
           </a:p>
         </p:txBody>
       </p:sp>
@@ -450,7 +622,7 @@
           <a:p>
             <a:fld id="{7A847CFC-816F-41D0-AAC0-9BF4FEBC753E}" type="datetimeFigureOut">
               <a:rPr lang="es-ES" smtClean="0"/>
-              <a:t>06/10/2006</a:t>
+              <a:t>31/07/2015</a:t>
             </a:fld>
             <a:endParaRPr lang="es-ES"/>
           </a:p>
@@ -507,7 +679,7 @@
 </file>
 
 <file path=ppt/slideLayouts/slideLayout11.xml><?xml version="1.0" encoding="utf-8"?>
-<p:sldLayout xmlns:a="http://schemas.openxmlformats.org/drawingml/2006/main" xmlns:r="http://schemas.openxmlformats.org/officeDocument/2006/relationships" xmlns:p="http://schemas.openxmlformats.org/presentationml/2006/main" type="vertTitleAndTx" preserve="1">
+<p:sldLayout xmlns:a="http://schemas.openxmlformats.org/drawingml/2006/main" xmlns:r="http://schemas.openxmlformats.org/officeDocument/2006/relationships" xmlns:p="http://schemas.openxmlformats.org/presentationml/2006/main" showMasterSp="0" type="vertTitleAndTx" preserve="1">
   <p:cSld name="Título vertical y texto">
     <p:spTree>
       <p:nvGrpSpPr>
@@ -544,10 +716,10 @@
           <a:lstStyle/>
           <a:p>
             <a:r>
-              <a:rPr lang="es-ES" smtClean="0"/>
+              <a:rPr kumimoji="0" lang="es-ES" smtClean="0"/>
               <a:t>Haga clic para modificar el estilo de título del patrón</a:t>
             </a:r>
-            <a:endParaRPr lang="es-ES"/>
+            <a:endParaRPr kumimoji="0" lang="en-US"/>
           </a:p>
         </p:txBody>
       </p:sp>
@@ -571,40 +743,40 @@
           <a:bodyPr vert="eaVert"/>
           <a:lstStyle/>
           <a:p>
-            <a:pPr lvl="0"/>
+            <a:pPr lvl="0" eaLnBrk="1" latinLnBrk="0" hangingPunct="1"/>
             <a:r>
               <a:rPr lang="es-ES" smtClean="0"/>
               <a:t>Haga clic para modificar el estilo de texto del patrón</a:t>
             </a:r>
           </a:p>
           <a:p>
-            <a:pPr lvl="1"/>
+            <a:pPr lvl="1" eaLnBrk="1" latinLnBrk="0" hangingPunct="1"/>
             <a:r>
               <a:rPr lang="es-ES" smtClean="0"/>
               <a:t>Segundo nivel</a:t>
             </a:r>
           </a:p>
           <a:p>
-            <a:pPr lvl="2"/>
+            <a:pPr lvl="2" eaLnBrk="1" latinLnBrk="0" hangingPunct="1"/>
             <a:r>
               <a:rPr lang="es-ES" smtClean="0"/>
               <a:t>Tercer nivel</a:t>
             </a:r>
           </a:p>
           <a:p>
-            <a:pPr lvl="3"/>
+            <a:pPr lvl="3" eaLnBrk="1" latinLnBrk="0" hangingPunct="1"/>
             <a:r>
               <a:rPr lang="es-ES" smtClean="0"/>
               <a:t>Cuarto nivel</a:t>
             </a:r>
           </a:p>
           <a:p>
-            <a:pPr lvl="4"/>
+            <a:pPr lvl="4" eaLnBrk="1" latinLnBrk="0" hangingPunct="1"/>
             <a:r>
               <a:rPr lang="es-ES" smtClean="0"/>
               <a:t>Quinto nivel</a:t>
             </a:r>
-            <a:endParaRPr lang="es-ES"/>
+            <a:endParaRPr kumimoji="0" lang="en-US"/>
           </a:p>
         </p:txBody>
       </p:sp>
@@ -625,7 +797,7 @@
           <a:p>
             <a:fld id="{7A847CFC-816F-41D0-AAC0-9BF4FEBC753E}" type="datetimeFigureOut">
               <a:rPr lang="es-ES" smtClean="0"/>
-              <a:t>06/10/2006</a:t>
+              <a:t>31/07/2015</a:t>
             </a:fld>
             <a:endParaRPr lang="es-ES"/>
           </a:p>
@@ -670,6 +842,128 @@
               <a:t>‹Nº›</a:t>
             </a:fld>
             <a:endParaRPr lang="es-ES"/>
+          </a:p>
+        </p:txBody>
+      </p:sp>
+      <p:sp>
+        <p:nvSpPr>
+          <p:cNvPr id="7" name="6 Conector recto"/>
+          <p:cNvSpPr>
+            <a:spLocks noChangeShapeType="1"/>
+          </p:cNvSpPr>
+          <p:nvPr/>
+        </p:nvSpPr>
+        <p:spPr bwMode="auto">
+          <a:xfrm>
+            <a:off x="457200" y="6353175"/>
+            <a:ext cx="8229600" cy="0"/>
+          </a:xfrm>
+          <a:prstGeom prst="line">
+            <a:avLst/>
+          </a:prstGeom>
+          <a:noFill/>
+          <a:ln w="9525" cap="flat" cmpd="sng" algn="ctr">
+            <a:solidFill>
+              <a:schemeClr val="accent2"/>
+            </a:solidFill>
+            <a:prstDash val="dash"/>
+            <a:round/>
+            <a:headEnd type="none" w="med" len="med"/>
+            <a:tailEnd type="none" w="med" len="med"/>
+          </a:ln>
+          <a:effectLst/>
+        </p:spPr>
+        <p:txBody>
+          <a:bodyPr vert="horz" wrap="square" lIns="91440" tIns="45720" rIns="91440" bIns="45720" anchor="t" compatLnSpc="1"/>
+          <a:lstStyle/>
+          <a:p>
+            <a:endParaRPr kumimoji="0" lang="en-US"/>
+          </a:p>
+        </p:txBody>
+      </p:sp>
+      <p:sp>
+        <p:nvSpPr>
+          <p:cNvPr id="8" name="7 Triángulo isósceles"/>
+          <p:cNvSpPr>
+            <a:spLocks noChangeAspect="1"/>
+          </p:cNvSpPr>
+          <p:nvPr/>
+        </p:nvSpPr>
+        <p:spPr>
+          <a:xfrm rot="5400000">
+            <a:off x="419100" y="6467475"/>
+            <a:ext cx="190849" cy="120314"/>
+          </a:xfrm>
+          <a:prstGeom prst="triangle">
+            <a:avLst>
+              <a:gd name="adj" fmla="val 50000"/>
+            </a:avLst>
+          </a:prstGeom>
+          <a:solidFill>
+            <a:schemeClr val="accent2"/>
+          </a:solidFill>
+          <a:ln w="25400" cap="rnd" cmpd="sng" algn="ctr">
+            <a:noFill/>
+            <a:prstDash val="solid"/>
+          </a:ln>
+          <a:effectLst/>
+        </p:spPr>
+        <p:style>
+          <a:lnRef idx="3">
+            <a:schemeClr val="lt1"/>
+          </a:lnRef>
+          <a:fillRef idx="1">
+            <a:schemeClr val="accent1"/>
+          </a:fillRef>
+          <a:effectRef idx="1">
+            <a:schemeClr val="accent1"/>
+          </a:effectRef>
+          <a:fontRef idx="minor">
+            <a:schemeClr val="lt1"/>
+          </a:fontRef>
+        </p:style>
+        <p:txBody>
+          <a:bodyPr anchor="ctr"/>
+          <a:lstStyle/>
+          <a:p>
+            <a:pPr algn="ctr" eaLnBrk="1" latinLnBrk="0" hangingPunct="1"/>
+            <a:endParaRPr kumimoji="0" lang="en-US"/>
+          </a:p>
+        </p:txBody>
+      </p:sp>
+      <p:sp>
+        <p:nvSpPr>
+          <p:cNvPr id="9" name="8 Conector recto"/>
+          <p:cNvSpPr>
+            <a:spLocks noChangeShapeType="1"/>
+          </p:cNvSpPr>
+          <p:nvPr/>
+        </p:nvSpPr>
+        <p:spPr bwMode="auto">
+          <a:xfrm rot="5400000">
+            <a:off x="3629607" y="3201952"/>
+            <a:ext cx="5852160" cy="0"/>
+          </a:xfrm>
+          <a:prstGeom prst="line">
+            <a:avLst/>
+          </a:prstGeom>
+          <a:noFill/>
+          <a:ln w="9525" cap="flat" cmpd="sng" algn="ctr">
+            <a:solidFill>
+              <a:schemeClr val="accent2"/>
+            </a:solidFill>
+            <a:prstDash val="dash"/>
+            <a:round/>
+            <a:headEnd type="none" w="med" len="med"/>
+            <a:tailEnd type="none" w="med" len="med"/>
+          </a:ln>
+          <a:effectLst/>
+        </p:spPr>
+        <p:txBody>
+          <a:bodyPr vert="horz" wrap="square" lIns="91440" tIns="45720" rIns="91440" bIns="45720" anchor="t" compatLnSpc="1"/>
+          <a:lstStyle/>
+          <a:p>
+            <a:endParaRPr kumimoji="0" lang="en-US"/>
           </a:p>
         </p:txBody>
       </p:sp>
@@ -714,62 +1008,10 @@
           <a:lstStyle/>
           <a:p>
             <a:r>
-              <a:rPr lang="es-ES" smtClean="0"/>
+              <a:rPr kumimoji="0" lang="es-ES" smtClean="0"/>
               <a:t>Haga clic para modificar el estilo de título del patrón</a:t>
             </a:r>
-            <a:endParaRPr lang="es-ES"/>
-          </a:p>
-        </p:txBody>
-      </p:sp>
-      <p:sp>
-        <p:nvSpPr>
-          <p:cNvPr id="3" name="2 Marcador de contenido"/>
-          <p:cNvSpPr>
-            <a:spLocks noGrp="1"/>
-          </p:cNvSpPr>
-          <p:nvPr>
-            <p:ph idx="1"/>
-          </p:nvPr>
-        </p:nvSpPr>
-        <p:spPr/>
-        <p:txBody>
-          <a:bodyPr/>
-          <a:lstStyle/>
-          <a:p>
-            <a:pPr lvl="0"/>
-            <a:r>
-              <a:rPr lang="es-ES" smtClean="0"/>
-              <a:t>Haga clic para modificar el estilo de texto del patrón</a:t>
-            </a:r>
-          </a:p>
-          <a:p>
-            <a:pPr lvl="1"/>
-            <a:r>
-              <a:rPr lang="es-ES" smtClean="0"/>
-              <a:t>Segundo nivel</a:t>
-            </a:r>
-          </a:p>
-          <a:p>
-            <a:pPr lvl="2"/>
-            <a:r>
-              <a:rPr lang="es-ES" smtClean="0"/>
-              <a:t>Tercer nivel</a:t>
-            </a:r>
-          </a:p>
-          <a:p>
-            <a:pPr lvl="3"/>
-            <a:r>
-              <a:rPr lang="es-ES" smtClean="0"/>
-              <a:t>Cuarto nivel</a:t>
-            </a:r>
-          </a:p>
-          <a:p>
-            <a:pPr lvl="4"/>
-            <a:r>
-              <a:rPr lang="es-ES" smtClean="0"/>
-              <a:t>Quinto nivel</a:t>
-            </a:r>
-            <a:endParaRPr lang="es-ES"/>
+            <a:endParaRPr kumimoji="0" lang="en-US"/>
           </a:p>
         </p:txBody>
       </p:sp>
@@ -790,7 +1032,7 @@
           <a:p>
             <a:fld id="{7A847CFC-816F-41D0-AAC0-9BF4FEBC753E}" type="datetimeFigureOut">
               <a:rPr lang="es-ES" smtClean="0"/>
-              <a:t>06/10/2006</a:t>
+              <a:t>31/07/2015</a:t>
             </a:fld>
             <a:endParaRPr lang="es-ES"/>
           </a:p>
@@ -835,6 +1077,63 @@
               <a:t>‹Nº›</a:t>
             </a:fld>
             <a:endParaRPr lang="es-ES"/>
+          </a:p>
+        </p:txBody>
+      </p:sp>
+      <p:sp>
+        <p:nvSpPr>
+          <p:cNvPr id="8" name="7 Marcador de contenido"/>
+          <p:cNvSpPr>
+            <a:spLocks noGrp="1"/>
+          </p:cNvSpPr>
+          <p:nvPr>
+            <p:ph sz="quarter" idx="1"/>
+          </p:nvPr>
+        </p:nvSpPr>
+        <p:spPr>
+          <a:xfrm>
+            <a:off x="457200" y="1219200"/>
+            <a:ext cx="8229600" cy="4937760"/>
+          </a:xfrm>
+        </p:spPr>
+        <p:txBody>
+          <a:bodyPr/>
+          <a:lstStyle/>
+          <a:p>
+            <a:pPr lvl="0" eaLnBrk="1" latinLnBrk="0" hangingPunct="1"/>
+            <a:r>
+              <a:rPr lang="es-ES" smtClean="0"/>
+              <a:t>Haga clic para modificar el estilo de texto del patrón</a:t>
+            </a:r>
+          </a:p>
+          <a:p>
+            <a:pPr lvl="1" eaLnBrk="1" latinLnBrk="0" hangingPunct="1"/>
+            <a:r>
+              <a:rPr lang="es-ES" smtClean="0"/>
+              <a:t>Segundo nivel</a:t>
+            </a:r>
+          </a:p>
+          <a:p>
+            <a:pPr lvl="2" eaLnBrk="1" latinLnBrk="0" hangingPunct="1"/>
+            <a:r>
+              <a:rPr lang="es-ES" smtClean="0"/>
+              <a:t>Tercer nivel</a:t>
+            </a:r>
+          </a:p>
+          <a:p>
+            <a:pPr lvl="3" eaLnBrk="1" latinLnBrk="0" hangingPunct="1"/>
+            <a:r>
+              <a:rPr lang="es-ES" smtClean="0"/>
+              <a:t>Cuarto nivel</a:t>
+            </a:r>
+          </a:p>
+          <a:p>
+            <a:pPr lvl="4" eaLnBrk="1" latinLnBrk="0" hangingPunct="1"/>
+            <a:r>
+              <a:rPr lang="es-ES" smtClean="0"/>
+              <a:t>Quinto nivel</a:t>
+            </a:r>
+            <a:endParaRPr kumimoji="0" lang="en-US"/>
           </a:p>
         </p:txBody>
       </p:sp>
@@ -847,8 +1146,13 @@
 </file>
 
 <file path=ppt/slideLayouts/slideLayout3.xml><?xml version="1.0" encoding="utf-8"?>
-<p:sldLayout xmlns:a="http://schemas.openxmlformats.org/drawingml/2006/main" xmlns:r="http://schemas.openxmlformats.org/officeDocument/2006/relationships" xmlns:p="http://schemas.openxmlformats.org/presentationml/2006/main" type="secHead" preserve="1">
+<p:sldLayout xmlns:a="http://schemas.openxmlformats.org/drawingml/2006/main" xmlns:r="http://schemas.openxmlformats.org/officeDocument/2006/relationships" xmlns:p="http://schemas.openxmlformats.org/presentationml/2006/main" showMasterSp="0" type="secHead" preserve="1">
   <p:cSld name="Encabezado de sección">
+    <p:bg>
+      <p:bgRef idx="1001">
+        <a:schemeClr val="bg2"/>
+      </p:bgRef>
+    </p:bg>
     <p:spTree>
       <p:nvGrpSpPr>
         <p:cNvPr id="1" name=""/>
@@ -875,23 +1179,24 @@
         </p:nvSpPr>
         <p:spPr>
           <a:xfrm>
-            <a:off x="722313" y="4406900"/>
-            <a:ext cx="7772400" cy="1362075"/>
-          </a:xfrm>
-        </p:spPr>
-        <p:txBody>
-          <a:bodyPr anchor="t"/>
+            <a:off x="1219200" y="2971800"/>
+            <a:ext cx="6858000" cy="1066800"/>
+          </a:xfrm>
+        </p:spPr>
+        <p:txBody>
+          <a:bodyPr anchor="t" anchorCtr="0"/>
           <a:lstStyle>
-            <a:lvl1pPr algn="l">
-              <a:defRPr sz="4000" b="1" cap="all"/>
+            <a:lvl1pPr algn="r">
+              <a:buNone/>
+              <a:defRPr sz="3200" b="0" cap="none" baseline="0"/>
             </a:lvl1pPr>
           </a:lstStyle>
           <a:p>
             <a:r>
-              <a:rPr lang="es-ES" smtClean="0"/>
+              <a:rPr kumimoji="0" lang="es-ES" smtClean="0"/>
               <a:t>Haga clic para modificar el estilo de título del patrón</a:t>
             </a:r>
-            <a:endParaRPr lang="es-ES"/>
+            <a:endParaRPr kumimoji="0" lang="en-US"/>
           </a:p>
         </p:txBody>
       </p:sp>
@@ -907,14 +1212,14 @@
         </p:nvSpPr>
         <p:spPr>
           <a:xfrm>
-            <a:off x="722313" y="2906713"/>
-            <a:ext cx="7772400" cy="1500187"/>
-          </a:xfrm>
-        </p:spPr>
-        <p:txBody>
-          <a:bodyPr anchor="b"/>
+            <a:off x="1295400" y="4267200"/>
+            <a:ext cx="6781800" cy="1143000"/>
+          </a:xfrm>
+        </p:spPr>
+        <p:txBody>
+          <a:bodyPr anchor="t" anchorCtr="0"/>
           <a:lstStyle>
-            <a:lvl1pPr marL="0" indent="0">
+            <a:lvl1pPr marL="0" indent="0" algn="r">
               <a:buNone/>
               <a:defRPr sz="2000">
                 <a:solidFill>
@@ -924,7 +1229,7 @@
                 </a:solidFill>
               </a:defRPr>
             </a:lvl1pPr>
-            <a:lvl2pPr marL="457200" indent="0">
+            <a:lvl2pPr>
               <a:buNone/>
               <a:defRPr sz="1800">
                 <a:solidFill>
@@ -934,7 +1239,7 @@
                 </a:solidFill>
               </a:defRPr>
             </a:lvl2pPr>
-            <a:lvl3pPr marL="914400" indent="0">
+            <a:lvl3pPr>
               <a:buNone/>
               <a:defRPr sz="1600">
                 <a:solidFill>
@@ -944,7 +1249,7 @@
                 </a:solidFill>
               </a:defRPr>
             </a:lvl3pPr>
-            <a:lvl4pPr marL="1371600" indent="0">
+            <a:lvl4pPr>
               <a:buNone/>
               <a:defRPr sz="1400">
                 <a:solidFill>
@@ -954,7 +1259,7 @@
                 </a:solidFill>
               </a:defRPr>
             </a:lvl4pPr>
-            <a:lvl5pPr marL="1828800" indent="0">
+            <a:lvl5pPr>
               <a:buNone/>
               <a:defRPr sz="1400">
                 <a:solidFill>
@@ -964,51 +1269,11 @@
                 </a:solidFill>
               </a:defRPr>
             </a:lvl5pPr>
-            <a:lvl6pPr marL="2286000" indent="0">
-              <a:buNone/>
-              <a:defRPr sz="1400">
-                <a:solidFill>
-                  <a:schemeClr val="tx1">
-                    <a:tint val="75000"/>
-                  </a:schemeClr>
-                </a:solidFill>
-              </a:defRPr>
-            </a:lvl6pPr>
-            <a:lvl7pPr marL="2743200" indent="0">
-              <a:buNone/>
-              <a:defRPr sz="1400">
-                <a:solidFill>
-                  <a:schemeClr val="tx1">
-                    <a:tint val="75000"/>
-                  </a:schemeClr>
-                </a:solidFill>
-              </a:defRPr>
-            </a:lvl7pPr>
-            <a:lvl8pPr marL="3200400" indent="0">
-              <a:buNone/>
-              <a:defRPr sz="1400">
-                <a:solidFill>
-                  <a:schemeClr val="tx1">
-                    <a:tint val="75000"/>
-                  </a:schemeClr>
-                </a:solidFill>
-              </a:defRPr>
-            </a:lvl8pPr>
-            <a:lvl9pPr marL="3657600" indent="0">
-              <a:buNone/>
-              <a:defRPr sz="1400">
-                <a:solidFill>
-                  <a:schemeClr val="tx1">
-                    <a:tint val="75000"/>
-                  </a:schemeClr>
-                </a:solidFill>
-              </a:defRPr>
-            </a:lvl9pPr>
           </a:lstStyle>
           <a:p>
-            <a:pPr lvl="0"/>
-            <a:r>
-              <a:rPr lang="es-ES" smtClean="0"/>
+            <a:pPr lvl="0" eaLnBrk="1" latinLnBrk="0" hangingPunct="1"/>
+            <a:r>
+              <a:rPr kumimoji="0" lang="es-ES" smtClean="0"/>
               <a:t>Haga clic para modificar el estilo de texto del patrón</a:t>
             </a:r>
           </a:p>
@@ -1024,14 +1289,19 @@
             <p:ph type="dt" sz="half" idx="10"/>
           </p:nvPr>
         </p:nvSpPr>
-        <p:spPr/>
+        <p:spPr>
+          <a:xfrm>
+            <a:off x="6400800" y="6355080"/>
+            <a:ext cx="2286000" cy="365760"/>
+          </a:xfrm>
+        </p:spPr>
         <p:txBody>
           <a:bodyPr/>
           <a:lstStyle/>
           <a:p>
             <a:fld id="{7A847CFC-816F-41D0-AAC0-9BF4FEBC753E}" type="datetimeFigureOut">
               <a:rPr lang="es-ES" smtClean="0"/>
-              <a:t>06/10/2006</a:t>
+              <a:t>31/07/2015</a:t>
             </a:fld>
             <a:endParaRPr lang="es-ES"/>
           </a:p>
@@ -1047,7 +1317,12 @@
             <p:ph type="ftr" sz="quarter" idx="11"/>
           </p:nvPr>
         </p:nvSpPr>
-        <p:spPr/>
+        <p:spPr>
+          <a:xfrm>
+            <a:off x="2898648" y="6355080"/>
+            <a:ext cx="3474720" cy="365760"/>
+          </a:xfrm>
+        </p:spPr>
         <p:txBody>
           <a:bodyPr/>
           <a:lstStyle/>
@@ -1066,7 +1341,12 @@
             <p:ph type="sldNum" sz="quarter" idx="12"/>
           </p:nvPr>
         </p:nvSpPr>
-        <p:spPr/>
+        <p:spPr>
+          <a:xfrm>
+            <a:off x="1069848" y="6355080"/>
+            <a:ext cx="1520952" cy="365760"/>
+          </a:xfrm>
+        </p:spPr>
         <p:txBody>
           <a:bodyPr/>
           <a:lstStyle/>
@@ -1079,10 +1359,102 @@
           </a:p>
         </p:txBody>
       </p:sp>
+      <p:sp>
+        <p:nvSpPr>
+          <p:cNvPr id="7" name="6 Rectángulo"/>
+          <p:cNvSpPr/>
+          <p:nvPr/>
+        </p:nvSpPr>
+        <p:spPr>
+          <a:xfrm>
+            <a:off x="914400" y="2819400"/>
+            <a:ext cx="7315200" cy="1280160"/>
+          </a:xfrm>
+          <a:prstGeom prst="rect">
+            <a:avLst/>
+          </a:prstGeom>
+          <a:noFill/>
+          <a:ln w="6350" cap="rnd" cmpd="sng" algn="ctr">
+            <a:solidFill>
+              <a:schemeClr val="accent1"/>
+            </a:solidFill>
+            <a:prstDash val="solid"/>
+          </a:ln>
+          <a:effectLst/>
+        </p:spPr>
+        <p:style>
+          <a:lnRef idx="3">
+            <a:schemeClr val="lt1"/>
+          </a:lnRef>
+          <a:fillRef idx="1">
+            <a:schemeClr val="accent1"/>
+          </a:fillRef>
+          <a:effectRef idx="1">
+            <a:schemeClr val="accent1"/>
+          </a:effectRef>
+          <a:fontRef idx="minor">
+            <a:schemeClr val="lt1"/>
+          </a:fontRef>
+        </p:style>
+        <p:txBody>
+          <a:bodyPr anchor="ctr"/>
+          <a:lstStyle/>
+          <a:p>
+            <a:pPr algn="ctr" eaLnBrk="1" latinLnBrk="0" hangingPunct="1"/>
+            <a:endParaRPr kumimoji="0" lang="en-US"/>
+          </a:p>
+        </p:txBody>
+      </p:sp>
+      <p:sp>
+        <p:nvSpPr>
+          <p:cNvPr id="8" name="7 Rectángulo"/>
+          <p:cNvSpPr/>
+          <p:nvPr/>
+        </p:nvSpPr>
+        <p:spPr>
+          <a:xfrm>
+            <a:off x="914400" y="2819400"/>
+            <a:ext cx="228600" cy="1280160"/>
+          </a:xfrm>
+          <a:prstGeom prst="rect">
+            <a:avLst/>
+          </a:prstGeom>
+          <a:solidFill>
+            <a:schemeClr val="accent1"/>
+          </a:solidFill>
+          <a:ln w="6350" cap="rnd" cmpd="sng" algn="ctr">
+            <a:noFill/>
+            <a:prstDash val="solid"/>
+          </a:ln>
+          <a:effectLst/>
+        </p:spPr>
+        <p:style>
+          <a:lnRef idx="3">
+            <a:schemeClr val="lt1"/>
+          </a:lnRef>
+          <a:fillRef idx="1">
+            <a:schemeClr val="accent1"/>
+          </a:fillRef>
+          <a:effectRef idx="1">
+            <a:schemeClr val="accent1"/>
+          </a:effectRef>
+          <a:fontRef idx="minor">
+            <a:schemeClr val="lt1"/>
+          </a:fontRef>
+        </p:style>
+        <p:txBody>
+          <a:bodyPr anchor="ctr"/>
+          <a:lstStyle/>
+          <a:p>
+            <a:pPr algn="ctr" eaLnBrk="1" latinLnBrk="0" hangingPunct="1"/>
+            <a:endParaRPr kumimoji="0" lang="en-US"/>
+          </a:p>
+        </p:txBody>
+      </p:sp>
     </p:spTree>
   </p:cSld>
   <p:clrMapOvr>
-    <a:masterClrMapping/>
+    <a:overrideClrMapping bg1="dk1" tx1="lt1" bg2="dk2" tx2="lt2" accent1="accent1" accent2="accent2" accent3="accent3" accent4="accent4" accent5="accent5" accent6="accent6" hlink="hlink" folHlink="folHlink"/>
   </p:clrMapOvr>
 </p:sldLayout>
 </file>
@@ -1114,186 +1486,21 @@
             <p:ph type="title"/>
           </p:nvPr>
         </p:nvSpPr>
-        <p:spPr/>
+        <p:spPr>
+          <a:xfrm>
+            <a:off x="457200" y="228600"/>
+            <a:ext cx="8229600" cy="914400"/>
+          </a:xfrm>
+        </p:spPr>
         <p:txBody>
           <a:bodyPr/>
           <a:lstStyle/>
           <a:p>
             <a:r>
-              <a:rPr lang="es-ES" smtClean="0"/>
+              <a:rPr kumimoji="0" lang="es-ES" smtClean="0"/>
               <a:t>Haga clic para modificar el estilo de título del patrón</a:t>
             </a:r>
-            <a:endParaRPr lang="es-ES"/>
-          </a:p>
-        </p:txBody>
-      </p:sp>
-      <p:sp>
-        <p:nvSpPr>
-          <p:cNvPr id="3" name="2 Marcador de contenido"/>
-          <p:cNvSpPr>
-            <a:spLocks noGrp="1"/>
-          </p:cNvSpPr>
-          <p:nvPr>
-            <p:ph sz="half" idx="1"/>
-          </p:nvPr>
-        </p:nvSpPr>
-        <p:spPr>
-          <a:xfrm>
-            <a:off x="457200" y="1600200"/>
-            <a:ext cx="4038600" cy="4525963"/>
-          </a:xfrm>
-        </p:spPr>
-        <p:txBody>
-          <a:bodyPr/>
-          <a:lstStyle>
-            <a:lvl1pPr>
-              <a:defRPr sz="2800"/>
-            </a:lvl1pPr>
-            <a:lvl2pPr>
-              <a:defRPr sz="2400"/>
-            </a:lvl2pPr>
-            <a:lvl3pPr>
-              <a:defRPr sz="2000"/>
-            </a:lvl3pPr>
-            <a:lvl4pPr>
-              <a:defRPr sz="1800"/>
-            </a:lvl4pPr>
-            <a:lvl5pPr>
-              <a:defRPr sz="1800"/>
-            </a:lvl5pPr>
-            <a:lvl6pPr>
-              <a:defRPr sz="1800"/>
-            </a:lvl6pPr>
-            <a:lvl7pPr>
-              <a:defRPr sz="1800"/>
-            </a:lvl7pPr>
-            <a:lvl8pPr>
-              <a:defRPr sz="1800"/>
-            </a:lvl8pPr>
-            <a:lvl9pPr>
-              <a:defRPr sz="1800"/>
-            </a:lvl9pPr>
-          </a:lstStyle>
-          <a:p>
-            <a:pPr lvl="0"/>
-            <a:r>
-              <a:rPr lang="es-ES" smtClean="0"/>
-              <a:t>Haga clic para modificar el estilo de texto del patrón</a:t>
-            </a:r>
-          </a:p>
-          <a:p>
-            <a:pPr lvl="1"/>
-            <a:r>
-              <a:rPr lang="es-ES" smtClean="0"/>
-              <a:t>Segundo nivel</a:t>
-            </a:r>
-          </a:p>
-          <a:p>
-            <a:pPr lvl="2"/>
-            <a:r>
-              <a:rPr lang="es-ES" smtClean="0"/>
-              <a:t>Tercer nivel</a:t>
-            </a:r>
-          </a:p>
-          <a:p>
-            <a:pPr lvl="3"/>
-            <a:r>
-              <a:rPr lang="es-ES" smtClean="0"/>
-              <a:t>Cuarto nivel</a:t>
-            </a:r>
-          </a:p>
-          <a:p>
-            <a:pPr lvl="4"/>
-            <a:r>
-              <a:rPr lang="es-ES" smtClean="0"/>
-              <a:t>Quinto nivel</a:t>
-            </a:r>
-            <a:endParaRPr lang="es-ES"/>
-          </a:p>
-        </p:txBody>
-      </p:sp>
-      <p:sp>
-        <p:nvSpPr>
-          <p:cNvPr id="4" name="3 Marcador de contenido"/>
-          <p:cNvSpPr>
-            <a:spLocks noGrp="1"/>
-          </p:cNvSpPr>
-          <p:nvPr>
-            <p:ph sz="half" idx="2"/>
-          </p:nvPr>
-        </p:nvSpPr>
-        <p:spPr>
-          <a:xfrm>
-            <a:off x="4648200" y="1600200"/>
-            <a:ext cx="4038600" cy="4525963"/>
-          </a:xfrm>
-        </p:spPr>
-        <p:txBody>
-          <a:bodyPr/>
-          <a:lstStyle>
-            <a:lvl1pPr>
-              <a:defRPr sz="2800"/>
-            </a:lvl1pPr>
-            <a:lvl2pPr>
-              <a:defRPr sz="2400"/>
-            </a:lvl2pPr>
-            <a:lvl3pPr>
-              <a:defRPr sz="2000"/>
-            </a:lvl3pPr>
-            <a:lvl4pPr>
-              <a:defRPr sz="1800"/>
-            </a:lvl4pPr>
-            <a:lvl5pPr>
-              <a:defRPr sz="1800"/>
-            </a:lvl5pPr>
-            <a:lvl6pPr>
-              <a:defRPr sz="1800"/>
-            </a:lvl6pPr>
-            <a:lvl7pPr>
-              <a:defRPr sz="1800"/>
-            </a:lvl7pPr>
-            <a:lvl8pPr>
-              <a:defRPr sz="1800"/>
-            </a:lvl8pPr>
-            <a:lvl9pPr>
-              <a:defRPr sz="1800"/>
-            </a:lvl9pPr>
-          </a:lstStyle>
-          <a:p>
-            <a:pPr lvl="0"/>
-            <a:r>
-              <a:rPr lang="es-ES" smtClean="0"/>
-              <a:t>Haga clic para modificar el estilo de texto del patrón</a:t>
-            </a:r>
-          </a:p>
-          <a:p>
-            <a:pPr lvl="1"/>
-            <a:r>
-              <a:rPr lang="es-ES" smtClean="0"/>
-              <a:t>Segundo nivel</a:t>
-            </a:r>
-          </a:p>
-          <a:p>
-            <a:pPr lvl="2"/>
-            <a:r>
-              <a:rPr lang="es-ES" smtClean="0"/>
-              <a:t>Tercer nivel</a:t>
-            </a:r>
-          </a:p>
-          <a:p>
-            <a:pPr lvl="3"/>
-            <a:r>
-              <a:rPr lang="es-ES" smtClean="0"/>
-              <a:t>Cuarto nivel</a:t>
-            </a:r>
-          </a:p>
-          <a:p>
-            <a:pPr lvl="4"/>
-            <a:r>
-              <a:rPr lang="es-ES" smtClean="0"/>
-              <a:t>Quinto nivel</a:t>
-            </a:r>
-            <a:endParaRPr lang="es-ES"/>
+            <a:endParaRPr kumimoji="0" lang="en-US"/>
           </a:p>
         </p:txBody>
       </p:sp>
@@ -1314,7 +1521,7 @@
           <a:p>
             <a:fld id="{7A847CFC-816F-41D0-AAC0-9BF4FEBC753E}" type="datetimeFigureOut">
               <a:rPr lang="es-ES" smtClean="0"/>
-              <a:t>06/10/2006</a:t>
+              <a:t>31/07/2015</a:t>
             </a:fld>
             <a:endParaRPr lang="es-ES"/>
           </a:p>
@@ -1359,6 +1566,120 @@
               <a:t>‹Nº›</a:t>
             </a:fld>
             <a:endParaRPr lang="es-ES"/>
+          </a:p>
+        </p:txBody>
+      </p:sp>
+      <p:sp>
+        <p:nvSpPr>
+          <p:cNvPr id="9" name="8 Marcador de contenido"/>
+          <p:cNvSpPr>
+            <a:spLocks noGrp="1"/>
+          </p:cNvSpPr>
+          <p:nvPr>
+            <p:ph sz="quarter" idx="1"/>
+          </p:nvPr>
+        </p:nvSpPr>
+        <p:spPr>
+          <a:xfrm>
+            <a:off x="457200" y="1219200"/>
+            <a:ext cx="4041648" cy="4937760"/>
+          </a:xfrm>
+        </p:spPr>
+        <p:txBody>
+          <a:bodyPr/>
+          <a:lstStyle/>
+          <a:p>
+            <a:pPr lvl="0" eaLnBrk="1" latinLnBrk="0" hangingPunct="1"/>
+            <a:r>
+              <a:rPr lang="es-ES" smtClean="0"/>
+              <a:t>Haga clic para modificar el estilo de texto del patrón</a:t>
+            </a:r>
+          </a:p>
+          <a:p>
+            <a:pPr lvl="1" eaLnBrk="1" latinLnBrk="0" hangingPunct="1"/>
+            <a:r>
+              <a:rPr lang="es-ES" smtClean="0"/>
+              <a:t>Segundo nivel</a:t>
+            </a:r>
+          </a:p>
+          <a:p>
+            <a:pPr lvl="2" eaLnBrk="1" latinLnBrk="0" hangingPunct="1"/>
+            <a:r>
+              <a:rPr lang="es-ES" smtClean="0"/>
+              <a:t>Tercer nivel</a:t>
+            </a:r>
+          </a:p>
+          <a:p>
+            <a:pPr lvl="3" eaLnBrk="1" latinLnBrk="0" hangingPunct="1"/>
+            <a:r>
+              <a:rPr lang="es-ES" smtClean="0"/>
+              <a:t>Cuarto nivel</a:t>
+            </a:r>
+          </a:p>
+          <a:p>
+            <a:pPr lvl="4" eaLnBrk="1" latinLnBrk="0" hangingPunct="1"/>
+            <a:r>
+              <a:rPr lang="es-ES" smtClean="0"/>
+              <a:t>Quinto nivel</a:t>
+            </a:r>
+            <a:endParaRPr kumimoji="0" lang="en-US"/>
+          </a:p>
+        </p:txBody>
+      </p:sp>
+      <p:sp>
+        <p:nvSpPr>
+          <p:cNvPr id="11" name="10 Marcador de contenido"/>
+          <p:cNvSpPr>
+            <a:spLocks noGrp="1"/>
+          </p:cNvSpPr>
+          <p:nvPr>
+            <p:ph sz="quarter" idx="2"/>
+          </p:nvPr>
+        </p:nvSpPr>
+        <p:spPr>
+          <a:xfrm>
+            <a:off x="4632198" y="1216152"/>
+            <a:ext cx="4041648" cy="4937760"/>
+          </a:xfrm>
+        </p:spPr>
+        <p:txBody>
+          <a:bodyPr/>
+          <a:lstStyle/>
+          <a:p>
+            <a:pPr lvl="0" eaLnBrk="1" latinLnBrk="0" hangingPunct="1"/>
+            <a:r>
+              <a:rPr lang="es-ES" smtClean="0"/>
+              <a:t>Haga clic para modificar el estilo de texto del patrón</a:t>
+            </a:r>
+          </a:p>
+          <a:p>
+            <a:pPr lvl="1" eaLnBrk="1" latinLnBrk="0" hangingPunct="1"/>
+            <a:r>
+              <a:rPr lang="es-ES" smtClean="0"/>
+              <a:t>Segundo nivel</a:t>
+            </a:r>
+          </a:p>
+          <a:p>
+            <a:pPr lvl="2" eaLnBrk="1" latinLnBrk="0" hangingPunct="1"/>
+            <a:r>
+              <a:rPr lang="es-ES" smtClean="0"/>
+              <a:t>Tercer nivel</a:t>
+            </a:r>
+          </a:p>
+          <a:p>
+            <a:pPr lvl="3" eaLnBrk="1" latinLnBrk="0" hangingPunct="1"/>
+            <a:r>
+              <a:rPr lang="es-ES" smtClean="0"/>
+              <a:t>Cuarto nivel</a:t>
+            </a:r>
+          </a:p>
+          <a:p>
+            <a:pPr lvl="4" eaLnBrk="1" latinLnBrk="0" hangingPunct="1"/>
+            <a:r>
+              <a:rPr lang="es-ES" smtClean="0"/>
+              <a:t>Quinto nivel</a:t>
+            </a:r>
+            <a:endParaRPr kumimoji="0" lang="en-US"/>
           </a:p>
         </p:txBody>
       </p:sp>
@@ -1397,9 +1718,14 @@
             <p:ph type="title"/>
           </p:nvPr>
         </p:nvSpPr>
-        <p:spPr/>
-        <p:txBody>
-          <a:bodyPr/>
+        <p:spPr>
+          <a:xfrm>
+            <a:off x="457200" y="228600"/>
+            <a:ext cx="8229600" cy="914400"/>
+          </a:xfrm>
+        </p:spPr>
+        <p:txBody>
+          <a:bodyPr anchor="ctr"/>
           <a:lstStyle>
             <a:lvl1pPr>
               <a:defRPr/>
@@ -1407,10 +1733,10 @@
           </a:lstStyle>
           <a:p>
             <a:r>
-              <a:rPr lang="es-ES" smtClean="0"/>
+              <a:rPr kumimoji="0" lang="es-ES" smtClean="0"/>
               <a:t>Haga clic para modificar el estilo de título del patrón</a:t>
             </a:r>
-            <a:endParaRPr lang="es-ES"/>
+            <a:endParaRPr kumimoji="0" lang="en-US"/>
           </a:p>
         </p:txBody>
       </p:sp>
@@ -1426,54 +1752,48 @@
         </p:nvSpPr>
         <p:spPr>
           <a:xfrm>
-            <a:off x="457200" y="1535113"/>
-            <a:ext cx="4040188" cy="639762"/>
-          </a:xfrm>
-        </p:spPr>
-        <p:txBody>
-          <a:bodyPr anchor="b"/>
+            <a:off x="457200" y="1285875"/>
+            <a:ext cx="4040188" cy="685800"/>
+          </a:xfrm>
+          <a:noFill/>
+          <a:ln>
+            <a:noFill/>
+          </a:ln>
+        </p:spPr>
+        <p:txBody>
+          <a:bodyPr lIns="91440" anchor="b" anchorCtr="0">
+            <a:noAutofit/>
+          </a:bodyPr>
           <a:lstStyle>
             <a:lvl1pPr marL="0" indent="0">
               <a:buNone/>
-              <a:defRPr sz="2400" b="1"/>
+              <a:defRPr sz="2400" b="1">
+                <a:solidFill>
+                  <a:schemeClr val="accent2"/>
+                </a:solidFill>
+              </a:defRPr>
             </a:lvl1pPr>
-            <a:lvl2pPr marL="457200" indent="0">
+            <a:lvl2pPr>
               <a:buNone/>
               <a:defRPr sz="2000" b="1"/>
             </a:lvl2pPr>
-            <a:lvl3pPr marL="914400" indent="0">
+            <a:lvl3pPr>
               <a:buNone/>
               <a:defRPr sz="1800" b="1"/>
             </a:lvl3pPr>
-            <a:lvl4pPr marL="1371600" indent="0">
+            <a:lvl4pPr>
               <a:buNone/>
               <a:defRPr sz="1600" b="1"/>
             </a:lvl4pPr>
-            <a:lvl5pPr marL="1828800" indent="0">
+            <a:lvl5pPr>
               <a:buNone/>
               <a:defRPr sz="1600" b="1"/>
             </a:lvl5pPr>
-            <a:lvl6pPr marL="2286000" indent="0">
-              <a:buNone/>
-              <a:defRPr sz="1600" b="1"/>
-            </a:lvl6pPr>
-            <a:lvl7pPr marL="2743200" indent="0">
-              <a:buNone/>
-              <a:defRPr sz="1600" b="1"/>
-            </a:lvl7pPr>
-            <a:lvl8pPr marL="3200400" indent="0">
-              <a:buNone/>
-              <a:defRPr sz="1600" b="1"/>
-            </a:lvl8pPr>
-            <a:lvl9pPr marL="3657600" indent="0">
-              <a:buNone/>
-              <a:defRPr sz="1600" b="1"/>
-            </a:lvl9pPr>
           </a:lstStyle>
           <a:p>
-            <a:pPr lvl="0"/>
-            <a:r>
-              <a:rPr lang="es-ES" smtClean="0"/>
+            <a:pPr lvl="0" eaLnBrk="1" latinLnBrk="0" hangingPunct="1"/>
+            <a:r>
+              <a:rPr kumimoji="0" lang="es-ES" smtClean="0"/>
               <a:t>Haga clic para modificar el estilo de texto del patrón</a:t>
             </a:r>
           </a:p>
@@ -1481,236 +1801,58 @@
       </p:sp>
       <p:sp>
         <p:nvSpPr>
-          <p:cNvPr id="4" name="3 Marcador de contenido"/>
-          <p:cNvSpPr>
-            <a:spLocks noGrp="1"/>
-          </p:cNvSpPr>
-          <p:nvPr>
-            <p:ph sz="half" idx="2"/>
+          <p:cNvPr id="4" name="3 Marcador de texto"/>
+          <p:cNvSpPr>
+            <a:spLocks noGrp="1"/>
+          </p:cNvSpPr>
+          <p:nvPr>
+            <p:ph type="body" sz="half" idx="3"/>
           </p:nvPr>
         </p:nvSpPr>
         <p:spPr>
           <a:xfrm>
-            <a:off x="457200" y="2174875"/>
-            <a:ext cx="4040188" cy="3951288"/>
-          </a:xfrm>
-        </p:spPr>
-        <p:txBody>
-          <a:bodyPr/>
-          <a:lstStyle>
-            <a:lvl1pPr>
-              <a:defRPr sz="2400"/>
-            </a:lvl1pPr>
-            <a:lvl2pPr>
-              <a:defRPr sz="2000"/>
-            </a:lvl2pPr>
-            <a:lvl3pPr>
-              <a:defRPr sz="1800"/>
-            </a:lvl3pPr>
-            <a:lvl4pPr>
-              <a:defRPr sz="1600"/>
-            </a:lvl4pPr>
-            <a:lvl5pPr>
-              <a:defRPr sz="1600"/>
-            </a:lvl5pPr>
-            <a:lvl6pPr>
-              <a:defRPr sz="1600"/>
-            </a:lvl6pPr>
-            <a:lvl7pPr>
-              <a:defRPr sz="1600"/>
-            </a:lvl7pPr>
-            <a:lvl8pPr>
-              <a:defRPr sz="1600"/>
-            </a:lvl8pPr>
-            <a:lvl9pPr>
-              <a:defRPr sz="1600"/>
-            </a:lvl9pPr>
-          </a:lstStyle>
-          <a:p>
-            <a:pPr lvl="0"/>
-            <a:r>
-              <a:rPr lang="es-ES" smtClean="0"/>
-              <a:t>Haga clic para modificar el estilo de texto del patrón</a:t>
-            </a:r>
-          </a:p>
-          <a:p>
-            <a:pPr lvl="1"/>
-            <a:r>
-              <a:rPr lang="es-ES" smtClean="0"/>
-              <a:t>Segundo nivel</a:t>
-            </a:r>
-          </a:p>
-          <a:p>
-            <a:pPr lvl="2"/>
-            <a:r>
-              <a:rPr lang="es-ES" smtClean="0"/>
-              <a:t>Tercer nivel</a:t>
-            </a:r>
-          </a:p>
-          <a:p>
-            <a:pPr lvl="3"/>
-            <a:r>
-              <a:rPr lang="es-ES" smtClean="0"/>
-              <a:t>Cuarto nivel</a:t>
-            </a:r>
-          </a:p>
-          <a:p>
-            <a:pPr lvl="4"/>
-            <a:r>
-              <a:rPr lang="es-ES" smtClean="0"/>
-              <a:t>Quinto nivel</a:t>
-            </a:r>
-            <a:endParaRPr lang="es-ES"/>
-          </a:p>
-        </p:txBody>
-      </p:sp>
-      <p:sp>
-        <p:nvSpPr>
-          <p:cNvPr id="5" name="4 Marcador de texto"/>
-          <p:cNvSpPr>
-            <a:spLocks noGrp="1"/>
-          </p:cNvSpPr>
-          <p:nvPr>
-            <p:ph type="body" sz="quarter" idx="3"/>
-          </p:nvPr>
-        </p:nvSpPr>
-        <p:spPr>
-          <a:xfrm>
-            <a:off x="4645025" y="1535113"/>
-            <a:ext cx="4041775" cy="639762"/>
-          </a:xfrm>
-        </p:spPr>
-        <p:txBody>
-          <a:bodyPr anchor="b"/>
+            <a:off x="4648200" y="1295400"/>
+            <a:ext cx="4041775" cy="685800"/>
+          </a:xfrm>
+          <a:noFill/>
+          <a:ln>
+            <a:noFill/>
+          </a:ln>
+        </p:spPr>
+        <p:txBody>
+          <a:bodyPr lIns="91440" anchor="b" anchorCtr="0"/>
           <a:lstStyle>
             <a:lvl1pPr marL="0" indent="0">
               <a:buNone/>
-              <a:defRPr sz="2400" b="1"/>
+              <a:defRPr sz="2400" b="1">
+                <a:solidFill>
+                  <a:schemeClr val="accent2"/>
+                </a:solidFill>
+              </a:defRPr>
             </a:lvl1pPr>
-            <a:lvl2pPr marL="457200" indent="0">
+            <a:lvl2pPr>
               <a:buNone/>
               <a:defRPr sz="2000" b="1"/>
             </a:lvl2pPr>
-            <a:lvl3pPr marL="914400" indent="0">
+            <a:lvl3pPr>
               <a:buNone/>
               <a:defRPr sz="1800" b="1"/>
             </a:lvl3pPr>
-            <a:lvl4pPr marL="1371600" indent="0">
+            <a:lvl4pPr>
               <a:buNone/>
               <a:defRPr sz="1600" b="1"/>
             </a:lvl4pPr>
-            <a:lvl5pPr marL="1828800" indent="0">
+            <a:lvl5pPr>
               <a:buNone/>
               <a:defRPr sz="1600" b="1"/>
             </a:lvl5pPr>
-            <a:lvl6pPr marL="2286000" indent="0">
-              <a:buNone/>
-              <a:defRPr sz="1600" b="1"/>
-            </a:lvl6pPr>
-            <a:lvl7pPr marL="2743200" indent="0">
-              <a:buNone/>
-              <a:defRPr sz="1600" b="1"/>
-            </a:lvl7pPr>
-            <a:lvl8pPr marL="3200400" indent="0">
-              <a:buNone/>
-              <a:defRPr sz="1600" b="1"/>
-            </a:lvl8pPr>
-            <a:lvl9pPr marL="3657600" indent="0">
-              <a:buNone/>
-              <a:defRPr sz="1600" b="1"/>
-            </a:lvl9pPr>
           </a:lstStyle>
           <a:p>
-            <a:pPr lvl="0"/>
-            <a:r>
-              <a:rPr lang="es-ES" smtClean="0"/>
+            <a:pPr lvl="0" eaLnBrk="1" latinLnBrk="0" hangingPunct="1"/>
+            <a:r>
+              <a:rPr kumimoji="0" lang="es-ES" smtClean="0"/>
               <a:t>Haga clic para modificar el estilo de texto del patrón</a:t>
             </a:r>
-          </a:p>
-        </p:txBody>
-      </p:sp>
-      <p:sp>
-        <p:nvSpPr>
-          <p:cNvPr id="6" name="5 Marcador de contenido"/>
-          <p:cNvSpPr>
-            <a:spLocks noGrp="1"/>
-          </p:cNvSpPr>
-          <p:nvPr>
-            <p:ph sz="quarter" idx="4"/>
-          </p:nvPr>
-        </p:nvSpPr>
-        <p:spPr>
-          <a:xfrm>
-            <a:off x="4645025" y="2174875"/>
-            <a:ext cx="4041775" cy="3951288"/>
-          </a:xfrm>
-        </p:spPr>
-        <p:txBody>
-          <a:bodyPr/>
-          <a:lstStyle>
-            <a:lvl1pPr>
-              <a:defRPr sz="2400"/>
-            </a:lvl1pPr>
-            <a:lvl2pPr>
-              <a:defRPr sz="2000"/>
-            </a:lvl2pPr>
-            <a:lvl3pPr>
-              <a:defRPr sz="1800"/>
-            </a:lvl3pPr>
-            <a:lvl4pPr>
-              <a:defRPr sz="1600"/>
-            </a:lvl4pPr>
-            <a:lvl5pPr>
-              <a:defRPr sz="1600"/>
-            </a:lvl5pPr>
-            <a:lvl6pPr>
-              <a:defRPr sz="1600"/>
-            </a:lvl6pPr>
-            <a:lvl7pPr>
-              <a:defRPr sz="1600"/>
-            </a:lvl7pPr>
-            <a:lvl8pPr>
-              <a:defRPr sz="1600"/>
-            </a:lvl8pPr>
-            <a:lvl9pPr>
-              <a:defRPr sz="1600"/>
-            </a:lvl9pPr>
-          </a:lstStyle>
-          <a:p>
-            <a:pPr lvl="0"/>
-            <a:r>
-              <a:rPr lang="es-ES" smtClean="0"/>
-              <a:t>Haga clic para modificar el estilo de texto del patrón</a:t>
-            </a:r>
-          </a:p>
-          <a:p>
-            <a:pPr lvl="1"/>
-            <a:r>
-              <a:rPr lang="es-ES" smtClean="0"/>
-              <a:t>Segundo nivel</a:t>
-            </a:r>
-          </a:p>
-          <a:p>
-            <a:pPr lvl="2"/>
-            <a:r>
-              <a:rPr lang="es-ES" smtClean="0"/>
-              <a:t>Tercer nivel</a:t>
-            </a:r>
-          </a:p>
-          <a:p>
-            <a:pPr lvl="3"/>
-            <a:r>
-              <a:rPr lang="es-ES" smtClean="0"/>
-              <a:t>Cuarto nivel</a:t>
-            </a:r>
-          </a:p>
-          <a:p>
-            <a:pPr lvl="4"/>
-            <a:r>
-              <a:rPr lang="es-ES" smtClean="0"/>
-              <a:t>Quinto nivel</a:t>
-            </a:r>
-            <a:endParaRPr lang="es-ES"/>
           </a:p>
         </p:txBody>
       </p:sp>
@@ -1731,7 +1873,7 @@
           <a:p>
             <a:fld id="{7A847CFC-816F-41D0-AAC0-9BF4FEBC753E}" type="datetimeFigureOut">
               <a:rPr lang="es-ES" smtClean="0"/>
-              <a:t>06/10/2006</a:t>
+              <a:t>31/07/2015</a:t>
             </a:fld>
             <a:endParaRPr lang="es-ES"/>
           </a:p>
@@ -1776,6 +1918,120 @@
               <a:t>‹Nº›</a:t>
             </a:fld>
             <a:endParaRPr lang="es-ES"/>
+          </a:p>
+        </p:txBody>
+      </p:sp>
+      <p:sp>
+        <p:nvSpPr>
+          <p:cNvPr id="11" name="10 Marcador de contenido"/>
+          <p:cNvSpPr>
+            <a:spLocks noGrp="1"/>
+          </p:cNvSpPr>
+          <p:nvPr>
+            <p:ph sz="quarter" idx="2"/>
+          </p:nvPr>
+        </p:nvSpPr>
+        <p:spPr>
+          <a:xfrm>
+            <a:off x="457200" y="2133600"/>
+            <a:ext cx="4038600" cy="4038600"/>
+          </a:xfrm>
+        </p:spPr>
+        <p:txBody>
+          <a:bodyPr/>
+          <a:lstStyle/>
+          <a:p>
+            <a:pPr lvl="0" eaLnBrk="1" latinLnBrk="0" hangingPunct="1"/>
+            <a:r>
+              <a:rPr lang="es-ES" smtClean="0"/>
+              <a:t>Haga clic para modificar el estilo de texto del patrón</a:t>
+            </a:r>
+          </a:p>
+          <a:p>
+            <a:pPr lvl="1" eaLnBrk="1" latinLnBrk="0" hangingPunct="1"/>
+            <a:r>
+              <a:rPr lang="es-ES" smtClean="0"/>
+              <a:t>Segundo nivel</a:t>
+            </a:r>
+          </a:p>
+          <a:p>
+            <a:pPr lvl="2" eaLnBrk="1" latinLnBrk="0" hangingPunct="1"/>
+            <a:r>
+              <a:rPr lang="es-ES" smtClean="0"/>
+              <a:t>Tercer nivel</a:t>
+            </a:r>
+          </a:p>
+          <a:p>
+            <a:pPr lvl="3" eaLnBrk="1" latinLnBrk="0" hangingPunct="1"/>
+            <a:r>
+              <a:rPr lang="es-ES" smtClean="0"/>
+              <a:t>Cuarto nivel</a:t>
+            </a:r>
+          </a:p>
+          <a:p>
+            <a:pPr lvl="4" eaLnBrk="1" latinLnBrk="0" hangingPunct="1"/>
+            <a:r>
+              <a:rPr lang="es-ES" smtClean="0"/>
+              <a:t>Quinto nivel</a:t>
+            </a:r>
+            <a:endParaRPr kumimoji="0" lang="en-US"/>
+          </a:p>
+        </p:txBody>
+      </p:sp>
+      <p:sp>
+        <p:nvSpPr>
+          <p:cNvPr id="13" name="12 Marcador de contenido"/>
+          <p:cNvSpPr>
+            <a:spLocks noGrp="1"/>
+          </p:cNvSpPr>
+          <p:nvPr>
+            <p:ph sz="quarter" idx="4"/>
+          </p:nvPr>
+        </p:nvSpPr>
+        <p:spPr>
+          <a:xfrm>
+            <a:off x="4648200" y="2133600"/>
+            <a:ext cx="4038600" cy="4038600"/>
+          </a:xfrm>
+        </p:spPr>
+        <p:txBody>
+          <a:bodyPr/>
+          <a:lstStyle/>
+          <a:p>
+            <a:pPr lvl="0" eaLnBrk="1" latinLnBrk="0" hangingPunct="1"/>
+            <a:r>
+              <a:rPr lang="es-ES" smtClean="0"/>
+              <a:t>Haga clic para modificar el estilo de texto del patrón</a:t>
+            </a:r>
+          </a:p>
+          <a:p>
+            <a:pPr lvl="1" eaLnBrk="1" latinLnBrk="0" hangingPunct="1"/>
+            <a:r>
+              <a:rPr lang="es-ES" smtClean="0"/>
+              <a:t>Segundo nivel</a:t>
+            </a:r>
+          </a:p>
+          <a:p>
+            <a:pPr lvl="2" eaLnBrk="1" latinLnBrk="0" hangingPunct="1"/>
+            <a:r>
+              <a:rPr lang="es-ES" smtClean="0"/>
+              <a:t>Tercer nivel</a:t>
+            </a:r>
+          </a:p>
+          <a:p>
+            <a:pPr lvl="3" eaLnBrk="1" latinLnBrk="0" hangingPunct="1"/>
+            <a:r>
+              <a:rPr lang="es-ES" smtClean="0"/>
+              <a:t>Cuarto nivel</a:t>
+            </a:r>
+          </a:p>
+          <a:p>
+            <a:pPr lvl="4" eaLnBrk="1" latinLnBrk="0" hangingPunct="1"/>
+            <a:r>
+              <a:rPr lang="es-ES" smtClean="0"/>
+              <a:t>Quinto nivel</a:t>
+            </a:r>
+            <a:endParaRPr kumimoji="0" lang="en-US"/>
           </a:p>
         </p:txBody>
       </p:sp>
@@ -1814,16 +2070,21 @@
             <p:ph type="title"/>
           </p:nvPr>
         </p:nvSpPr>
-        <p:spPr/>
+        <p:spPr>
+          <a:xfrm>
+            <a:off x="457200" y="228600"/>
+            <a:ext cx="8229600" cy="914400"/>
+          </a:xfrm>
+        </p:spPr>
         <p:txBody>
           <a:bodyPr/>
           <a:lstStyle/>
           <a:p>
             <a:r>
-              <a:rPr lang="es-ES" smtClean="0"/>
+              <a:rPr kumimoji="0" lang="es-ES" smtClean="0"/>
               <a:t>Haga clic para modificar el estilo de título del patrón</a:t>
             </a:r>
-            <a:endParaRPr lang="es-ES"/>
+            <a:endParaRPr kumimoji="0" lang="en-US"/>
           </a:p>
         </p:txBody>
       </p:sp>
@@ -1844,7 +2105,7 @@
           <a:p>
             <a:fld id="{7A847CFC-816F-41D0-AAC0-9BF4FEBC753E}" type="datetimeFigureOut">
               <a:rPr lang="es-ES" smtClean="0"/>
-              <a:t>06/10/2006</a:t>
+              <a:t>31/07/2015</a:t>
             </a:fld>
             <a:endParaRPr lang="es-ES"/>
           </a:p>
@@ -1889,6 +2150,56 @@
               <a:t>‹Nº›</a:t>
             </a:fld>
             <a:endParaRPr lang="es-ES"/>
+          </a:p>
+        </p:txBody>
+      </p:sp>
+      <p:sp>
+        <p:nvSpPr>
+          <p:cNvPr id="6" name="5 Triángulo isósceles"/>
+          <p:cNvSpPr>
+            <a:spLocks noChangeAspect="1"/>
+          </p:cNvSpPr>
+          <p:nvPr/>
+        </p:nvSpPr>
+        <p:spPr>
+          <a:xfrm rot="5400000">
+            <a:off x="419100" y="6467475"/>
+            <a:ext cx="190849" cy="120314"/>
+          </a:xfrm>
+          <a:prstGeom prst="triangle">
+            <a:avLst>
+              <a:gd name="adj" fmla="val 50000"/>
+            </a:avLst>
+          </a:prstGeom>
+          <a:solidFill>
+            <a:schemeClr val="accent2"/>
+          </a:solidFill>
+          <a:ln w="25400" cap="rnd" cmpd="sng" algn="ctr">
+            <a:noFill/>
+            <a:prstDash val="solid"/>
+          </a:ln>
+          <a:effectLst/>
+        </p:spPr>
+        <p:style>
+          <a:lnRef idx="3">
+            <a:schemeClr val="lt1"/>
+          </a:lnRef>
+          <a:fillRef idx="1">
+            <a:schemeClr val="accent1"/>
+          </a:fillRef>
+          <a:effectRef idx="1">
+            <a:schemeClr val="accent1"/>
+          </a:effectRef>
+          <a:fontRef idx="minor">
+            <a:schemeClr val="lt1"/>
+          </a:fontRef>
+        </p:style>
+        <p:txBody>
+          <a:bodyPr anchor="ctr"/>
+          <a:lstStyle/>
+          <a:p>
+            <a:pPr algn="ctr" eaLnBrk="1" latinLnBrk="0" hangingPunct="1"/>
+            <a:endParaRPr kumimoji="0" lang="en-US"/>
           </a:p>
         </p:txBody>
       </p:sp>
@@ -1901,7 +2212,7 @@
 </file>
 
 <file path=ppt/slideLayouts/slideLayout7.xml><?xml version="1.0" encoding="utf-8"?>
-<p:sldLayout xmlns:a="http://schemas.openxmlformats.org/drawingml/2006/main" xmlns:r="http://schemas.openxmlformats.org/officeDocument/2006/relationships" xmlns:p="http://schemas.openxmlformats.org/presentationml/2006/main" type="blank" preserve="1">
+<p:sldLayout xmlns:a="http://schemas.openxmlformats.org/drawingml/2006/main" xmlns:r="http://schemas.openxmlformats.org/officeDocument/2006/relationships" xmlns:p="http://schemas.openxmlformats.org/presentationml/2006/main" showMasterSp="0" type="blank" preserve="1">
   <p:cSld name="En blanco">
     <p:spTree>
       <p:nvGrpSpPr>
@@ -1934,7 +2245,7 @@
           <a:p>
             <a:fld id="{7A847CFC-816F-41D0-AAC0-9BF4FEBC753E}" type="datetimeFigureOut">
               <a:rPr lang="es-ES" smtClean="0"/>
-              <a:t>06/10/2006</a:t>
+              <a:t>31/07/2015</a:t>
             </a:fld>
             <a:endParaRPr lang="es-ES"/>
           </a:p>
@@ -1979,6 +2290,92 @@
               <a:t>‹Nº›</a:t>
             </a:fld>
             <a:endParaRPr lang="es-ES"/>
+          </a:p>
+        </p:txBody>
+      </p:sp>
+      <p:sp>
+        <p:nvSpPr>
+          <p:cNvPr id="5" name="4 Conector recto"/>
+          <p:cNvSpPr>
+            <a:spLocks noChangeShapeType="1"/>
+          </p:cNvSpPr>
+          <p:nvPr/>
+        </p:nvSpPr>
+        <p:spPr bwMode="auto">
+          <a:xfrm>
+            <a:off x="457200" y="6353175"/>
+            <a:ext cx="8229600" cy="0"/>
+          </a:xfrm>
+          <a:prstGeom prst="line">
+            <a:avLst/>
+          </a:prstGeom>
+          <a:noFill/>
+          <a:ln w="9525" cap="flat" cmpd="sng" algn="ctr">
+            <a:solidFill>
+              <a:schemeClr val="accent2"/>
+            </a:solidFill>
+            <a:prstDash val="dash"/>
+            <a:round/>
+            <a:headEnd type="none" w="med" len="med"/>
+            <a:tailEnd type="none" w="med" len="med"/>
+          </a:ln>
+          <a:effectLst/>
+        </p:spPr>
+        <p:txBody>
+          <a:bodyPr vert="horz" wrap="square" lIns="91440" tIns="45720" rIns="91440" bIns="45720" anchor="t" compatLnSpc="1"/>
+          <a:lstStyle/>
+          <a:p>
+            <a:endParaRPr kumimoji="0" lang="en-US"/>
+          </a:p>
+        </p:txBody>
+      </p:sp>
+      <p:sp>
+        <p:nvSpPr>
+          <p:cNvPr id="6" name="5 Triángulo isósceles"/>
+          <p:cNvSpPr>
+            <a:spLocks noChangeAspect="1"/>
+          </p:cNvSpPr>
+          <p:nvPr/>
+        </p:nvSpPr>
+        <p:spPr>
+          <a:xfrm rot="5400000">
+            <a:off x="419100" y="6467475"/>
+            <a:ext cx="190849" cy="120314"/>
+          </a:xfrm>
+          <a:prstGeom prst="triangle">
+            <a:avLst>
+              <a:gd name="adj" fmla="val 50000"/>
+            </a:avLst>
+          </a:prstGeom>
+          <a:solidFill>
+            <a:schemeClr val="accent2"/>
+          </a:solidFill>
+          <a:ln w="25400" cap="rnd" cmpd="sng" algn="ctr">
+            <a:noFill/>
+            <a:prstDash val="solid"/>
+          </a:ln>
+          <a:effectLst/>
+        </p:spPr>
+        <p:style>
+          <a:lnRef idx="3">
+            <a:schemeClr val="lt1"/>
+          </a:lnRef>
+          <a:fillRef idx="1">
+            <a:schemeClr val="accent1"/>
+          </a:fillRef>
+          <a:effectRef idx="1">
+            <a:schemeClr val="accent1"/>
+          </a:effectRef>
+          <a:fontRef idx="minor">
+            <a:schemeClr val="lt1"/>
+          </a:fontRef>
+        </p:style>
+        <p:txBody>
+          <a:bodyPr anchor="ctr"/>
+          <a:lstStyle/>
+          <a:p>
+            <a:pPr algn="ctr" eaLnBrk="1" latinLnBrk="0" hangingPunct="1"/>
+            <a:endParaRPr kumimoji="0" lang="en-US"/>
           </a:p>
         </p:txBody>
       </p:sp>
@@ -1991,7 +2388,7 @@
 </file>
 
 <file path=ppt/slideLayouts/slideLayout8.xml><?xml version="1.0" encoding="utf-8"?>
-<p:sldLayout xmlns:a="http://schemas.openxmlformats.org/drawingml/2006/main" xmlns:r="http://schemas.openxmlformats.org/officeDocument/2006/relationships" xmlns:p="http://schemas.openxmlformats.org/presentationml/2006/main" type="objTx" preserve="1">
+<p:sldLayout xmlns:a="http://schemas.openxmlformats.org/drawingml/2006/main" xmlns:r="http://schemas.openxmlformats.org/officeDocument/2006/relationships" xmlns:p="http://schemas.openxmlformats.org/presentationml/2006/main" showMasterSp="0" type="objTx" preserve="1">
   <p:cSld name="Contenido con título">
     <p:spTree>
       <p:nvGrpSpPr>
@@ -2019,171 +2416,90 @@
         </p:nvSpPr>
         <p:spPr>
           <a:xfrm>
-            <a:off x="457200" y="273050"/>
-            <a:ext cx="3008313" cy="1162050"/>
-          </a:xfrm>
-        </p:spPr>
-        <p:txBody>
-          <a:bodyPr anchor="b"/>
+            <a:off x="6324600" y="304800"/>
+            <a:ext cx="2514600" cy="838200"/>
+          </a:xfrm>
+        </p:spPr>
+        <p:txBody>
+          <a:bodyPr anchor="b" anchorCtr="0">
+            <a:noAutofit/>
+          </a:bodyPr>
           <a:lstStyle>
             <a:lvl1pPr algn="l">
-              <a:defRPr sz="2000" b="1"/>
+              <a:buNone/>
+              <a:defRPr sz="2000" b="1">
+                <a:solidFill>
+                  <a:schemeClr val="tx2"/>
+                </a:solidFill>
+                <a:latin typeface="+mn-lt"/>
+                <a:ea typeface="+mn-ea"/>
+                <a:cs typeface="+mn-cs"/>
+              </a:defRPr>
             </a:lvl1pPr>
           </a:lstStyle>
           <a:p>
             <a:r>
-              <a:rPr lang="es-ES" smtClean="0"/>
+              <a:rPr kumimoji="0" lang="es-ES" smtClean="0"/>
               <a:t>Haga clic para modificar el estilo de título del patrón</a:t>
             </a:r>
-            <a:endParaRPr lang="es-ES"/>
-          </a:p>
-        </p:txBody>
-      </p:sp>
-      <p:sp>
-        <p:nvSpPr>
-          <p:cNvPr id="3" name="2 Marcador de contenido"/>
-          <p:cNvSpPr>
-            <a:spLocks noGrp="1"/>
-          </p:cNvSpPr>
-          <p:nvPr>
-            <p:ph idx="1"/>
+            <a:endParaRPr kumimoji="0" lang="en-US"/>
+          </a:p>
+        </p:txBody>
+      </p:sp>
+      <p:sp>
+        <p:nvSpPr>
+          <p:cNvPr id="3" name="2 Marcador de texto"/>
+          <p:cNvSpPr>
+            <a:spLocks noGrp="1"/>
+          </p:cNvSpPr>
+          <p:nvPr>
+            <p:ph type="body" idx="2"/>
           </p:nvPr>
         </p:nvSpPr>
         <p:spPr>
           <a:xfrm>
-            <a:off x="3575050" y="273050"/>
-            <a:ext cx="5111750" cy="5853113"/>
-          </a:xfrm>
-        </p:spPr>
-        <p:txBody>
-          <a:bodyPr/>
-          <a:lstStyle>
-            <a:lvl1pPr>
-              <a:defRPr sz="3200"/>
-            </a:lvl1pPr>
-            <a:lvl2pPr>
-              <a:defRPr sz="2800"/>
-            </a:lvl2pPr>
-            <a:lvl3pPr>
-              <a:defRPr sz="2400"/>
-            </a:lvl3pPr>
-            <a:lvl4pPr>
-              <a:defRPr sz="2000"/>
-            </a:lvl4pPr>
-            <a:lvl5pPr>
-              <a:defRPr sz="2000"/>
-            </a:lvl5pPr>
-            <a:lvl6pPr>
-              <a:defRPr sz="2000"/>
-            </a:lvl6pPr>
-            <a:lvl7pPr>
-              <a:defRPr sz="2000"/>
-            </a:lvl7pPr>
-            <a:lvl8pPr>
-              <a:defRPr sz="2000"/>
-            </a:lvl8pPr>
-            <a:lvl9pPr>
-              <a:defRPr sz="2000"/>
-            </a:lvl9pPr>
-          </a:lstStyle>
-          <a:p>
-            <a:pPr lvl="0"/>
-            <a:r>
-              <a:rPr lang="es-ES" smtClean="0"/>
-              <a:t>Haga clic para modificar el estilo de texto del patrón</a:t>
-            </a:r>
-          </a:p>
-          <a:p>
-            <a:pPr lvl="1"/>
-            <a:r>
-              <a:rPr lang="es-ES" smtClean="0"/>
-              <a:t>Segundo nivel</a:t>
-            </a:r>
-          </a:p>
-          <a:p>
-            <a:pPr lvl="2"/>
-            <a:r>
-              <a:rPr lang="es-ES" smtClean="0"/>
-              <a:t>Tercer nivel</a:t>
-            </a:r>
-          </a:p>
-          <a:p>
-            <a:pPr lvl="3"/>
-            <a:r>
-              <a:rPr lang="es-ES" smtClean="0"/>
-              <a:t>Cuarto nivel</a:t>
-            </a:r>
-          </a:p>
-          <a:p>
-            <a:pPr lvl="4"/>
-            <a:r>
-              <a:rPr lang="es-ES" smtClean="0"/>
-              <a:t>Quinto nivel</a:t>
-            </a:r>
-            <a:endParaRPr lang="es-ES"/>
-          </a:p>
-        </p:txBody>
-      </p:sp>
-      <p:sp>
-        <p:nvSpPr>
-          <p:cNvPr id="4" name="3 Marcador de texto"/>
-          <p:cNvSpPr>
-            <a:spLocks noGrp="1"/>
-          </p:cNvSpPr>
-          <p:nvPr>
-            <p:ph type="body" sz="half" idx="2"/>
-          </p:nvPr>
-        </p:nvSpPr>
-        <p:spPr>
-          <a:xfrm>
-            <a:off x="457200" y="1435100"/>
-            <a:ext cx="3008313" cy="4691063"/>
+            <a:off x="6324600" y="1219200"/>
+            <a:ext cx="2514600" cy="4843463"/>
           </a:xfrm>
         </p:spPr>
         <p:txBody>
           <a:bodyPr/>
           <a:lstStyle>
             <a:lvl1pPr marL="0" indent="0">
+              <a:lnSpc>
+                <a:spcPts val="2200"/>
+              </a:lnSpc>
+              <a:spcAft>
+                <a:spcPts val="1000"/>
+              </a:spcAft>
               <a:buNone/>
-              <a:defRPr sz="1400"/>
+              <a:defRPr sz="1600">
+                <a:solidFill>
+                  <a:schemeClr val="tx2"/>
+                </a:solidFill>
+              </a:defRPr>
             </a:lvl1pPr>
-            <a:lvl2pPr marL="457200" indent="0">
+            <a:lvl2pPr>
               <a:buNone/>
               <a:defRPr sz="1200"/>
             </a:lvl2pPr>
-            <a:lvl3pPr marL="914400" indent="0">
+            <a:lvl3pPr>
               <a:buNone/>
               <a:defRPr sz="1000"/>
             </a:lvl3pPr>
-            <a:lvl4pPr marL="1371600" indent="0">
+            <a:lvl4pPr>
               <a:buNone/>
               <a:defRPr sz="900"/>
             </a:lvl4pPr>
-            <a:lvl5pPr marL="1828800" indent="0">
+            <a:lvl5pPr>
               <a:buNone/>
               <a:defRPr sz="900"/>
             </a:lvl5pPr>
-            <a:lvl6pPr marL="2286000" indent="0">
-              <a:buNone/>
-              <a:defRPr sz="900"/>
-            </a:lvl6pPr>
-            <a:lvl7pPr marL="2743200" indent="0">
-              <a:buNone/>
-              <a:defRPr sz="900"/>
-            </a:lvl7pPr>
-            <a:lvl8pPr marL="3200400" indent="0">
-              <a:buNone/>
-              <a:defRPr sz="900"/>
-            </a:lvl8pPr>
-            <a:lvl9pPr marL="3657600" indent="0">
-              <a:buNone/>
-              <a:defRPr sz="900"/>
-            </a:lvl9pPr>
           </a:lstStyle>
           <a:p>
-            <a:pPr lvl="0"/>
-            <a:r>
-              <a:rPr lang="es-ES" smtClean="0"/>
+            <a:pPr lvl="0" eaLnBrk="1" latinLnBrk="0" hangingPunct="1"/>
+            <a:r>
+              <a:rPr kumimoji="0" lang="es-ES" smtClean="0"/>
               <a:t>Haga clic para modificar el estilo de texto del patrón</a:t>
             </a:r>
           </a:p>
@@ -2206,7 +2522,7 @@
           <a:p>
             <a:fld id="{7A847CFC-816F-41D0-AAC0-9BF4FEBC753E}" type="datetimeFigureOut">
               <a:rPr lang="es-ES" smtClean="0"/>
-              <a:t>06/10/2006</a:t>
+              <a:t>31/07/2015</a:t>
             </a:fld>
             <a:endParaRPr lang="es-ES"/>
           </a:p>
@@ -2251,6 +2567,185 @@
               <a:t>‹Nº›</a:t>
             </a:fld>
             <a:endParaRPr lang="es-ES"/>
+          </a:p>
+        </p:txBody>
+      </p:sp>
+      <p:sp>
+        <p:nvSpPr>
+          <p:cNvPr id="8" name="7 Conector recto"/>
+          <p:cNvSpPr>
+            <a:spLocks noChangeShapeType="1"/>
+          </p:cNvSpPr>
+          <p:nvPr/>
+        </p:nvSpPr>
+        <p:spPr bwMode="auto">
+          <a:xfrm>
+            <a:off x="457200" y="6353175"/>
+            <a:ext cx="8229600" cy="0"/>
+          </a:xfrm>
+          <a:prstGeom prst="line">
+            <a:avLst/>
+          </a:prstGeom>
+          <a:noFill/>
+          <a:ln w="9525" cap="flat" cmpd="sng" algn="ctr">
+            <a:solidFill>
+              <a:schemeClr val="accent2"/>
+            </a:solidFill>
+            <a:prstDash val="dash"/>
+            <a:round/>
+            <a:headEnd type="none" w="med" len="med"/>
+            <a:tailEnd type="none" w="med" len="med"/>
+          </a:ln>
+          <a:effectLst/>
+        </p:spPr>
+        <p:txBody>
+          <a:bodyPr vert="horz" wrap="square" lIns="91440" tIns="45720" rIns="91440" bIns="45720" anchor="t" compatLnSpc="1"/>
+          <a:lstStyle/>
+          <a:p>
+            <a:endParaRPr kumimoji="0" lang="en-US"/>
+          </a:p>
+        </p:txBody>
+      </p:sp>
+      <p:sp>
+        <p:nvSpPr>
+          <p:cNvPr id="10" name="9 Conector recto"/>
+          <p:cNvSpPr>
+            <a:spLocks noChangeShapeType="1"/>
+          </p:cNvSpPr>
+          <p:nvPr/>
+        </p:nvSpPr>
+        <p:spPr bwMode="auto">
+          <a:xfrm rot="5400000">
+            <a:off x="3160645" y="3324225"/>
+            <a:ext cx="6035040" cy="0"/>
+          </a:xfrm>
+          <a:prstGeom prst="line">
+            <a:avLst/>
+          </a:prstGeom>
+          <a:noFill/>
+          <a:ln w="9525" cap="flat" cmpd="sng" algn="ctr">
+            <a:solidFill>
+              <a:schemeClr val="accent2"/>
+            </a:solidFill>
+            <a:prstDash val="dash"/>
+            <a:round/>
+            <a:headEnd type="none" w="med" len="med"/>
+            <a:tailEnd type="none" w="med" len="med"/>
+          </a:ln>
+          <a:effectLst/>
+        </p:spPr>
+        <p:txBody>
+          <a:bodyPr vert="horz" wrap="square" lIns="91440" tIns="45720" rIns="91440" bIns="45720" anchor="t" compatLnSpc="1"/>
+          <a:lstStyle/>
+          <a:p>
+            <a:endParaRPr kumimoji="0" lang="en-US" dirty="0"/>
+          </a:p>
+        </p:txBody>
+      </p:sp>
+      <p:sp>
+        <p:nvSpPr>
+          <p:cNvPr id="9" name="8 Triángulo isósceles"/>
+          <p:cNvSpPr>
+            <a:spLocks noChangeAspect="1"/>
+          </p:cNvSpPr>
+          <p:nvPr/>
+        </p:nvSpPr>
+        <p:spPr>
+          <a:xfrm rot="5400000">
+            <a:off x="419100" y="6467475"/>
+            <a:ext cx="190849" cy="120314"/>
+          </a:xfrm>
+          <a:prstGeom prst="triangle">
+            <a:avLst>
+              <a:gd name="adj" fmla="val 50000"/>
+            </a:avLst>
+          </a:prstGeom>
+          <a:solidFill>
+            <a:schemeClr val="accent2"/>
+          </a:solidFill>
+          <a:ln w="25400" cap="rnd" cmpd="sng" algn="ctr">
+            <a:noFill/>
+            <a:prstDash val="solid"/>
+          </a:ln>
+          <a:effectLst/>
+        </p:spPr>
+        <p:style>
+          <a:lnRef idx="3">
+            <a:schemeClr val="lt1"/>
+          </a:lnRef>
+          <a:fillRef idx="1">
+            <a:schemeClr val="accent1"/>
+          </a:fillRef>
+          <a:effectRef idx="1">
+            <a:schemeClr val="accent1"/>
+          </a:effectRef>
+          <a:fontRef idx="minor">
+            <a:schemeClr val="lt1"/>
+          </a:fontRef>
+        </p:style>
+        <p:txBody>
+          <a:bodyPr anchor="ctr"/>
+          <a:lstStyle/>
+          <a:p>
+            <a:pPr algn="ctr" eaLnBrk="1" latinLnBrk="0" hangingPunct="1"/>
+            <a:endParaRPr kumimoji="0" lang="en-US"/>
+          </a:p>
+        </p:txBody>
+      </p:sp>
+      <p:sp>
+        <p:nvSpPr>
+          <p:cNvPr id="12" name="11 Marcador de contenido"/>
+          <p:cNvSpPr>
+            <a:spLocks noGrp="1"/>
+          </p:cNvSpPr>
+          <p:nvPr>
+            <p:ph sz="quarter" idx="1"/>
+          </p:nvPr>
+        </p:nvSpPr>
+        <p:spPr>
+          <a:xfrm>
+            <a:off x="304800" y="304800"/>
+            <a:ext cx="5715000" cy="5715000"/>
+          </a:xfrm>
+        </p:spPr>
+        <p:txBody>
+          <a:bodyPr/>
+          <a:lstStyle/>
+          <a:p>
+            <a:pPr lvl="0" eaLnBrk="1" latinLnBrk="0" hangingPunct="1"/>
+            <a:r>
+              <a:rPr lang="es-ES" smtClean="0"/>
+              <a:t>Haga clic para modificar el estilo de texto del patrón</a:t>
+            </a:r>
+          </a:p>
+          <a:p>
+            <a:pPr lvl="1" eaLnBrk="1" latinLnBrk="0" hangingPunct="1"/>
+            <a:r>
+              <a:rPr lang="es-ES" smtClean="0"/>
+              <a:t>Segundo nivel</a:t>
+            </a:r>
+          </a:p>
+          <a:p>
+            <a:pPr lvl="2" eaLnBrk="1" latinLnBrk="0" hangingPunct="1"/>
+            <a:r>
+              <a:rPr lang="es-ES" smtClean="0"/>
+              <a:t>Tercer nivel</a:t>
+            </a:r>
+          </a:p>
+          <a:p>
+            <a:pPr lvl="3" eaLnBrk="1" latinLnBrk="0" hangingPunct="1"/>
+            <a:r>
+              <a:rPr lang="es-ES" smtClean="0"/>
+              <a:t>Cuarto nivel</a:t>
+            </a:r>
+          </a:p>
+          <a:p>
+            <a:pPr lvl="4" eaLnBrk="1" latinLnBrk="0" hangingPunct="1"/>
+            <a:r>
+              <a:rPr lang="es-ES" smtClean="0"/>
+              <a:t>Quinto nivel</a:t>
+            </a:r>
+            <a:endParaRPr kumimoji="0" lang="en-US"/>
           </a:p>
         </p:txBody>
       </p:sp>
@@ -2263,8 +2758,13 @@
 </file>
 
 <file path=ppt/slideLayouts/slideLayout9.xml><?xml version="1.0" encoding="utf-8"?>
-<p:sldLayout xmlns:a="http://schemas.openxmlformats.org/drawingml/2006/main" xmlns:r="http://schemas.openxmlformats.org/officeDocument/2006/relationships" xmlns:p="http://schemas.openxmlformats.org/presentationml/2006/main" type="picTx" preserve="1">
+<p:sldLayout xmlns:a="http://schemas.openxmlformats.org/drawingml/2006/main" xmlns:r="http://schemas.openxmlformats.org/officeDocument/2006/relationships" xmlns:p="http://schemas.openxmlformats.org/presentationml/2006/main" showMasterSp="0" type="picTx" preserve="1">
   <p:cSld name="Imagen con título">
+    <p:bg>
+      <p:bgRef idx="1001">
+        <a:schemeClr val="bg2"/>
+      </p:bgRef>
+    </p:bg>
     <p:spTree>
       <p:nvGrpSpPr>
         <p:cNvPr id="1" name=""/>
@@ -2291,23 +2791,33 @@
         </p:nvSpPr>
         <p:spPr>
           <a:xfrm>
-            <a:off x="1792288" y="4800600"/>
-            <a:ext cx="5486400" cy="566738"/>
-          </a:xfrm>
-        </p:spPr>
-        <p:txBody>
-          <a:bodyPr anchor="b"/>
+            <a:off x="457200" y="500856"/>
+            <a:ext cx="8229600" cy="674688"/>
+          </a:xfrm>
+          <a:ln>
+            <a:solidFill>
+              <a:schemeClr val="accent1"/>
+            </a:solidFill>
+          </a:ln>
+        </p:spPr>
+        <p:txBody>
+          <a:bodyPr lIns="274320" anchor="ctr"/>
           <a:lstStyle>
-            <a:lvl1pPr algn="l">
-              <a:defRPr sz="2000" b="1"/>
+            <a:lvl1pPr algn="r">
+              <a:buNone/>
+              <a:defRPr sz="2000" b="0">
+                <a:solidFill>
+                  <a:schemeClr val="tx1"/>
+                </a:solidFill>
+              </a:defRPr>
             </a:lvl1pPr>
           </a:lstStyle>
           <a:p>
             <a:r>
-              <a:rPr lang="es-ES" smtClean="0"/>
+              <a:rPr kumimoji="0" lang="es-ES" smtClean="0"/>
               <a:t>Haga clic para modificar el estilo de título del patrón</a:t>
             </a:r>
-            <a:endParaRPr lang="es-ES"/>
+            <a:endParaRPr kumimoji="0" lang="en-US"/>
           </a:p>
         </p:txBody>
       </p:sp>
@@ -2323,52 +2833,36 @@
         </p:nvSpPr>
         <p:spPr>
           <a:xfrm>
-            <a:off x="1792288" y="612775"/>
-            <a:ext cx="5486400" cy="4114800"/>
-          </a:xfrm>
+            <a:off x="457200" y="1905000"/>
+            <a:ext cx="8229600" cy="4270248"/>
+          </a:xfrm>
+          <a:solidFill>
+            <a:schemeClr val="tx1">
+              <a:shade val="50000"/>
+            </a:schemeClr>
+          </a:solidFill>
+          <a:ln>
+            <a:noFill/>
+          </a:ln>
+          <a:effectLst/>
         </p:spPr>
         <p:txBody>
           <a:bodyPr/>
           <a:lstStyle>
             <a:lvl1pPr marL="0" indent="0">
+              <a:spcBef>
+                <a:spcPts val="600"/>
+              </a:spcBef>
               <a:buNone/>
               <a:defRPr sz="3200"/>
             </a:lvl1pPr>
-            <a:lvl2pPr marL="457200" indent="0">
-              <a:buNone/>
-              <a:defRPr sz="2800"/>
-            </a:lvl2pPr>
-            <a:lvl3pPr marL="914400" indent="0">
-              <a:buNone/>
-              <a:defRPr sz="2400"/>
-            </a:lvl3pPr>
-            <a:lvl4pPr marL="1371600" indent="0">
-              <a:buNone/>
-              <a:defRPr sz="2000"/>
-            </a:lvl4pPr>
-            <a:lvl5pPr marL="1828800" indent="0">
-              <a:buNone/>
-              <a:defRPr sz="2000"/>
-            </a:lvl5pPr>
-            <a:lvl6pPr marL="2286000" indent="0">
-              <a:buNone/>
-              <a:defRPr sz="2000"/>
-            </a:lvl6pPr>
-            <a:lvl7pPr marL="2743200" indent="0">
-              <a:buNone/>
-              <a:defRPr sz="2000"/>
-            </a:lvl7pPr>
-            <a:lvl8pPr marL="3200400" indent="0">
-              <a:buNone/>
-              <a:defRPr sz="2000"/>
-            </a:lvl8pPr>
-            <a:lvl9pPr marL="3657600" indent="0">
-              <a:buNone/>
-              <a:defRPr sz="2000"/>
-            </a:lvl9pPr>
           </a:lstStyle>
           <a:p>
-            <a:endParaRPr lang="es-ES"/>
+            <a:r>
+              <a:rPr kumimoji="0" lang="es-ES" smtClean="0"/>
+              <a:t>Haga clic en el icono para agregar una imagen</a:t>
+            </a:r>
+            <a:endParaRPr kumimoji="0" lang="en-US" dirty="0"/>
           </a:p>
         </p:txBody>
       </p:sp>
@@ -2384,54 +2878,35 @@
         </p:nvSpPr>
         <p:spPr>
           <a:xfrm>
-            <a:off x="1792288" y="5367338"/>
-            <a:ext cx="5486400" cy="804862"/>
-          </a:xfrm>
-        </p:spPr>
-        <p:txBody>
-          <a:bodyPr/>
+            <a:off x="457200" y="1219200"/>
+            <a:ext cx="8229600" cy="533400"/>
+          </a:xfrm>
+        </p:spPr>
+        <p:txBody>
+          <a:bodyPr anchor="ctr" anchorCtr="0"/>
           <a:lstStyle>
-            <a:lvl1pPr marL="0" indent="0">
+            <a:lvl1pPr marL="0" indent="0" algn="l">
+              <a:buFontTx/>
               <a:buNone/>
               <a:defRPr sz="1400"/>
             </a:lvl1pPr>
-            <a:lvl2pPr marL="457200" indent="0">
-              <a:buNone/>
+            <a:lvl2pPr>
               <a:defRPr sz="1200"/>
             </a:lvl2pPr>
-            <a:lvl3pPr marL="914400" indent="0">
-              <a:buNone/>
+            <a:lvl3pPr>
               <a:defRPr sz="1000"/>
             </a:lvl3pPr>
-            <a:lvl4pPr marL="1371600" indent="0">
-              <a:buNone/>
+            <a:lvl4pPr>
               <a:defRPr sz="900"/>
             </a:lvl4pPr>
-            <a:lvl5pPr marL="1828800" indent="0">
-              <a:buNone/>
+            <a:lvl5pPr>
               <a:defRPr sz="900"/>
             </a:lvl5pPr>
-            <a:lvl6pPr marL="2286000" indent="0">
-              <a:buNone/>
-              <a:defRPr sz="900"/>
-            </a:lvl6pPr>
-            <a:lvl7pPr marL="2743200" indent="0">
-              <a:buNone/>
-              <a:defRPr sz="900"/>
-            </a:lvl7pPr>
-            <a:lvl8pPr marL="3200400" indent="0">
-              <a:buNone/>
-              <a:defRPr sz="900"/>
-            </a:lvl8pPr>
-            <a:lvl9pPr marL="3657600" indent="0">
-              <a:buNone/>
-              <a:defRPr sz="900"/>
-            </a:lvl9pPr>
           </a:lstStyle>
           <a:p>
-            <a:pPr lvl="0"/>
-            <a:r>
-              <a:rPr lang="es-ES" smtClean="0"/>
+            <a:pPr lvl="0" eaLnBrk="1" latinLnBrk="0" hangingPunct="1"/>
+            <a:r>
+              <a:rPr kumimoji="0" lang="es-ES" smtClean="0"/>
               <a:t>Haga clic para modificar el estilo de texto del patrón</a:t>
             </a:r>
           </a:p>
@@ -2454,7 +2929,7 @@
           <a:p>
             <a:fld id="{7A847CFC-816F-41D0-AAC0-9BF4FEBC753E}" type="datetimeFigureOut">
               <a:rPr lang="es-ES" smtClean="0"/>
-              <a:t>06/10/2006</a:t>
+              <a:t>31/07/2015</a:t>
             </a:fld>
             <a:endParaRPr lang="es-ES"/>
           </a:p>
@@ -2502,10 +2977,142 @@
           </a:p>
         </p:txBody>
       </p:sp>
+      <p:sp>
+        <p:nvSpPr>
+          <p:cNvPr id="8" name="7 Conector recto"/>
+          <p:cNvSpPr>
+            <a:spLocks noChangeShapeType="1"/>
+          </p:cNvSpPr>
+          <p:nvPr/>
+        </p:nvSpPr>
+        <p:spPr bwMode="auto">
+          <a:xfrm>
+            <a:off x="457200" y="6353175"/>
+            <a:ext cx="8229600" cy="0"/>
+          </a:xfrm>
+          <a:prstGeom prst="line">
+            <a:avLst/>
+          </a:prstGeom>
+          <a:noFill/>
+          <a:ln w="9525" cap="flat" cmpd="sng" algn="ctr">
+            <a:solidFill>
+              <a:schemeClr val="accent2"/>
+            </a:solidFill>
+            <a:prstDash val="dash"/>
+            <a:round/>
+            <a:headEnd type="none" w="med" len="med"/>
+            <a:tailEnd type="none" w="med" len="med"/>
+          </a:ln>
+          <a:effectLst/>
+        </p:spPr>
+        <p:txBody>
+          <a:bodyPr vert="horz" wrap="square" lIns="91440" tIns="45720" rIns="91440" bIns="45720" anchor="t" compatLnSpc="1"/>
+          <a:lstStyle/>
+          <a:p>
+            <a:endParaRPr kumimoji="0" lang="en-US"/>
+          </a:p>
+        </p:txBody>
+      </p:sp>
+      <p:sp>
+        <p:nvSpPr>
+          <p:cNvPr id="9" name="8 Triángulo isósceles"/>
+          <p:cNvSpPr>
+            <a:spLocks noChangeAspect="1"/>
+          </p:cNvSpPr>
+          <p:nvPr/>
+        </p:nvSpPr>
+        <p:spPr>
+          <a:xfrm rot="5400000">
+            <a:off x="419100" y="6467475"/>
+            <a:ext cx="190849" cy="120314"/>
+          </a:xfrm>
+          <a:prstGeom prst="triangle">
+            <a:avLst>
+              <a:gd name="adj" fmla="val 50000"/>
+            </a:avLst>
+          </a:prstGeom>
+          <a:solidFill>
+            <a:schemeClr val="accent2"/>
+          </a:solidFill>
+          <a:ln w="25400" cap="rnd" cmpd="sng" algn="ctr">
+            <a:noFill/>
+            <a:prstDash val="solid"/>
+          </a:ln>
+          <a:effectLst/>
+        </p:spPr>
+        <p:style>
+          <a:lnRef idx="3">
+            <a:schemeClr val="lt1"/>
+          </a:lnRef>
+          <a:fillRef idx="1">
+            <a:schemeClr val="accent1"/>
+          </a:fillRef>
+          <a:effectRef idx="1">
+            <a:schemeClr val="accent1"/>
+          </a:effectRef>
+          <a:fontRef idx="minor">
+            <a:schemeClr val="lt1"/>
+          </a:fontRef>
+        </p:style>
+        <p:txBody>
+          <a:bodyPr anchor="ctr"/>
+          <a:lstStyle/>
+          <a:p>
+            <a:pPr algn="ctr" eaLnBrk="1" latinLnBrk="0" hangingPunct="1"/>
+            <a:endParaRPr kumimoji="0" lang="en-US"/>
+          </a:p>
+        </p:txBody>
+      </p:sp>
+      <p:sp>
+        <p:nvSpPr>
+          <p:cNvPr id="10" name="9 Rectángulo"/>
+          <p:cNvSpPr/>
+          <p:nvPr/>
+        </p:nvSpPr>
+        <p:spPr>
+          <a:xfrm>
+            <a:off x="457200" y="500856"/>
+            <a:ext cx="182880" cy="685800"/>
+          </a:xfrm>
+          <a:prstGeom prst="rect">
+            <a:avLst/>
+          </a:prstGeom>
+          <a:solidFill>
+            <a:schemeClr val="accent1"/>
+          </a:solidFill>
+          <a:ln w="6350" cap="rnd" cmpd="sng" algn="ctr">
+            <a:noFill/>
+            <a:prstDash val="solid"/>
+          </a:ln>
+          <a:effectLst/>
+        </p:spPr>
+        <p:style>
+          <a:lnRef idx="3">
+            <a:schemeClr val="lt1"/>
+          </a:lnRef>
+          <a:fillRef idx="1">
+            <a:schemeClr val="accent1"/>
+          </a:fillRef>
+          <a:effectRef idx="1">
+            <a:schemeClr val="accent1"/>
+          </a:effectRef>
+          <a:fontRef idx="minor">
+            <a:schemeClr val="lt1"/>
+          </a:fontRef>
+        </p:style>
+        <p:txBody>
+          <a:bodyPr anchor="ctr"/>
+          <a:lstStyle/>
+          <a:p>
+            <a:pPr algn="ctr" eaLnBrk="1" latinLnBrk="0" hangingPunct="1"/>
+            <a:endParaRPr kumimoji="0" lang="en-US"/>
+          </a:p>
+        </p:txBody>
+      </p:sp>
     </p:spTree>
   </p:cSld>
   <p:clrMapOvr>
-    <a:masterClrMapping/>
+    <a:overrideClrMapping bg1="dk1" tx1="lt1" bg2="dk2" tx2="lt2" accent1="accent1" accent2="accent2" accent3="accent3" accent4="accent4" accent5="accent5" accent6="accent6" hlink="hlink" folHlink="folHlink"/>
   </p:clrMapOvr>
 </p:sldLayout>
 </file>
@@ -2534,7 +3141,7 @@
       </p:grpSpPr>
       <p:sp>
         <p:nvSpPr>
-          <p:cNvPr id="2" name="1 Marcador de título"/>
+          <p:cNvPr id="22" name="21 Marcador de título"/>
           <p:cNvSpPr>
             <a:spLocks noGrp="1"/>
           </p:cNvSpPr>
@@ -2544,30 +3151,30 @@
         </p:nvSpPr>
         <p:spPr>
           <a:xfrm>
-            <a:off x="457200" y="274638"/>
-            <a:ext cx="8229600" cy="1143000"/>
+            <a:off x="457200" y="152400"/>
+            <a:ext cx="8229600" cy="990600"/>
           </a:xfrm>
           <a:prstGeom prst="rect">
             <a:avLst/>
           </a:prstGeom>
         </p:spPr>
         <p:txBody>
-          <a:bodyPr vert="horz" lIns="91440" tIns="45720" rIns="91440" bIns="45720" rtlCol="0" anchor="ctr">
+          <a:bodyPr vert="horz" anchor="b" anchorCtr="0">
             <a:normAutofit/>
           </a:bodyPr>
           <a:lstStyle/>
           <a:p>
             <a:r>
-              <a:rPr lang="es-ES" smtClean="0"/>
+              <a:rPr kumimoji="0" lang="es-ES" smtClean="0"/>
               <a:t>Haga clic para modificar el estilo de título del patrón</a:t>
             </a:r>
-            <a:endParaRPr lang="es-ES"/>
-          </a:p>
-        </p:txBody>
-      </p:sp>
-      <p:sp>
-        <p:nvSpPr>
-          <p:cNvPr id="3" name="2 Marcador de texto"/>
+            <a:endParaRPr kumimoji="0" lang="en-US"/>
+          </a:p>
+        </p:txBody>
+      </p:sp>
+      <p:sp>
+        <p:nvSpPr>
+          <p:cNvPr id="13" name="12 Marcador de texto"/>
           <p:cNvSpPr>
             <a:spLocks noGrp="1"/>
           </p:cNvSpPr>
@@ -2577,59 +3184,59 @@
         </p:nvSpPr>
         <p:spPr>
           <a:xfrm>
-            <a:off x="457200" y="1600200"/>
-            <a:ext cx="8229600" cy="4525963"/>
+            <a:off x="457200" y="1219200"/>
+            <a:ext cx="8229600" cy="4910328"/>
           </a:xfrm>
           <a:prstGeom prst="rect">
             <a:avLst/>
           </a:prstGeom>
         </p:spPr>
         <p:txBody>
-          <a:bodyPr vert="horz" lIns="91440" tIns="45720" rIns="91440" bIns="45720" rtlCol="0">
+          <a:bodyPr vert="horz">
             <a:normAutofit/>
           </a:bodyPr>
           <a:lstStyle/>
           <a:p>
-            <a:pPr lvl="0"/>
-            <a:r>
-              <a:rPr lang="es-ES" smtClean="0"/>
+            <a:pPr lvl="0" eaLnBrk="1" latinLnBrk="0" hangingPunct="1"/>
+            <a:r>
+              <a:rPr kumimoji="0" lang="es-ES" smtClean="0"/>
               <a:t>Haga clic para modificar el estilo de texto del patrón</a:t>
             </a:r>
           </a:p>
           <a:p>
-            <a:pPr lvl="1"/>
-            <a:r>
-              <a:rPr lang="es-ES" smtClean="0"/>
+            <a:pPr lvl="1" eaLnBrk="1" latinLnBrk="0" hangingPunct="1"/>
+            <a:r>
+              <a:rPr kumimoji="0" lang="es-ES" smtClean="0"/>
               <a:t>Segundo nivel</a:t>
             </a:r>
           </a:p>
           <a:p>
-            <a:pPr lvl="2"/>
-            <a:r>
-              <a:rPr lang="es-ES" smtClean="0"/>
+            <a:pPr lvl="2" eaLnBrk="1" latinLnBrk="0" hangingPunct="1"/>
+            <a:r>
+              <a:rPr kumimoji="0" lang="es-ES" smtClean="0"/>
               <a:t>Tercer nivel</a:t>
             </a:r>
           </a:p>
           <a:p>
-            <a:pPr lvl="3"/>
-            <a:r>
-              <a:rPr lang="es-ES" smtClean="0"/>
+            <a:pPr lvl="3" eaLnBrk="1" latinLnBrk="0" hangingPunct="1"/>
+            <a:r>
+              <a:rPr kumimoji="0" lang="es-ES" smtClean="0"/>
               <a:t>Cuarto nivel</a:t>
             </a:r>
           </a:p>
           <a:p>
-            <a:pPr lvl="4"/>
-            <a:r>
-              <a:rPr lang="es-ES" smtClean="0"/>
+            <a:pPr lvl="4" eaLnBrk="1" latinLnBrk="0" hangingPunct="1"/>
+            <a:r>
+              <a:rPr kumimoji="0" lang="es-ES" smtClean="0"/>
               <a:t>Quinto nivel</a:t>
             </a:r>
-            <a:endParaRPr lang="es-ES"/>
-          </a:p>
-        </p:txBody>
-      </p:sp>
-      <p:sp>
-        <p:nvSpPr>
-          <p:cNvPr id="4" name="3 Marcador de fecha"/>
+            <a:endParaRPr kumimoji="0" lang="en-US"/>
+          </a:p>
+        </p:txBody>
+      </p:sp>
+      <p:sp>
+        <p:nvSpPr>
+          <p:cNvPr id="14" name="13 Marcador de fecha"/>
           <p:cNvSpPr>
             <a:spLocks noGrp="1"/>
           </p:cNvSpPr>
@@ -2639,22 +3246,20 @@
         </p:nvSpPr>
         <p:spPr>
           <a:xfrm>
-            <a:off x="457200" y="6356350"/>
-            <a:ext cx="2133600" cy="365125"/>
+            <a:off x="6400800" y="6356350"/>
+            <a:ext cx="2289048" cy="365760"/>
           </a:xfrm>
           <a:prstGeom prst="rect">
             <a:avLst/>
           </a:prstGeom>
         </p:spPr>
         <p:txBody>
-          <a:bodyPr vert="horz" lIns="91440" tIns="45720" rIns="91440" bIns="45720" rtlCol="0" anchor="ctr"/>
+          <a:bodyPr vert="horz"/>
           <a:lstStyle>
-            <a:lvl1pPr algn="l">
-              <a:defRPr sz="1200">
+            <a:lvl1pPr algn="l" eaLnBrk="1" latinLnBrk="0" hangingPunct="1">
+              <a:defRPr kumimoji="0" sz="1400">
                 <a:solidFill>
-                  <a:schemeClr val="tx1">
-                    <a:tint val="75000"/>
-                  </a:schemeClr>
+                  <a:schemeClr val="tx2"/>
                 </a:solidFill>
               </a:defRPr>
             </a:lvl1pPr>
@@ -2662,7 +3267,7 @@
           <a:p>
             <a:fld id="{7A847CFC-816F-41D0-AAC0-9BF4FEBC753E}" type="datetimeFigureOut">
               <a:rPr lang="es-ES" smtClean="0"/>
-              <a:t>06/10/2006</a:t>
+              <a:t>31/07/2015</a:t>
             </a:fld>
             <a:endParaRPr lang="es-ES"/>
           </a:p>
@@ -2670,7 +3275,7 @@
       </p:sp>
       <p:sp>
         <p:nvSpPr>
-          <p:cNvPr id="5" name="4 Marcador de pie de página"/>
+          <p:cNvPr id="3" name="2 Marcador de pie de página"/>
           <p:cNvSpPr>
             <a:spLocks noGrp="1"/>
           </p:cNvSpPr>
@@ -2680,22 +3285,20 @@
         </p:nvSpPr>
         <p:spPr>
           <a:xfrm>
-            <a:off x="3124200" y="6356350"/>
-            <a:ext cx="2895600" cy="365125"/>
+            <a:off x="2898648" y="6356350"/>
+            <a:ext cx="3505200" cy="365760"/>
           </a:xfrm>
           <a:prstGeom prst="rect">
             <a:avLst/>
           </a:prstGeom>
         </p:spPr>
         <p:txBody>
-          <a:bodyPr vert="horz" lIns="91440" tIns="45720" rIns="91440" bIns="45720" rtlCol="0" anchor="ctr"/>
+          <a:bodyPr vert="horz"/>
           <a:lstStyle>
-            <a:lvl1pPr algn="ctr">
-              <a:defRPr sz="1200">
+            <a:lvl1pPr algn="r" eaLnBrk="1" latinLnBrk="0" hangingPunct="1">
+              <a:defRPr kumimoji="0" sz="1400">
                 <a:solidFill>
-                  <a:schemeClr val="tx1">
-                    <a:tint val="75000"/>
-                  </a:schemeClr>
+                  <a:schemeClr val="tx2"/>
                 </a:solidFill>
               </a:defRPr>
             </a:lvl1pPr>
@@ -2707,7 +3310,7 @@
       </p:sp>
       <p:sp>
         <p:nvSpPr>
-          <p:cNvPr id="6" name="5 Marcador de número de diapositiva"/>
+          <p:cNvPr id="23" name="22 Marcador de número de diapositiva"/>
           <p:cNvSpPr>
             <a:spLocks noGrp="1"/>
           </p:cNvSpPr>
@@ -2717,22 +3320,20 @@
         </p:nvSpPr>
         <p:spPr>
           <a:xfrm>
-            <a:off x="6553200" y="6356350"/>
-            <a:ext cx="2133600" cy="365125"/>
+            <a:off x="612648" y="6356350"/>
+            <a:ext cx="1981200" cy="365760"/>
           </a:xfrm>
           <a:prstGeom prst="rect">
             <a:avLst/>
           </a:prstGeom>
         </p:spPr>
         <p:txBody>
-          <a:bodyPr vert="horz" lIns="91440" tIns="45720" rIns="91440" bIns="45720" rtlCol="0" anchor="ctr"/>
+          <a:bodyPr vert="horz"/>
           <a:lstStyle>
-            <a:lvl1pPr algn="r">
-              <a:defRPr sz="1200">
+            <a:lvl1pPr algn="l" eaLnBrk="1" latinLnBrk="0" hangingPunct="1">
+              <a:defRPr kumimoji="0" sz="1400">
                 <a:solidFill>
-                  <a:schemeClr val="tx1">
-                    <a:tint val="75000"/>
-                  </a:schemeClr>
+                  <a:schemeClr val="tx2"/>
                 </a:solidFill>
               </a:defRPr>
             </a:lvl1pPr>
@@ -2746,32 +3347,154 @@
           </a:p>
         </p:txBody>
       </p:sp>
+      <p:sp>
+        <p:nvSpPr>
+          <p:cNvPr id="28" name="27 Conector recto"/>
+          <p:cNvSpPr>
+            <a:spLocks noChangeShapeType="1"/>
+          </p:cNvSpPr>
+          <p:nvPr/>
+        </p:nvSpPr>
+        <p:spPr bwMode="auto">
+          <a:xfrm>
+            <a:off x="457200" y="6353175"/>
+            <a:ext cx="8229600" cy="0"/>
+          </a:xfrm>
+          <a:prstGeom prst="line">
+            <a:avLst/>
+          </a:prstGeom>
+          <a:noFill/>
+          <a:ln w="9525" cap="flat" cmpd="sng" algn="ctr">
+            <a:solidFill>
+              <a:schemeClr val="accent2"/>
+            </a:solidFill>
+            <a:prstDash val="dash"/>
+            <a:round/>
+            <a:headEnd type="none" w="med" len="med"/>
+            <a:tailEnd type="none" w="med" len="med"/>
+          </a:ln>
+          <a:effectLst/>
+        </p:spPr>
+        <p:txBody>
+          <a:bodyPr vert="horz" wrap="square" lIns="91440" tIns="45720" rIns="91440" bIns="45720" anchor="t" compatLnSpc="1"/>
+          <a:lstStyle/>
+          <a:p>
+            <a:endParaRPr kumimoji="0" lang="en-US"/>
+          </a:p>
+        </p:txBody>
+      </p:sp>
+      <p:sp>
+        <p:nvSpPr>
+          <p:cNvPr id="29" name="28 Conector recto"/>
+          <p:cNvSpPr>
+            <a:spLocks noChangeShapeType="1"/>
+          </p:cNvSpPr>
+          <p:nvPr/>
+        </p:nvSpPr>
+        <p:spPr bwMode="auto">
+          <a:xfrm>
+            <a:off x="457200" y="1143000"/>
+            <a:ext cx="8229600" cy="0"/>
+          </a:xfrm>
+          <a:prstGeom prst="line">
+            <a:avLst/>
+          </a:prstGeom>
+          <a:noFill/>
+          <a:ln w="9525" cap="flat" cmpd="sng" algn="ctr">
+            <a:solidFill>
+              <a:schemeClr val="accent2"/>
+            </a:solidFill>
+            <a:prstDash val="dash"/>
+            <a:round/>
+            <a:headEnd type="none" w="med" len="med"/>
+            <a:tailEnd type="none" w="med" len="med"/>
+          </a:ln>
+          <a:effectLst/>
+        </p:spPr>
+        <p:txBody>
+          <a:bodyPr vert="horz" wrap="square" lIns="91440" tIns="45720" rIns="91440" bIns="45720" anchor="t" compatLnSpc="1"/>
+          <a:lstStyle/>
+          <a:p>
+            <a:endParaRPr kumimoji="0" lang="en-US"/>
+          </a:p>
+        </p:txBody>
+      </p:sp>
+      <p:sp>
+        <p:nvSpPr>
+          <p:cNvPr id="10" name="9 Triángulo isósceles"/>
+          <p:cNvSpPr>
+            <a:spLocks noChangeAspect="1"/>
+          </p:cNvSpPr>
+          <p:nvPr/>
+        </p:nvSpPr>
+        <p:spPr>
+          <a:xfrm rot="5400000">
+            <a:off x="419100" y="6467475"/>
+            <a:ext cx="190849" cy="120314"/>
+          </a:xfrm>
+          <a:prstGeom prst="triangle">
+            <a:avLst>
+              <a:gd name="adj" fmla="val 50000"/>
+            </a:avLst>
+          </a:prstGeom>
+          <a:solidFill>
+            <a:schemeClr val="accent2"/>
+          </a:solidFill>
+          <a:ln w="25400" cap="rnd" cmpd="sng" algn="ctr">
+            <a:noFill/>
+            <a:prstDash val="solid"/>
+          </a:ln>
+          <a:effectLst/>
+        </p:spPr>
+        <p:style>
+          <a:lnRef idx="3">
+            <a:schemeClr val="lt1"/>
+          </a:lnRef>
+          <a:fillRef idx="1">
+            <a:schemeClr val="accent1"/>
+          </a:fillRef>
+          <a:effectRef idx="1">
+            <a:schemeClr val="accent1"/>
+          </a:effectRef>
+          <a:fontRef idx="minor">
+            <a:schemeClr val="lt1"/>
+          </a:fontRef>
+        </p:style>
+        <p:txBody>
+          <a:bodyPr anchor="ctr"/>
+          <a:lstStyle/>
+          <a:p>
+            <a:pPr algn="ctr" eaLnBrk="1" latinLnBrk="0" hangingPunct="1"/>
+            <a:endParaRPr kumimoji="0" lang="en-US"/>
+          </a:p>
+        </p:txBody>
+      </p:sp>
     </p:spTree>
   </p:cSld>
   <p:clrMap bg1="lt1" tx1="dk1" bg2="lt2" tx2="dk2" accent1="accent1" accent2="accent2" accent3="accent3" accent4="accent4" accent5="accent5" accent6="accent6" hlink="hlink" folHlink="folHlink"/>
   <p:sldLayoutIdLst>
-    <p:sldLayoutId id="2147483649" r:id="rId1"/>
-    <p:sldLayoutId id="2147483650" r:id="rId2"/>
-    <p:sldLayoutId id="2147483651" r:id="rId3"/>
-    <p:sldLayoutId id="2147483652" r:id="rId4"/>
-    <p:sldLayoutId id="2147483653" r:id="rId5"/>
-    <p:sldLayoutId id="2147483654" r:id="rId6"/>
-    <p:sldLayoutId id="2147483655" r:id="rId7"/>
-    <p:sldLayoutId id="2147483656" r:id="rId8"/>
-    <p:sldLayoutId id="2147483657" r:id="rId9"/>
-    <p:sldLayoutId id="2147483658" r:id="rId10"/>
-    <p:sldLayoutId id="2147483659" r:id="rId11"/>
+    <p:sldLayoutId id="2147483685" r:id="rId1"/>
+    <p:sldLayoutId id="2147483686" r:id="rId2"/>
+    <p:sldLayoutId id="2147483687" r:id="rId3"/>
+    <p:sldLayoutId id="2147483688" r:id="rId4"/>
+    <p:sldLayoutId id="2147483689" r:id="rId5"/>
+    <p:sldLayoutId id="2147483690" r:id="rId6"/>
+    <p:sldLayoutId id="2147483691" r:id="rId7"/>
+    <p:sldLayoutId id="2147483692" r:id="rId8"/>
+    <p:sldLayoutId id="2147483693" r:id="rId9"/>
+    <p:sldLayoutId id="2147483694" r:id="rId10"/>
+    <p:sldLayoutId id="2147483695" r:id="rId11"/>
   </p:sldLayoutIdLst>
   <p:txStyles>
     <p:titleStyle>
-      <a:lvl1pPr algn="ctr" defTabSz="914400" rtl="0" eaLnBrk="1" latinLnBrk="0" hangingPunct="1">
+      <a:lvl1pPr algn="l" rtl="0" eaLnBrk="1" latinLnBrk="0" hangingPunct="1">
         <a:spcBef>
           <a:spcPct val="0"/>
         </a:spcBef>
         <a:buNone/>
-        <a:defRPr sz="4400" kern="1200">
+        <a:defRPr kumimoji="0" sz="3200" kern="1200">
           <a:solidFill>
-            <a:schemeClr val="tx1"/>
+            <a:schemeClr val="tx2"/>
           </a:solidFill>
           <a:latin typeface="+mj-lt"/>
           <a:ea typeface="+mj-ea"/>
@@ -2780,13 +3503,17 @@
       </a:lvl1pPr>
     </p:titleStyle>
     <p:bodyStyle>
-      <a:lvl1pPr marL="342900" indent="-342900" algn="l" defTabSz="914400" rtl="0" eaLnBrk="1" latinLnBrk="0" hangingPunct="1">
+      <a:lvl1pPr marL="274320" indent="-274320" algn="l" rtl="0" eaLnBrk="1" latinLnBrk="0" hangingPunct="1">
         <a:spcBef>
-          <a:spcPct val="20000"/>
+          <a:spcPts val="600"/>
         </a:spcBef>
-        <a:buFont typeface="Arial" pitchFamily="34" charset="0"/>
-        <a:buChar char="•"/>
-        <a:defRPr sz="3200" kern="1200">
+        <a:buClr>
+          <a:schemeClr val="accent1"/>
+        </a:buClr>
+        <a:buSzPct val="76000"/>
+        <a:buFont typeface="Wingdings 3"/>
+        <a:buChar char=""/>
+        <a:defRPr kumimoji="0" sz="2600" kern="1200">
           <a:solidFill>
             <a:schemeClr val="tx1"/>
           </a:solidFill>
@@ -2795,28 +3522,38 @@
           <a:cs typeface="+mn-cs"/>
         </a:defRPr>
       </a:lvl1pPr>
-      <a:lvl2pPr marL="742950" indent="-285750" algn="l" defTabSz="914400" rtl="0" eaLnBrk="1" latinLnBrk="0" hangingPunct="1">
+      <a:lvl2pPr marL="548640" indent="-274320" algn="l" rtl="0" eaLnBrk="1" latinLnBrk="0" hangingPunct="1">
         <a:spcBef>
-          <a:spcPct val="20000"/>
+          <a:spcPts val="500"/>
         </a:spcBef>
-        <a:buFont typeface="Arial" pitchFamily="34" charset="0"/>
-        <a:buChar char="–"/>
-        <a:defRPr sz="2800" kern="1200">
+        <a:buClr>
+          <a:schemeClr val="accent2"/>
+        </a:buClr>
+        <a:buSzPct val="76000"/>
+        <a:buFont typeface="Wingdings 3"/>
+        <a:buChar char=""/>
+        <a:defRPr kumimoji="0" sz="2300" kern="1200">
           <a:solidFill>
-            <a:schemeClr val="tx1"/>
+            <a:schemeClr val="tx2"/>
           </a:solidFill>
           <a:latin typeface="+mn-lt"/>
           <a:ea typeface="+mn-ea"/>
           <a:cs typeface="+mn-cs"/>
         </a:defRPr>
       </a:lvl2pPr>
-      <a:lvl3pPr marL="1143000" indent="-228600" algn="l" defTabSz="914400" rtl="0" eaLnBrk="1" latinLnBrk="0" hangingPunct="1">
+      <a:lvl3pPr marL="822960" indent="-228600" algn="l" rtl="0" eaLnBrk="1" latinLnBrk="0" hangingPunct="1">
         <a:spcBef>
-          <a:spcPct val="20000"/>
+          <a:spcPts val="500"/>
         </a:spcBef>
-        <a:buFont typeface="Arial" pitchFamily="34" charset="0"/>
-        <a:buChar char="•"/>
-        <a:defRPr sz="2400" kern="1200">
+        <a:buClr>
+          <a:schemeClr val="bg1">
+            <a:shade val="50000"/>
+          </a:schemeClr>
+        </a:buClr>
+        <a:buSzPct val="76000"/>
+        <a:buFont typeface="Wingdings 3"/>
+        <a:buChar char=""/>
+        <a:defRPr kumimoji="0" sz="2000" kern="1200">
           <a:solidFill>
             <a:schemeClr val="tx1"/>
           </a:solidFill>
@@ -2825,13 +3562,19 @@
           <a:cs typeface="+mn-cs"/>
         </a:defRPr>
       </a:lvl3pPr>
-      <a:lvl4pPr marL="1600200" indent="-228600" algn="l" defTabSz="914400" rtl="0" eaLnBrk="1" latinLnBrk="0" hangingPunct="1">
+      <a:lvl4pPr marL="1097280" indent="-228600" algn="l" rtl="0" eaLnBrk="1" latinLnBrk="0" hangingPunct="1">
         <a:spcBef>
-          <a:spcPct val="20000"/>
+          <a:spcPts val="400"/>
         </a:spcBef>
-        <a:buFont typeface="Arial" pitchFamily="34" charset="0"/>
-        <a:buChar char="–"/>
-        <a:defRPr sz="2000" kern="1200">
+        <a:buClr>
+          <a:schemeClr val="accent2">
+            <a:shade val="75000"/>
+          </a:schemeClr>
+        </a:buClr>
+        <a:buSzPct val="70000"/>
+        <a:buFont typeface="Wingdings"/>
+        <a:buChar char=""/>
+        <a:defRPr kumimoji="0" sz="1800" kern="1200">
           <a:solidFill>
             <a:schemeClr val="tx1"/>
           </a:solidFill>
@@ -2840,13 +3583,17 @@
           <a:cs typeface="+mn-cs"/>
         </a:defRPr>
       </a:lvl4pPr>
-      <a:lvl5pPr marL="2057400" indent="-228600" algn="l" defTabSz="914400" rtl="0" eaLnBrk="1" latinLnBrk="0" hangingPunct="1">
+      <a:lvl5pPr marL="1371600" indent="-228600" algn="l" rtl="0" eaLnBrk="1" latinLnBrk="0" hangingPunct="1">
         <a:spcBef>
-          <a:spcPct val="20000"/>
+          <a:spcPts val="300"/>
         </a:spcBef>
-        <a:buFont typeface="Arial" pitchFamily="34" charset="0"/>
-        <a:buChar char="»"/>
-        <a:defRPr sz="2000" kern="1200">
+        <a:buClr>
+          <a:schemeClr val="accent2"/>
+        </a:buClr>
+        <a:buSzPct val="70000"/>
+        <a:buFont typeface="Wingdings"/>
+        <a:buChar char=""/>
+        <a:defRPr kumimoji="0" sz="1600" kern="1200">
           <a:solidFill>
             <a:schemeClr val="tx1"/>
           </a:solidFill>
@@ -2855,13 +3602,19 @@
           <a:cs typeface="+mn-cs"/>
         </a:defRPr>
       </a:lvl5pPr>
-      <a:lvl6pPr marL="2514600" indent="-228600" algn="l" defTabSz="914400" rtl="0" eaLnBrk="1" latinLnBrk="0" hangingPunct="1">
+      <a:lvl6pPr marL="1645920" indent="-182880" algn="l" rtl="0" eaLnBrk="1" latinLnBrk="0" hangingPunct="1">
         <a:spcBef>
-          <a:spcPct val="20000"/>
+          <a:spcPts val="300"/>
         </a:spcBef>
-        <a:buFont typeface="Arial" pitchFamily="34" charset="0"/>
-        <a:buChar char="•"/>
-        <a:defRPr sz="2000" kern="1200">
+        <a:buClr>
+          <a:srgbClr val="9FB8CD">
+            <a:shade val="75000"/>
+          </a:srgbClr>
+        </a:buClr>
+        <a:buSzPct val="75000"/>
+        <a:buFont typeface="Wingdings 3"/>
+        <a:buChar char=""/>
+        <a:defRPr kumimoji="0" lang="en-US" sz="1600" kern="1200" smtClean="0">
           <a:solidFill>
             <a:schemeClr val="tx1"/>
           </a:solidFill>
@@ -2870,13 +3623,19 @@
           <a:cs typeface="+mn-cs"/>
         </a:defRPr>
       </a:lvl6pPr>
-      <a:lvl7pPr marL="2971800" indent="-228600" algn="l" defTabSz="914400" rtl="0" eaLnBrk="1" latinLnBrk="0" hangingPunct="1">
+      <a:lvl7pPr marL="1828800" indent="-182880" algn="l" rtl="0" eaLnBrk="1" latinLnBrk="0" hangingPunct="1">
         <a:spcBef>
-          <a:spcPct val="20000"/>
+          <a:spcPts val="300"/>
         </a:spcBef>
-        <a:buFont typeface="Arial" pitchFamily="34" charset="0"/>
-        <a:buChar char="•"/>
-        <a:defRPr sz="2000" kern="1200">
+        <a:buClr>
+          <a:srgbClr val="727CA3">
+            <a:shade val="75000"/>
+          </a:srgbClr>
+        </a:buClr>
+        <a:buSzPct val="75000"/>
+        <a:buFont typeface="Wingdings 3"/>
+        <a:buChar char=""/>
+        <a:defRPr kumimoji="0" lang="en-US" sz="1400" kern="1200" smtClean="0">
           <a:solidFill>
             <a:schemeClr val="tx1"/>
           </a:solidFill>
@@ -2885,13 +3644,19 @@
           <a:cs typeface="+mn-cs"/>
         </a:defRPr>
       </a:lvl7pPr>
-      <a:lvl8pPr marL="3429000" indent="-228600" algn="l" defTabSz="914400" rtl="0" eaLnBrk="1" latinLnBrk="0" hangingPunct="1">
+      <a:lvl8pPr marL="2011680" indent="-182880" algn="l" rtl="0" eaLnBrk="1" latinLnBrk="0" hangingPunct="1">
         <a:spcBef>
-          <a:spcPct val="20000"/>
+          <a:spcPts val="300"/>
         </a:spcBef>
-        <a:buFont typeface="Arial" pitchFamily="34" charset="0"/>
-        <a:buChar char="•"/>
-        <a:defRPr sz="2000" kern="1200">
+        <a:buClr>
+          <a:prstClr val="white">
+            <a:shade val="50000"/>
+          </a:prstClr>
+        </a:buClr>
+        <a:buSzPct val="75000"/>
+        <a:buFont typeface="Wingdings 3"/>
+        <a:buChar char=""/>
+        <a:defRPr kumimoji="0" lang="en-US" sz="1400" kern="1200" smtClean="0">
           <a:solidFill>
             <a:schemeClr val="tx1"/>
           </a:solidFill>
@@ -2900,13 +3665,17 @@
           <a:cs typeface="+mn-cs"/>
         </a:defRPr>
       </a:lvl8pPr>
-      <a:lvl9pPr marL="3886200" indent="-228600" algn="l" defTabSz="914400" rtl="0" eaLnBrk="1" latinLnBrk="0" hangingPunct="1">
+      <a:lvl9pPr marL="2194560" indent="-182880" algn="l" rtl="0" eaLnBrk="1" latinLnBrk="0" hangingPunct="1">
         <a:spcBef>
-          <a:spcPct val="20000"/>
+          <a:spcPts val="300"/>
         </a:spcBef>
-        <a:buFont typeface="Arial" pitchFamily="34" charset="0"/>
-        <a:buChar char="•"/>
-        <a:defRPr sz="2000" kern="1200">
+        <a:buClr>
+          <a:srgbClr val="9FB8CD"/>
+        </a:buClr>
+        <a:buSzPct val="75000"/>
+        <a:buFont typeface="Wingdings 3"/>
+        <a:buChar char=""/>
+        <a:defRPr kumimoji="0" lang="en-US" sz="1200" kern="1200" smtClean="0">
           <a:solidFill>
             <a:schemeClr val="tx1"/>
           </a:solidFill>
@@ -2917,11 +3686,8 @@
       </a:lvl9pPr>
     </p:bodyStyle>
     <p:otherStyle>
-      <a:defPPr>
-        <a:defRPr lang="es-ES"/>
-      </a:defPPr>
-      <a:lvl1pPr marL="0" algn="l" defTabSz="914400" rtl="0" eaLnBrk="1" latinLnBrk="0" hangingPunct="1">
-        <a:defRPr sz="1800" kern="1200">
+      <a:lvl1pPr marL="0" algn="l" rtl="0" eaLnBrk="1" latinLnBrk="0" hangingPunct="1">
+        <a:defRPr kumimoji="0" kern="1200">
           <a:solidFill>
             <a:schemeClr val="tx1"/>
           </a:solidFill>
@@ -2930,8 +3696,8 @@
           <a:cs typeface="+mn-cs"/>
         </a:defRPr>
       </a:lvl1pPr>
-      <a:lvl2pPr marL="457200" algn="l" defTabSz="914400" rtl="0" eaLnBrk="1" latinLnBrk="0" hangingPunct="1">
-        <a:defRPr sz="1800" kern="1200">
+      <a:lvl2pPr marL="457200" algn="l" rtl="0" eaLnBrk="1" latinLnBrk="0" hangingPunct="1">
+        <a:defRPr kumimoji="0" kern="1200">
           <a:solidFill>
             <a:schemeClr val="tx1"/>
           </a:solidFill>
@@ -2940,8 +3706,8 @@
           <a:cs typeface="+mn-cs"/>
         </a:defRPr>
       </a:lvl2pPr>
-      <a:lvl3pPr marL="914400" algn="l" defTabSz="914400" rtl="0" eaLnBrk="1" latinLnBrk="0" hangingPunct="1">
-        <a:defRPr sz="1800" kern="1200">
+      <a:lvl3pPr marL="914400" algn="l" rtl="0" eaLnBrk="1" latinLnBrk="0" hangingPunct="1">
+        <a:defRPr kumimoji="0" kern="1200">
           <a:solidFill>
             <a:schemeClr val="tx1"/>
           </a:solidFill>
@@ -2950,8 +3716,8 @@
           <a:cs typeface="+mn-cs"/>
         </a:defRPr>
       </a:lvl3pPr>
-      <a:lvl4pPr marL="1371600" algn="l" defTabSz="914400" rtl="0" eaLnBrk="1" latinLnBrk="0" hangingPunct="1">
-        <a:defRPr sz="1800" kern="1200">
+      <a:lvl4pPr marL="1371600" algn="l" rtl="0" eaLnBrk="1" latinLnBrk="0" hangingPunct="1">
+        <a:defRPr kumimoji="0" kern="1200">
           <a:solidFill>
             <a:schemeClr val="tx1"/>
           </a:solidFill>
@@ -2960,8 +3726,8 @@
           <a:cs typeface="+mn-cs"/>
         </a:defRPr>
       </a:lvl4pPr>
-      <a:lvl5pPr marL="1828800" algn="l" defTabSz="914400" rtl="0" eaLnBrk="1" latinLnBrk="0" hangingPunct="1">
-        <a:defRPr sz="1800" kern="1200">
+      <a:lvl5pPr marL="1828800" algn="l" rtl="0" eaLnBrk="1" latinLnBrk="0" hangingPunct="1">
+        <a:defRPr kumimoji="0" kern="1200">
           <a:solidFill>
             <a:schemeClr val="tx1"/>
           </a:solidFill>
@@ -2970,8 +3736,8 @@
           <a:cs typeface="+mn-cs"/>
         </a:defRPr>
       </a:lvl5pPr>
-      <a:lvl6pPr marL="2286000" algn="l" defTabSz="914400" rtl="0" eaLnBrk="1" latinLnBrk="0" hangingPunct="1">
-        <a:defRPr sz="1800" kern="1200">
+      <a:lvl6pPr marL="2286000" algn="l" rtl="0" eaLnBrk="1" latinLnBrk="0" hangingPunct="1">
+        <a:defRPr kumimoji="0" kern="1200">
           <a:solidFill>
             <a:schemeClr val="tx1"/>
           </a:solidFill>
@@ -2980,8 +3746,8 @@
           <a:cs typeface="+mn-cs"/>
         </a:defRPr>
       </a:lvl6pPr>
-      <a:lvl7pPr marL="2743200" algn="l" defTabSz="914400" rtl="0" eaLnBrk="1" latinLnBrk="0" hangingPunct="1">
-        <a:defRPr sz="1800" kern="1200">
+      <a:lvl7pPr marL="2743200" algn="l" rtl="0" eaLnBrk="1" latinLnBrk="0" hangingPunct="1">
+        <a:defRPr kumimoji="0" kern="1200">
           <a:solidFill>
             <a:schemeClr val="tx1"/>
           </a:solidFill>
@@ -2990,8 +3756,8 @@
           <a:cs typeface="+mn-cs"/>
         </a:defRPr>
       </a:lvl7pPr>
-      <a:lvl8pPr marL="3200400" algn="l" defTabSz="914400" rtl="0" eaLnBrk="1" latinLnBrk="0" hangingPunct="1">
-        <a:defRPr sz="1800" kern="1200">
+      <a:lvl8pPr marL="3200400" algn="l" rtl="0" eaLnBrk="1" latinLnBrk="0" hangingPunct="1">
+        <a:defRPr kumimoji="0" kern="1200">
           <a:solidFill>
             <a:schemeClr val="tx1"/>
           </a:solidFill>
@@ -3000,8 +3766,8 @@
           <a:cs typeface="+mn-cs"/>
         </a:defRPr>
       </a:lvl8pPr>
-      <a:lvl9pPr marL="3657600" algn="l" defTabSz="914400" rtl="0" eaLnBrk="1" latinLnBrk="0" hangingPunct="1">
-        <a:defRPr sz="1800" kern="1200">
+      <a:lvl9pPr marL="3657600" algn="l" rtl="0" eaLnBrk="1" latinLnBrk="0" hangingPunct="1">
+        <a:defRPr kumimoji="0" kern="1200">
           <a:solidFill>
             <a:schemeClr val="tx1"/>
           </a:solidFill>
@@ -3015,10 +3781,2683 @@
 </p:sldMaster>
 </file>
 
+<file path=ppt/slides/slide1.xml><?xml version="1.0" encoding="utf-8"?>
+<p:sld xmlns:a="http://schemas.openxmlformats.org/drawingml/2006/main" xmlns:r="http://schemas.openxmlformats.org/officeDocument/2006/relationships" xmlns:p="http://schemas.openxmlformats.org/presentationml/2006/main">
+  <p:cSld>
+    <p:spTree>
+      <p:nvGrpSpPr>
+        <p:cNvPr id="1" name=""/>
+        <p:cNvGrpSpPr/>
+        <p:nvPr/>
+      </p:nvGrpSpPr>
+      <p:grpSpPr>
+        <a:xfrm>
+          <a:off x="0" y="0"/>
+          <a:ext cx="0" cy="0"/>
+          <a:chOff x="0" y="0"/>
+          <a:chExt cx="0" cy="0"/>
+        </a:xfrm>
+      </p:grpSpPr>
+      <p:sp>
+        <p:nvSpPr>
+          <p:cNvPr id="2" name="1 Título"/>
+          <p:cNvSpPr>
+            <a:spLocks noGrp="1"/>
+          </p:cNvSpPr>
+          <p:nvPr>
+            <p:ph type="ctrTitle"/>
+          </p:nvPr>
+        </p:nvSpPr>
+        <p:spPr/>
+        <p:txBody>
+          <a:bodyPr>
+            <a:normAutofit fontScale="90000"/>
+          </a:bodyPr>
+          <a:lstStyle/>
+          <a:p>
+            <a:r>
+              <a:rPr lang="es-PE" b="1" dirty="0"/>
+              <a:t>Creación  del sistema de turismo en Andahuaylas – Apurímac</a:t>
+            </a:r>
+            <a:endParaRPr lang="es-ES" dirty="0"/>
+          </a:p>
+        </p:txBody>
+      </p:sp>
+      <p:sp>
+        <p:nvSpPr>
+          <p:cNvPr id="3" name="2 Subtítulo"/>
+          <p:cNvSpPr>
+            <a:spLocks noGrp="1"/>
+          </p:cNvSpPr>
+          <p:nvPr>
+            <p:ph type="subTitle" idx="1"/>
+          </p:nvPr>
+        </p:nvSpPr>
+        <p:spPr/>
+        <p:txBody>
+          <a:bodyPr>
+            <a:normAutofit fontScale="70000" lnSpcReduction="20000"/>
+          </a:bodyPr>
+          <a:lstStyle/>
+          <a:p>
+            <a:r>
+              <a:rPr lang="es-ES" dirty="0" smtClean="0"/>
+              <a:t>Presentado por :</a:t>
+            </a:r>
+          </a:p>
+          <a:p>
+            <a:r>
+              <a:rPr lang="es-ES" dirty="0" smtClean="0"/>
+              <a:t>Walter R Gutierrez Delgado</a:t>
+            </a:r>
+            <a:endParaRPr lang="es-ES" dirty="0"/>
+          </a:p>
+        </p:txBody>
+      </p:sp>
+      <p:sp>
+        <p:nvSpPr>
+          <p:cNvPr id="4" name="3 Rectángulo"/>
+          <p:cNvSpPr/>
+          <p:nvPr/>
+        </p:nvSpPr>
+        <p:spPr>
+          <a:xfrm>
+            <a:off x="718592" y="332656"/>
+            <a:ext cx="7669832" cy="923330"/>
+          </a:xfrm>
+          <a:prstGeom prst="rect">
+            <a:avLst/>
+          </a:prstGeom>
+        </p:spPr>
+        <p:txBody>
+          <a:bodyPr wrap="square">
+            <a:spAutoFit/>
+          </a:bodyPr>
+          <a:lstStyle/>
+          <a:p>
+            <a:pPr algn="ctr"/>
+            <a:r>
+              <a:rPr lang="es-PE" b="1" dirty="0"/>
+              <a:t>FACULTAD DE INGENIERÍA</a:t>
+            </a:r>
+            <a:endParaRPr lang="es-ES" dirty="0"/>
+          </a:p>
+          <a:p>
+            <a:pPr algn="ctr"/>
+            <a:r>
+              <a:rPr lang="es-PE" dirty="0"/>
+              <a:t> </a:t>
+            </a:r>
+            <a:endParaRPr lang="es-ES" dirty="0"/>
+          </a:p>
+          <a:p>
+            <a:pPr algn="ctr"/>
+            <a:r>
+              <a:rPr lang="es-PE" b="1" dirty="0"/>
+              <a:t>ESCUELA PROFESIONAL DE INGENIERÍA DE SITEMAS</a:t>
+            </a:r>
+            <a:endParaRPr lang="es-ES" dirty="0"/>
+          </a:p>
+        </p:txBody>
+      </p:sp>
+      <p:pic>
+        <p:nvPicPr>
+          <p:cNvPr id="1050" name="Picture 26"/>
+          <p:cNvPicPr>
+            <a:picLocks noChangeAspect="1" noChangeArrowheads="1"/>
+          </p:cNvPicPr>
+          <p:nvPr/>
+        </p:nvPicPr>
+        <p:blipFill rotWithShape="1">
+          <a:blip r:embed="rId2">
+            <a:extLst>
+              <a:ext uri="{28A0092B-C50C-407E-A947-70E740481C1C}">
+                <a14:useLocalDpi xmlns:a14="http://schemas.microsoft.com/office/drawing/2010/main" val="0"/>
+              </a:ext>
+            </a:extLst>
+          </a:blip>
+          <a:srcRect l="42513" t="50000" r="39305" b="16951"/>
+          <a:stretch/>
+        </p:blipFill>
+        <p:spPr bwMode="auto">
+          <a:xfrm>
+            <a:off x="3375871" y="1255986"/>
+            <a:ext cx="2355273" cy="2417618"/>
+          </a:xfrm>
+          <a:prstGeom prst="rect">
+            <a:avLst/>
+          </a:prstGeom>
+          <a:noFill/>
+          <a:ln>
+            <a:noFill/>
+          </a:ln>
+          <a:effectLst/>
+          <a:extLst>
+            <a:ext uri="{909E8E84-426E-40DD-AFC4-6F175D3DCCD1}">
+              <a14:hiddenFill xmlns:a14="http://schemas.microsoft.com/office/drawing/2010/main">
+                <a:solidFill>
+                  <a:schemeClr val="accent1"/>
+                </a:solidFill>
+              </a14:hiddenFill>
+            </a:ext>
+            <a:ext uri="{91240B29-F687-4F45-9708-019B960494DF}">
+              <a14:hiddenLine xmlns:a14="http://schemas.microsoft.com/office/drawing/2010/main" w="9525">
+                <a:solidFill>
+                  <a:schemeClr val="tx1"/>
+                </a:solidFill>
+                <a:miter lim="800000"/>
+                <a:headEnd/>
+                <a:tailEnd/>
+              </a14:hiddenLine>
+            </a:ext>
+            <a:ext uri="{AF507438-7753-43E0-B8FC-AC1667EBCBE1}">
+              <a14:hiddenEffects xmlns:a14="http://schemas.microsoft.com/office/drawing/2010/main">
+                <a:effectLst>
+                  <a:outerShdw dist="35921" dir="2700000" algn="ctr" rotWithShape="0">
+                    <a:schemeClr val="bg2"/>
+                  </a:outerShdw>
+                </a:effectLst>
+              </a14:hiddenEffects>
+            </a:ext>
+          </a:extLst>
+        </p:spPr>
+      </p:pic>
+    </p:spTree>
+    <p:extLst>
+      <p:ext uri="{BB962C8B-B14F-4D97-AF65-F5344CB8AC3E}">
+        <p14:creationId xmlns:p14="http://schemas.microsoft.com/office/powerpoint/2010/main" val="69376610"/>
+      </p:ext>
+    </p:extLst>
+  </p:cSld>
+  <p:clrMapOvr>
+    <a:masterClrMapping/>
+  </p:clrMapOvr>
+  <p:timing>
+    <p:tnLst>
+      <p:par>
+        <p:cTn id="1" dur="indefinite" restart="never" nodeType="tmRoot"/>
+      </p:par>
+    </p:tnLst>
+  </p:timing>
+</p:sld>
+</file>
+
+<file path=ppt/slides/slide10.xml><?xml version="1.0" encoding="utf-8"?>
+<p:sld xmlns:a="http://schemas.openxmlformats.org/drawingml/2006/main" xmlns:r="http://schemas.openxmlformats.org/officeDocument/2006/relationships" xmlns:p="http://schemas.openxmlformats.org/presentationml/2006/main">
+  <p:cSld>
+    <p:spTree>
+      <p:nvGrpSpPr>
+        <p:cNvPr id="1" name=""/>
+        <p:cNvGrpSpPr/>
+        <p:nvPr/>
+      </p:nvGrpSpPr>
+      <p:grpSpPr>
+        <a:xfrm>
+          <a:off x="0" y="0"/>
+          <a:ext cx="0" cy="0"/>
+          <a:chOff x="0" y="0"/>
+          <a:chExt cx="0" cy="0"/>
+        </a:xfrm>
+      </p:grpSpPr>
+      <p:sp>
+        <p:nvSpPr>
+          <p:cNvPr id="2" name="1 Título"/>
+          <p:cNvSpPr>
+            <a:spLocks noGrp="1"/>
+          </p:cNvSpPr>
+          <p:nvPr>
+            <p:ph type="title"/>
+          </p:nvPr>
+        </p:nvSpPr>
+        <p:spPr>
+          <a:xfrm>
+            <a:off x="1043608" y="620688"/>
+            <a:ext cx="8229600" cy="990600"/>
+          </a:xfrm>
+        </p:spPr>
+        <p:txBody>
+          <a:bodyPr>
+            <a:normAutofit/>
+          </a:bodyPr>
+          <a:lstStyle/>
+          <a:p>
+            <a:r>
+              <a:rPr lang="es-ES" b="1" dirty="0"/>
+              <a:t>OPCIÓN </a:t>
+            </a:r>
+            <a:r>
+              <a:rPr lang="es-ES" b="1" dirty="0" smtClean="0"/>
+              <a:t>COMENTARIOS</a:t>
+            </a:r>
+            <a:endParaRPr lang="es-ES" dirty="0"/>
+          </a:p>
+        </p:txBody>
+      </p:sp>
+      <p:sp>
+        <p:nvSpPr>
+          <p:cNvPr id="3" name="2 Marcador de contenido"/>
+          <p:cNvSpPr>
+            <a:spLocks noGrp="1"/>
+          </p:cNvSpPr>
+          <p:nvPr>
+            <p:ph sz="quarter" idx="1"/>
+          </p:nvPr>
+        </p:nvSpPr>
+        <p:spPr>
+          <a:xfrm>
+            <a:off x="539552" y="2204864"/>
+            <a:ext cx="8229600" cy="4937760"/>
+          </a:xfrm>
+        </p:spPr>
+        <p:txBody>
+          <a:bodyPr/>
+          <a:lstStyle/>
+          <a:p>
+            <a:r>
+              <a:rPr lang="es-ES" dirty="0"/>
+              <a:t>Las personas que entren a cada información podrán dejar sus comentarios para que quede como antecedente para posteriores visitantes al sistema web </a:t>
+            </a:r>
+            <a:endParaRPr lang="es-ES" dirty="0"/>
+          </a:p>
+        </p:txBody>
+      </p:sp>
+      <p:pic>
+        <p:nvPicPr>
+          <p:cNvPr id="5122" name="Picture 2" descr="http://4.bp.blogspot.com/_Q2WBfE9smXM/S8fxhYEhiuI/AAAAAAAABYM/RkchlOKIdx4/s1600/photoanswer.png"/>
+          <p:cNvPicPr>
+            <a:picLocks noChangeAspect="1" noChangeArrowheads="1"/>
+          </p:cNvPicPr>
+          <p:nvPr/>
+        </p:nvPicPr>
+        <p:blipFill rotWithShape="1">
+          <a:blip r:embed="rId2">
+            <a:extLst>
+              <a:ext uri="{28A0092B-C50C-407E-A947-70E740481C1C}">
+                <a14:useLocalDpi xmlns:a14="http://schemas.microsoft.com/office/drawing/2010/main" val="0"/>
+              </a:ext>
+            </a:extLst>
+          </a:blip>
+          <a:srcRect l="16984" t="9353" r="5528" b="9364"/>
+          <a:stretch/>
+        </p:blipFill>
+        <p:spPr bwMode="auto">
+          <a:xfrm>
+            <a:off x="1835696" y="3789040"/>
+            <a:ext cx="5437933" cy="2020238"/>
+          </a:xfrm>
+          <a:prstGeom prst="rect">
+            <a:avLst/>
+          </a:prstGeom>
+          <a:ln w="38100" cap="sq">
+            <a:solidFill>
+              <a:srgbClr val="000000"/>
+            </a:solidFill>
+            <a:prstDash val="solid"/>
+            <a:miter lim="800000"/>
+          </a:ln>
+          <a:effectLst>
+            <a:outerShdw blurRad="50800" dist="38100" dir="2700000" algn="tl" rotWithShape="0">
+              <a:srgbClr val="000000">
+                <a:alpha val="43000"/>
+              </a:srgbClr>
+            </a:outerShdw>
+          </a:effectLst>
+          <a:extLst>
+            <a:ext uri="{909E8E84-426E-40DD-AFC4-6F175D3DCCD1}">
+              <a14:hiddenFill xmlns:a14="http://schemas.microsoft.com/office/drawing/2010/main">
+                <a:solidFill>
+                  <a:srgbClr val="FFFFFF"/>
+                </a:solidFill>
+              </a14:hiddenFill>
+            </a:ext>
+          </a:extLst>
+        </p:spPr>
+      </p:pic>
+      <p:sp>
+        <p:nvSpPr>
+          <p:cNvPr id="4" name="AutoShape 4" descr="Resultado de imagen para imagenes de sabiduria animadas"/>
+          <p:cNvSpPr>
+            <a:spLocks noChangeAspect="1" noChangeArrowheads="1"/>
+          </p:cNvSpPr>
+          <p:nvPr/>
+        </p:nvSpPr>
+        <p:spPr bwMode="auto">
+          <a:xfrm>
+            <a:off x="155575" y="-144463"/>
+            <a:ext cx="304800" cy="304801"/>
+          </a:xfrm>
+          <a:prstGeom prst="rect">
+            <a:avLst/>
+          </a:prstGeom>
+          <a:noFill/>
+          <a:extLst>
+            <a:ext uri="{909E8E84-426E-40DD-AFC4-6F175D3DCCD1}">
+              <a14:hiddenFill xmlns:a14="http://schemas.microsoft.com/office/drawing/2010/main">
+                <a:solidFill>
+                  <a:srgbClr val="FFFFFF"/>
+                </a:solidFill>
+              </a14:hiddenFill>
+            </a:ext>
+          </a:extLst>
+        </p:spPr>
+        <p:txBody>
+          <a:bodyPr vert="horz" wrap="square" lIns="91440" tIns="45720" rIns="91440" bIns="45720" numCol="1" anchor="t" anchorCtr="0" compatLnSpc="1">
+            <a:prstTxWarp prst="textNoShape">
+              <a:avLst/>
+            </a:prstTxWarp>
+          </a:bodyPr>
+          <a:lstStyle/>
+          <a:p>
+            <a:endParaRPr lang="es-ES"/>
+          </a:p>
+        </p:txBody>
+      </p:sp>
+      <p:sp>
+        <p:nvSpPr>
+          <p:cNvPr id="5" name="AutoShape 6" descr="data:image/jpeg;base64,/9j/4AAQSkZJRgABAQAAAQABAAD/2wCEAAkGBxMTEhUUEhQUFRUUGBgYFRUXFhQUFRgVFxgXGBUXFBgYHCggGBwlHBQUITEhJSkrLi4uFx8zODMsNygtLisBCgoKDg0OGhAQGiwkHxwuLCwsLCwsLCwsLCwsLCwsLCwsLCwsLCwsLCwsLCwsLCwsLCwsLCwsLCwsLCwsLCwsLP/AABEIAOEA4QMBIgACEQEDEQH/xAAcAAEAAQUBAQAAAAAAAAAAAAAABQIDBAYHAQj/xABGEAACAQIEBAMFBAYHBgcAAAABAgADEQQSITEFBkFRImFxBxMygZEUQqGxI1JicsHwFTOCs8LR4SQ1c6Ky8TRDU2R0kuL/xAAZAQEAAwEBAAAAAAAAAAAAAAAAAQIDBAX/xAAkEQEBAAICAgICAgMAAAAAAAAAAQIRAyESMUFRBCITMkKRwf/aAAwDAQACEQMRAD8A7jERAREQEREBETQvafxlk91h6bEGpd6ljY5AbKCexObr92BtWN5gw1IkPWS43UHM3pZbm/lHC+P4fEErSqBmAuVIKtYdcrAG2o1nKKVdUWwAEsgPnWpSYpUQ3VhoQf4joRsRK7Tp3CQHMPNVLCuKeU1KrC+UEAAdC56X9DsZg4DnQGherTb3yjVVHhdtBdSToDvY6ix30volVGLvWqkGpUYsxG1+w8gLAeQEm003NeemGr4ay/s1cx+hQfnJ3l7mSjiw3uyQ6Wzo1gwvsdDqNxfynKKmJJ0jgeMbC4qlXF8gOWoBfWm2jXA3tcNbuokSjt8TFxnEaVKn72o6rTtcNe4NxcZbfET0A3ml1+d67sfcU6aU+nvQzOfMhXAX01ltob9E1DhfPNMsKeJX3LGwD3vSJvaxO6b9dN9Zt8BERAREQEREBERAREQEREBERAREQIDmfmZMLZFAqVm+GnewA/Wc9B2HW3qRp2L4/jC2cV8p6Iqr7sDtlIN/U6+mkgOY67HiWJub2qW17BVsPpaUNiCN5WpjfeEc7NYDE0Tm/XpWKn+yxBX6naa1zNiBXxLVzcLlVEB3Crc662BJLSG/pJthMeviC3xGOwxGJ18IlNPENLJqdh9ZSXMkSAx795j1arNuZi3nlo0LwDTKoYgjfWYEqDmBNpi6enhF/SKmOv8ADIcVe4lQHaRo2cUcsJ132d4w1eHYdm3ClN7/ANWzID9FE5QozCxm88lcwUsLhhQqhxkZirKpYEOxbpqCCSNu3ymDoMTU359oAm1HEMB1CUwD6ZnB+ok/wnilLEU/eUmuL2I2ZWG4YdDJQzYiICIiAiIgIiICIiAiIJgeEzEPFaA3rUtN/wBIn+c5hxrif26uzE3ooSKS9LDQvbqWIvfsQJinD0k1IGnkJG06XOYaSNjcRXpkFHKWI2JFNQxHfUGQVdsx8pk4vH5zYaCYNR+0gGqW0EongEqAkhaeET2IQplVotMjCYNqh8O3Vjoo9T/CRbJ3U+/THtE2GhgsPT+O9Vu2oX5Aan5zJp1x/wCXRpIO+Rb/AFnPl+VjPTacGV9tWE9Amw4vHsv3x8gLflI6pjlb+sRW/aACv9Rv85GP5UvwXgs+WLSq995IYfGkaHaYjYLNrSbMP1TYOPl1+UoW4OVgQfMWM3mUy9MrLPaXbHaS1y7zD9lxiNe1OqQlUbCxNlbyKkg37XHWYFtLTE4FwlsVj6NEC65s9W+qimhu2YdQdFt3b1loivoOIiWQREQEREBERAREQEjOZi/2TEe7vn9zUy23zZDa0k4gfPHBMfoAJk8TxJJCyY5w5VGExgaj/U4jM6r/AOmy5c6j9nxAjtcjpNerC7mVSqTQes8CyrrK5KFFolc9pUsx8usgUpTJ2EyqWDHXXyEyqVLoJh8S45RoeEku4+4ttP3jsPzhOmT7pVFyAANSZTRxovnYgLayL016/wA7yFPEcTiF0oEITceFshHS7nRtZj4zAVlAaqwBOwvc/wCQnLzd3Vrfj6m2y0+J0hre57yzW4wDtNewnCa9UZqKO4va4HXy7zOw/KOPfaiw/eKr+ZmF48Z7rXyyvwqq4u/WYdbGWk/hfZ1jG+N6SDr4izfQC34yWpezBLeOuxPWyAfmZHnxz5R+1aPS4hY7yTwOPFR1RybdDfUd7X/KTuN9mygeCsf7SfxBmo8V4PVwrDN1Oji5X020Mvjlhb+t7MscpO42kYLqGuOun+pknynjFwVZ6rpnWooTOmrKAb6A9DcXG/hEieB1SVF5Xi6/u6mmx3EnD8jOZayRlw42bjqGA5twdU2WsFbTw1A1M3PQZwAdul5Nzi2PyFTttOg+znipr4MZiS1FjRYnrlClD5+Bl17gzvl25bNNoiIkoIiICIiAiIgJp/MXOopVGo4dBUqLozNpTVu1hqxHXb1m3s1gT2nA8LxG71HJ+N2a538TFtfPWRRNcSxtR71K7l3tYbAKOygaCa2huSZmY/E5hMSkPDISrAlU8E9hBJDDU7D85g0luQPOSixUxD8wcTZMtGjc1atgLfEMxsoX9pjoJ0Hkb2Z0cOq1cWq1sQdcrWanTvY2AOjMLfEfl3OteyHhgxONr4yoLijpS0Ns7hlHzVBt+2D2nZ5MiGle0TFW9xRU2zEswFrWGi3+ZP08pzDibnEYlaSd8t+wHxH6Aza/aZjyMaANMlIC/e+Zr/8ANb5SB5Hw4zNWcgX0XMQPMkX+Q+U4Ob+9y+nXxz9ZG+8GwS00VVFgosJN0FmDhLWFpJ0RPPt3XTldRXaUOJ5XxKJ8bqvqQD8hMdeJUWNlqKT2vb6XkaZRRitpqnHsKtRWVhcH+QR5zaMWdDNexm8vx+2uXpA8JQJTuTtp9JE8XxFzeUvWZSyfqsw/HT8LTAxjzpmP7bY29MjH4whF9J0H2LKxoYhyCFaqAp6EqozW9LgX7g9jNN5e5YbiFVKefJTQFqrfey3HhQdz36fge38NwFOhSSlRUJTQWVR0Hn3Pcneelx/1jjz9smIiXVIiICIiAiIgeET5w5hwr4XFVaLrls7FNgGpFm926gdCAPTUdJ9ISI5k5bw+Np5MQl7fC40dDp8LdNhpsYHC8M+ZZlBfDMnF8B+y4mpQWoKqpazdbEXyuBoGHW3kdNhRVWwlUrMREIXcL8Q+f5GZmLa1NyOit+RmFhzZhM+qt1I7gj6wmNq9h1EDAVGG7V2v8kp2/Mzok5n7D8V+gxFA706ga2mgdcv50zOmSyHI/alTVMcGOzUVY32vmdbD5KPxkVQ4dXYA5QoO2dgpt001Im+c6cGWti8MxA8KPY92UqVBHW2djOdc2e/Spko01LE6vUzHQEgkD1B09O88/lm+Sx1YWTDdbdypWqLdKotYjL4gwPe1vlNpx2JZabGkAz28IJsN/wDKaXwLAVEq0lY/GqvbqmpuD8gD5XtNqxwNjlnFyTWTox1lGr/ZMY5LMEUn9eoM3/LcSnEYbEILvRzL1amRUA+Q8X4SnjHDq602qkFgASRqbDpoN+/ykXyGmLxVVkemiWzEPTLjKovbMQSNTlHzOk2x47lNxnlyTG6rYOC8cFQe7Zrn7jX+Idj5iVYreXMZy+h8dUEVVbVlOUsQfvW0J033lvECZ9b6a96ajxqjau37QVvnbL/hEhcYdZsnMK/pEPdD+B//AFNWxD3adGHbHJNcExVWk4qUHKOtxfcEGxKsOoNhp5eU6pypzguJIpVV93XtewvkewFyl9R18J6Dczk/DqgWTPKmIzcTwtv1n/uak9DD05MvbtMREuqREQEREBERATUud+Znw5WhQt75xmLEXCJcgEDqSVa3oZts5N7TAaXEEfXLUorr0zIzhgPkU+sUR4w2W7ElmbVmJJYk7kk7mYdRbhpcOPDdYTWUWR8SuqljaUSVSSiNcA95FzKwdX7p+UVMXOWuK/YOICo2lGsCtQ22B1vp2YKfQmdyBnDMdhRUWx+R7GS3KPOtTBgUMSpeiDZHB8VMdgPvL5XuOl9BJlK3LmGt7zEqoOlIa/vtuPoF+s8qVbC/brIfB41ajvUUkrUd2Um98rMSu+2hGnSSGNps9JgnxFTb1tPG58vLktr0eKawkXuGYca1erbH9meLX8dpr2H5k92gp1VZGXQhhYy/wjFvXqg00YqDq1rKPmd5S4Xu1aZRuNJLCVKoG2l+2k9EpZ5n6Y3usXFYcGQPE6QUTYK9XSatxrFS2G9tv8e0HzAgNLN1T8jof4SGwvLByh8RUFHNqqkEuexI6em82XCVRcEgEDWx1HlLGKotWrBjfxMACdt9bTpxys6Z3GVpnE6vumK3BtsRpcb319ZuPsj4LVqYgYt0YUkRvdOdA7t4bp3AXPrtrNh5X5VwVStVeqnva1BlBR9UUFQyNk2a+upvtptOgKLaDaenx3eMrhzmsrHsREuqREQEREBERATVfaHy0cbh/wBFb31I5qdzbNpZkJ6XH4gdLzaogfMeIrVKD5KyPTb9V1KH5X3k9wnFhxO9V6COCrqrA6EMAwI7EHecc5goUV4hWGHRUprYMEAVfeD47AabkA+YMipjCxtPS/bf0mFJgrIzEUcpt06SIValQEASqEMuhiAdG37yurQDDUXEwZWlUjYwnaX4TiAgC9BpNr4fiwbazQ8Cc7EHfeTfCBSBy1QQRsysy3/eymeZz4Tyru4suo3g5SNQD6y6tUCR2HpLbSs1vVD+JUmW69BOteofQr/BZyaaWRKNXExqmJHeQtWjpZHqk92YfkBPUpMBrJ8UySL+OxlhNUxte7ST4lVmvV3m/HipnWZQeTfDSC1NSdM1x5H/AL2mppj1U+IgRxTjQC2U6nt085p/HcrqK+ck7ZFbj74fHviqZuMxDrc2emPDY28hcedp2ulUDKGGxAI+es+deGUvtFenSuApOaox0C0U8VVifJA34TsuF57wLfC7hBYBzSqhO1r5bj1IA0npYzxkn04bd3baInisCAQQQdQRqCPKeyyCIiAiIgIiICIiBicWxJp0KtRRcpTdgPNVJH5TifBagtcm5OpJ3JOpJ+c7swvoes4XzpwF+HVjlB+z1D+ifoCbk0jbYixt3Ft7G0UZZcd55VphhYzU/wCl7dZI8N4wGNrgyuk7ZdWkVNjKZL5FYdwZh1sCR8Ov5ydmmJEMLaGIQ9wNTLVXz0mz4fDhjNc4bgTWr06YNszansBqTNl4exVyj6Mhsw7H+dfnOH8r+3Tr4PScwnD9Jf8AsQmVhG0lTPc2Gp/neefbXWx6dECWMdUAEzHABAZ0W/czB5g4lQw1JspD1WFl6gX0v2k4y2q5ZyNW4lXkDiaspxONJkdia/16Tuww+HPnl8sPG1MzhcwW5AzNmyi+7NlBNh5AyirgglfItZMQgVSalMEU8xGqgnU22vp6CUW1l+gCfSd8mppyW7u2fhXUCooJRaoC1AgUFkDBgtyLgXAvbfrMipitMqAqg6SxSWwldpIzamLWoKfv2eoKK5aSMBkVR+ew130HabDyXzL7rEEVKmTDFGurElVYZcuQHY2BFh32mo5ZXScqbiB2/hHMWGxOlGoCeisGRiBuVVgCw8xJWcIw+OqNVogPkPvaYziwKXYAsD6Ezu8RBERJCIiAiIgJaxOHSojJUVXRhZlYBlIPQg7y7EDW6XIfDVYsMJSJN/iBddeysSo+Q0kH7U+CUVwa1qdNKb0aiWKKFJVzkKG3TVT/AGROgSA564U+JwVWlTF38LKugzFGDZde9rQOX8KqHLM01h1msYXiRpko4KsujKwKsD2IOoljHcYJ2MrpO22M6NvYyk4FDtp6GajhaWIeka4AWkLgVHbKrMN0p9XO+wsOpEleG8RYWuf4yfG/CLlJ7bPy1gwmJVr6Wbe3aRnM3Gj9qDIreEZSbG7drd7a/WS+CpkgMeu3oZN8Opi+ovPM5eTGcly1v4d3HhfDXo4ViMtEPXOS4vlOht5/5SI4vzgo8NLbykhx/lypij/XCmna1zby1mHT5GwyLZqjse9wPwAmGP8AH7v+l7crdRpmM4g1Q3Yk/OY1jNpxnK6pc03v5Nb8xIz+jzOnHPHXTO435QmIbKCT0kUcTczpfI/AKVfEVBiKaVKa0/gcZhmZgAbHsA2u4JFpqnOVPAmu1Hh9BlNOowq1i75LqWDJTQkiwPXTbTSdfDJrbn5L3pBolzb6yQo05boUtZm0k1mzJdw+HLEAAknQAAkk9AANSfISTbl3FBc32WuRa+iLe1r/AAZs9/K1/Kb37OOEItH7QVGeoWCkjVaasV07Zipa43GXtNyjSXz7YXI1DL8SMGR1/eVgCvzEWnTPafwFKmGfFIoWvhxmDgAFqYPjRzuy5cxA7+pnNA2YBhswB+sIe099dfKbPyDxH3eMp0aSsEqhw6LcqLLcVCNhbKBfztNYXebPyTxSnhKzNUp3FXKnvha9MdiN8pOUm3Yb2kDrMREsEREBERAREQERECE4/wAqYTGa16QZhs6lkcdvEpBI8jceU1Sr7MuHYcNXrvWalT8RRmGWwINjkUM21rX1vOjTl/tR4yXrLhVPgp2eptq5HhB7WU3t+0Owk4zdVyy8ZtpnN/E2xBQhVp0kJSlSUAKiAeEC3Xe/+ky+WeCPUKuy2pg6k6ZrdB3lrDIhIFQXW4uJvhxKhQRawGlu3lMvy+bLikxxnv5T+LxY8ttyvr4W6yWIk3w2l4ZANi1fUG8zsPxukg8TWnjZS2PV2947wmu7foawVbaqRr63EhW4HiVNmqlvNTa3yO8lBjcLXq5hiKisPuBsq/IETFxNaoGLUqykDowv+Il5cpNf8V1L2jMdgMRSXMGZ9bEZTcaE3O+mn4xwpyXKVBYttfTW38ZnjmKoBZ0U3vqpPp1kli8dhHT9IdbaEfEPSX8c9TePv5ilywm9X01LimJalUvSqMumpRyNjpfKdZp9Ssqucv32JY/tHX85K8Uq6lVue3e3S/aReFwv6UCobLo3kSOk9mcc4+Px+nlTO8mflWfRSwmTRGspYa6bSpZm2de5BxoqYKkB8VK9Nxe5BQ2F/Vcrf2psU4jwji9fDP7zDsNbZ6bXKPbQXA1BHcTah7S2y64U5/Kp4f8ApvtJ2Ng9omMWnw+vm++vu1HUs5y/gLn0BnIqKWpoD0A/KSXHuLVsbUD17KiXyUxfKv8Amdrnr5bTCJhKlF1ElOFcBxGMcpSAFJWAq1GNlAOrKul2bKdh3F7XmDhk1v0E2TkLHOMatOm10qKxqp92yjRx2N8o+fpIHU1Wwt2nsRLIIiICIiAiIgIiW8RXVFZ3IVVBLMdAANSTAs8S4hToU2qVWyqu56k9AB1J7Th/GuI/aMVWrFcvvCCFveyhVQf9EleaOZHxtTqtFD+jQ7npnf8AaPboPmTA4qnpcbj8R1E2wx125uTPfUe57S9/SJC5STaRhxExK9eTnjMpqq4XLG7iZXFoozCpYm912tr17330lunjDU1vp3PU+UhqOFZwXOiDr3N9hJbDiwmc4OP6aZc+f2y6OnS5lzISdDba9p7h06zLpi3zm3hjZqxh55S7l7VqSABe4Et1ATtoPx/0lyJOOExmojLK5XdYgwoGwmLi8HcSVltgJNiJbELgKTISHNx90/wMzCtpl1aIImAjFHA3Q6W7ekwz49dx08fLvqq7yoVDLtYUxu2WVJhb6hgRMXQxiZ6iEmwl9aVMGzOL9hMvC4U1a1PD0SFaqT4yCQoALE2G+gPzttAte5QGmtQkU2dRVZSAQpIDG52nVeX+V8Ng8xoIQzCzOzM7kXva7HQbaC2wmocL9nNb33+1Vqb0FN8qZw7kbBwRZR3sTfy3nSZMQRESQiIgIiICIiAnMfaTzAalT7LTPgp2NU/rPoVX0XQnzPlOj4/Ee7pVHtfIjNba+UE2/CfP4rliWY3ZyWY92OpP1MvhO2XLlqaXwZZq1rS3UrTAxFebOeRRi6ovfr/O8zuF8KDKHq3N9VXYW6EzD4ZhPevdvgXfzPRZMYvGARE2/EeY+oMuUW0IFh08pboCWsKQ5JOtzM9aIBFoV9I7gXGnrV61L3eVKVwH1vmDWsfUXPymwiW0lQYdx9ZMVyu/S5PbynNPCZZV6Wlh6mtpU7WmBQqZmJ87fTSVWkSomHjqNxMqkdIqjSShsHIPKeExGHepVz1XYNSZXKkUzsWp6blSpBNyLzAHs6x1HMlJ6NSnfwszMjW6ZhlOtuxmX7MscUxVSiT4ayZgL/fTsO5Ut/8AWdRnLlNV34Zbm2kj2b4ZsKlKpf3y3Y4hNHLt8W97psAp7d7zP5b5Jo4Sp70PUq1ACFZyAFU7gKoAPqbzZ4kLEREBERAREQEREBERA8YX0nz5zDwxsHiHoNeym9Mn71M/Aw/I+YM+hJC81ct0sdSyVNGW5p1B8SN/EHqp39QCLY5aUzx8o+f6taYtizBRuf5uZs/HeQ8dh2NqTVkvo9EGpcdLoPED8reco4Fybjap8OHqISbFqytRVR3OcXPyBmu4x8bGDUrrSQKNh+J6kzcOV/ZtVr2q40tSQ6rSBAqEaWLnXIPL4vSbfylyHRwhFWoffVxs50VN/wCrXpodzc+m02+Uyz+mmHHruvn/ABNFUxOIRBlVK9ZVUbBVqMqgfICXAfEfLSU8TP8At2KH/uK/960xMNxKm1ZqQb9IozEeWnX5j6zWXpz5TupMvYEzzDiWKjbCZNHaSouFpaY+kraUGELBc3MxOHN176/WZirofM/6SO4ebadiR9DaF56TtEy48s0DL7SVFHAsR7vHYZhf+tVDY20qeD/FO3TgONJUhhe6EMLb3Ugi30nesNWDorqbq6hgQQQQRcWI33mHJ7dfBelyIiZtiIiAiIgIiICIiAiIgIiICIiAiIgcK5m/3liv+J/hWaZwf/edb/h/wpxE2+nNfeTZ33HzmZS2iJoxquWzPYhVbX4ZFYb42/eb84iQvE1h5lREtFKjuIbGdm5U/wDA4X/49H+7WImPI6eD5SsREydBERAREQERED//2Q=="/>
+          <p:cNvSpPr>
+            <a:spLocks noChangeAspect="1" noChangeArrowheads="1"/>
+          </p:cNvSpPr>
+          <p:nvPr/>
+        </p:nvSpPr>
+        <p:spPr bwMode="auto">
+          <a:xfrm>
+            <a:off x="307975" y="7937"/>
+            <a:ext cx="304800" cy="304801"/>
+          </a:xfrm>
+          <a:prstGeom prst="rect">
+            <a:avLst/>
+          </a:prstGeom>
+          <a:noFill/>
+          <a:extLst>
+            <a:ext uri="{909E8E84-426E-40DD-AFC4-6F175D3DCCD1}">
+              <a14:hiddenFill xmlns:a14="http://schemas.microsoft.com/office/drawing/2010/main">
+                <a:solidFill>
+                  <a:srgbClr val="FFFFFF"/>
+                </a:solidFill>
+              </a14:hiddenFill>
+            </a:ext>
+          </a:extLst>
+        </p:spPr>
+        <p:txBody>
+          <a:bodyPr vert="horz" wrap="square" lIns="91440" tIns="45720" rIns="91440" bIns="45720" numCol="1" anchor="t" anchorCtr="0" compatLnSpc="1">
+            <a:prstTxWarp prst="textNoShape">
+              <a:avLst/>
+            </a:prstTxWarp>
+          </a:bodyPr>
+          <a:lstStyle/>
+          <a:p>
+            <a:endParaRPr lang="es-ES"/>
+          </a:p>
+        </p:txBody>
+      </p:sp>
+      <p:pic>
+        <p:nvPicPr>
+          <p:cNvPr id="5128" name="Picture 8" descr="http://i49.tinypic.com/30mvblg.jpg"/>
+          <p:cNvPicPr>
+            <a:picLocks noChangeAspect="1" noChangeArrowheads="1" noCrop="1"/>
+          </p:cNvPicPr>
+          <p:nvPr/>
+        </p:nvPicPr>
+        <p:blipFill>
+          <a:blip r:embed="rId3">
+            <a:extLst>
+              <a:ext uri="{28A0092B-C50C-407E-A947-70E740481C1C}">
+                <a14:useLocalDpi xmlns:a14="http://schemas.microsoft.com/office/drawing/2010/main" val="0"/>
+              </a:ext>
+            </a:extLst>
+          </a:blip>
+          <a:srcRect/>
+          <a:stretch>
+            <a:fillRect/>
+          </a:stretch>
+        </p:blipFill>
+        <p:spPr bwMode="auto">
+          <a:xfrm>
+            <a:off x="6876256" y="160337"/>
+            <a:ext cx="1872208" cy="1872208"/>
+          </a:xfrm>
+          <a:prstGeom prst="rect">
+            <a:avLst/>
+          </a:prstGeom>
+          <a:noFill/>
+          <a:extLst>
+            <a:ext uri="{909E8E84-426E-40DD-AFC4-6F175D3DCCD1}">
+              <a14:hiddenFill xmlns:a14="http://schemas.microsoft.com/office/drawing/2010/main">
+                <a:solidFill>
+                  <a:srgbClr val="FFFFFF"/>
+                </a:solidFill>
+              </a14:hiddenFill>
+            </a:ext>
+          </a:extLst>
+        </p:spPr>
+      </p:pic>
+    </p:spTree>
+    <p:extLst>
+      <p:ext uri="{BB962C8B-B14F-4D97-AF65-F5344CB8AC3E}">
+        <p14:creationId xmlns:p14="http://schemas.microsoft.com/office/powerpoint/2010/main" val="3801661073"/>
+      </p:ext>
+    </p:extLst>
+  </p:cSld>
+  <p:clrMapOvr>
+    <a:masterClrMapping/>
+  </p:clrMapOvr>
+  <p:timing>
+    <p:tnLst>
+      <p:par>
+        <p:cTn id="1" dur="indefinite" restart="never" nodeType="tmRoot"/>
+      </p:par>
+    </p:tnLst>
+  </p:timing>
+</p:sld>
+</file>
+
+<file path=ppt/slides/slide11.xml><?xml version="1.0" encoding="utf-8"?>
+<p:sld xmlns:a="http://schemas.openxmlformats.org/drawingml/2006/main" xmlns:r="http://schemas.openxmlformats.org/officeDocument/2006/relationships" xmlns:p="http://schemas.openxmlformats.org/presentationml/2006/main">
+  <p:cSld>
+    <p:spTree>
+      <p:nvGrpSpPr>
+        <p:cNvPr id="1" name=""/>
+        <p:cNvGrpSpPr/>
+        <p:nvPr/>
+      </p:nvGrpSpPr>
+      <p:grpSpPr>
+        <a:xfrm>
+          <a:off x="0" y="0"/>
+          <a:ext cx="0" cy="0"/>
+          <a:chOff x="0" y="0"/>
+          <a:chExt cx="0" cy="0"/>
+        </a:xfrm>
+      </p:grpSpPr>
+      <p:sp>
+        <p:nvSpPr>
+          <p:cNvPr id="2" name="1 Título"/>
+          <p:cNvSpPr>
+            <a:spLocks noGrp="1"/>
+          </p:cNvSpPr>
+          <p:nvPr>
+            <p:ph type="title"/>
+          </p:nvPr>
+        </p:nvSpPr>
+        <p:spPr/>
+        <p:txBody>
+          <a:bodyPr>
+            <a:normAutofit fontScale="90000"/>
+          </a:bodyPr>
+          <a:lstStyle/>
+          <a:p>
+            <a:r>
+              <a:rPr lang="es-ES" b="1" dirty="0"/>
+              <a:t>REVISTA VIRTUAL Y LOS CÓDIGOS </a:t>
+            </a:r>
+            <a:r>
+              <a:rPr lang="es-ES" b="1" dirty="0" smtClean="0"/>
+              <a:t>QR</a:t>
+            </a:r>
+            <a:endParaRPr lang="es-ES" dirty="0"/>
+          </a:p>
+        </p:txBody>
+      </p:sp>
+      <p:sp>
+        <p:nvSpPr>
+          <p:cNvPr id="3" name="2 Marcador de contenido"/>
+          <p:cNvSpPr>
+            <a:spLocks noGrp="1"/>
+          </p:cNvSpPr>
+          <p:nvPr>
+            <p:ph sz="quarter" idx="1"/>
+          </p:nvPr>
+        </p:nvSpPr>
+        <p:spPr/>
+        <p:txBody>
+          <a:bodyPr/>
+          <a:lstStyle/>
+          <a:p>
+            <a:r>
+              <a:rPr lang="es-ES" sz="2000" dirty="0"/>
+              <a:t>Los códigos </a:t>
+            </a:r>
+            <a:r>
+              <a:rPr lang="es-ES" sz="2000" dirty="0" err="1"/>
+              <a:t>Qr</a:t>
+            </a:r>
+            <a:r>
+              <a:rPr lang="es-ES" sz="2000" dirty="0"/>
+              <a:t> contienen los link en cada imagen que aparece en la revista ya sea una revista virtual o física  son muy llamativos ya que podrá direccionarlo mediante un Smartphone a dicha web así dándole una innovación y atracción tecnológica.</a:t>
+            </a:r>
+          </a:p>
+          <a:p>
+            <a:endParaRPr lang="es-ES" dirty="0"/>
+          </a:p>
+        </p:txBody>
+      </p:sp>
+      <p:pic>
+        <p:nvPicPr>
+          <p:cNvPr id="4" name="3 Imagen" descr="C:\Users\pc-3\Desktop\codigo qr\inicio.png"/>
+          <p:cNvPicPr/>
+          <p:nvPr/>
+        </p:nvPicPr>
+        <p:blipFill>
+          <a:blip r:embed="rId2">
+            <a:extLst>
+              <a:ext uri="{28A0092B-C50C-407E-A947-70E740481C1C}">
+                <a14:useLocalDpi xmlns:a14="http://schemas.microsoft.com/office/drawing/2010/main" val="0"/>
+              </a:ext>
+            </a:extLst>
+          </a:blip>
+          <a:srcRect/>
+          <a:stretch>
+            <a:fillRect/>
+          </a:stretch>
+        </p:blipFill>
+        <p:spPr bwMode="auto">
+          <a:xfrm>
+            <a:off x="6516216" y="2565511"/>
+            <a:ext cx="2391133" cy="2088232"/>
+          </a:xfrm>
+          <a:prstGeom prst="rect">
+            <a:avLst/>
+          </a:prstGeom>
+          <a:ln w="38100" cap="sq">
+            <a:solidFill>
+              <a:srgbClr val="000000"/>
+            </a:solidFill>
+            <a:prstDash val="solid"/>
+            <a:miter lim="800000"/>
+          </a:ln>
+          <a:effectLst>
+            <a:outerShdw blurRad="50800" dist="38100" dir="2700000" algn="tl" rotWithShape="0">
+              <a:srgbClr val="000000">
+                <a:alpha val="43000"/>
+              </a:srgbClr>
+            </a:outerShdw>
+          </a:effectLst>
+        </p:spPr>
+      </p:pic>
+      <p:pic>
+        <p:nvPicPr>
+          <p:cNvPr id="5" name="4 Imagen" descr="http://200.53.148.105/wp-content/uploads/2013/01/35.jpg"/>
+          <p:cNvPicPr/>
+          <p:nvPr/>
+        </p:nvPicPr>
+        <p:blipFill rotWithShape="1">
+          <a:blip r:embed="rId3">
+            <a:extLst>
+              <a:ext uri="{28A0092B-C50C-407E-A947-70E740481C1C}">
+                <a14:useLocalDpi xmlns:a14="http://schemas.microsoft.com/office/drawing/2010/main" val="0"/>
+              </a:ext>
+            </a:extLst>
+          </a:blip>
+          <a:srcRect l="2790" t="3676" r="1904" b="5883"/>
+          <a:stretch/>
+        </p:blipFill>
+        <p:spPr bwMode="auto">
+          <a:xfrm>
+            <a:off x="611560" y="2565511"/>
+            <a:ext cx="5598160" cy="3959225"/>
+          </a:xfrm>
+          <a:prstGeom prst="rect">
+            <a:avLst/>
+          </a:prstGeom>
+          <a:ln w="38100" cap="sq">
+            <a:solidFill>
+              <a:srgbClr val="000000"/>
+            </a:solidFill>
+            <a:prstDash val="solid"/>
+            <a:miter lim="800000"/>
+          </a:ln>
+          <a:effectLst>
+            <a:outerShdw blurRad="50800" dist="38100" dir="2700000" algn="tl" rotWithShape="0">
+              <a:srgbClr val="000000">
+                <a:alpha val="43000"/>
+              </a:srgbClr>
+            </a:outerShdw>
+          </a:effectLst>
+          <a:extLst>
+            <a:ext uri="{53640926-AAD7-44D8-BBD7-CCE9431645EC}">
+              <a14:shadowObscured xmlns:a14="http://schemas.microsoft.com/office/drawing/2010/main"/>
+            </a:ext>
+          </a:extLst>
+        </p:spPr>
+      </p:pic>
+    </p:spTree>
+    <p:extLst>
+      <p:ext uri="{BB962C8B-B14F-4D97-AF65-F5344CB8AC3E}">
+        <p14:creationId xmlns:p14="http://schemas.microsoft.com/office/powerpoint/2010/main" val="519271580"/>
+      </p:ext>
+    </p:extLst>
+  </p:cSld>
+  <p:clrMapOvr>
+    <a:masterClrMapping/>
+  </p:clrMapOvr>
+  <p:timing>
+    <p:tnLst>
+      <p:par>
+        <p:cTn id="1" dur="indefinite" restart="never" nodeType="tmRoot"/>
+      </p:par>
+    </p:tnLst>
+  </p:timing>
+</p:sld>
+</file>
+
+<file path=ppt/slides/slide12.xml><?xml version="1.0" encoding="utf-8"?>
+<p:sld xmlns:a="http://schemas.openxmlformats.org/drawingml/2006/main" xmlns:r="http://schemas.openxmlformats.org/officeDocument/2006/relationships" xmlns:p="http://schemas.openxmlformats.org/presentationml/2006/main">
+  <p:cSld>
+    <p:spTree>
+      <p:nvGrpSpPr>
+        <p:cNvPr id="1" name=""/>
+        <p:cNvGrpSpPr/>
+        <p:nvPr/>
+      </p:nvGrpSpPr>
+      <p:grpSpPr>
+        <a:xfrm>
+          <a:off x="0" y="0"/>
+          <a:ext cx="0" cy="0"/>
+          <a:chOff x="0" y="0"/>
+          <a:chExt cx="0" cy="0"/>
+        </a:xfrm>
+      </p:grpSpPr>
+      <p:sp>
+        <p:nvSpPr>
+          <p:cNvPr id="2" name="1 Título"/>
+          <p:cNvSpPr>
+            <a:spLocks noGrp="1"/>
+          </p:cNvSpPr>
+          <p:nvPr>
+            <p:ph type="title"/>
+          </p:nvPr>
+        </p:nvSpPr>
+        <p:spPr/>
+        <p:txBody>
+          <a:bodyPr>
+            <a:normAutofit/>
+          </a:bodyPr>
+          <a:lstStyle/>
+          <a:p>
+            <a:r>
+              <a:rPr lang="es-ES" b="1" dirty="0"/>
+              <a:t>REVISTA  VIRTUAL </a:t>
+            </a:r>
+            <a:endParaRPr lang="es-ES" dirty="0"/>
+          </a:p>
+        </p:txBody>
+      </p:sp>
+      <p:sp>
+        <p:nvSpPr>
+          <p:cNvPr id="3" name="2 Marcador de contenido"/>
+          <p:cNvSpPr>
+            <a:spLocks noGrp="1"/>
+          </p:cNvSpPr>
+          <p:nvPr>
+            <p:ph sz="quarter" idx="1"/>
+          </p:nvPr>
+        </p:nvSpPr>
+        <p:spPr/>
+        <p:txBody>
+          <a:bodyPr/>
+          <a:lstStyle/>
+          <a:p>
+            <a:pPr algn="just"/>
+            <a:r>
+              <a:rPr lang="es-ES" sz="2000" dirty="0"/>
+              <a:t>Es una revista con páginas que lo podrás ver atreves de una computadora en el cual en cada imagen nos muestra un código </a:t>
+            </a:r>
+            <a:r>
+              <a:rPr lang="es-ES" sz="2000" dirty="0" err="1"/>
+              <a:t>Qr</a:t>
+            </a:r>
+            <a:r>
+              <a:rPr lang="es-ES" sz="2000" dirty="0"/>
+              <a:t> el cual nos permitirá acceder a cada evento turístico, restaurante, trasporte cada uno mostrándonos mucha información para así se le haga más fácil al visitante . </a:t>
+            </a:r>
+          </a:p>
+          <a:p>
+            <a:endParaRPr lang="es-ES" dirty="0"/>
+          </a:p>
+        </p:txBody>
+      </p:sp>
+      <p:pic>
+        <p:nvPicPr>
+          <p:cNvPr id="4" name="3 Imagen" descr="C:\Users\pc-3\Desktop\Sin título.png"/>
+          <p:cNvPicPr/>
+          <p:nvPr/>
+        </p:nvPicPr>
+        <p:blipFill>
+          <a:blip r:embed="rId2">
+            <a:extLst>
+              <a:ext uri="{28A0092B-C50C-407E-A947-70E740481C1C}">
+                <a14:useLocalDpi xmlns:a14="http://schemas.microsoft.com/office/drawing/2010/main" val="0"/>
+              </a:ext>
+            </a:extLst>
+          </a:blip>
+          <a:srcRect/>
+          <a:stretch>
+            <a:fillRect/>
+          </a:stretch>
+        </p:blipFill>
+        <p:spPr bwMode="auto">
+          <a:xfrm>
+            <a:off x="2699792" y="2636912"/>
+            <a:ext cx="3168352" cy="3744416"/>
+          </a:xfrm>
+          <a:prstGeom prst="rect">
+            <a:avLst/>
+          </a:prstGeom>
+          <a:ln w="38100" cap="sq">
+            <a:solidFill>
+              <a:srgbClr val="000000"/>
+            </a:solidFill>
+            <a:prstDash val="solid"/>
+            <a:miter lim="800000"/>
+          </a:ln>
+          <a:effectLst>
+            <a:outerShdw blurRad="50800" dist="38100" dir="2700000" algn="tl" rotWithShape="0">
+              <a:srgbClr val="000000">
+                <a:alpha val="43000"/>
+              </a:srgbClr>
+            </a:outerShdw>
+          </a:effectLst>
+        </p:spPr>
+      </p:pic>
+    </p:spTree>
+    <p:extLst>
+      <p:ext uri="{BB962C8B-B14F-4D97-AF65-F5344CB8AC3E}">
+        <p14:creationId xmlns:p14="http://schemas.microsoft.com/office/powerpoint/2010/main" val="1525410194"/>
+      </p:ext>
+    </p:extLst>
+  </p:cSld>
+  <p:clrMapOvr>
+    <a:masterClrMapping/>
+  </p:clrMapOvr>
+  <p:timing>
+    <p:tnLst>
+      <p:par>
+        <p:cTn id="1" dur="indefinite" restart="never" nodeType="tmRoot"/>
+      </p:par>
+    </p:tnLst>
+  </p:timing>
+</p:sld>
+</file>
+
+<file path=ppt/slides/slide13.xml><?xml version="1.0" encoding="utf-8"?>
+<p:sld xmlns:a="http://schemas.openxmlformats.org/drawingml/2006/main" xmlns:r="http://schemas.openxmlformats.org/officeDocument/2006/relationships" xmlns:p="http://schemas.openxmlformats.org/presentationml/2006/main">
+  <p:cSld>
+    <p:spTree>
+      <p:nvGrpSpPr>
+        <p:cNvPr id="1" name=""/>
+        <p:cNvGrpSpPr/>
+        <p:nvPr/>
+      </p:nvGrpSpPr>
+      <p:grpSpPr>
+        <a:xfrm>
+          <a:off x="0" y="0"/>
+          <a:ext cx="0" cy="0"/>
+          <a:chOff x="0" y="0"/>
+          <a:chExt cx="0" cy="0"/>
+        </a:xfrm>
+      </p:grpSpPr>
+      <p:sp>
+        <p:nvSpPr>
+          <p:cNvPr id="3" name="2 Marcador de contenido"/>
+          <p:cNvSpPr>
+            <a:spLocks noGrp="1"/>
+          </p:cNvSpPr>
+          <p:nvPr>
+            <p:ph sz="quarter" idx="1"/>
+          </p:nvPr>
+        </p:nvSpPr>
+        <p:spPr>
+          <a:xfrm>
+            <a:off x="323528" y="2348880"/>
+            <a:ext cx="8229600" cy="4937760"/>
+          </a:xfrm>
+        </p:spPr>
+        <p:txBody>
+          <a:bodyPr/>
+          <a:lstStyle/>
+          <a:p>
+            <a:pPr algn="just"/>
+            <a:r>
+              <a:rPr lang="es-ES" dirty="0"/>
+              <a:t>Es todo un sistema versión 0.1 que aún falta muchas cosas pero para su inicio cumple todo lo básico y cumpliendo con la información necesaria mostrada al mundo y a su vez verlo como una forma innovadora de utilizar las herramientas de la revista virtual y los códigos </a:t>
+            </a:r>
+            <a:r>
+              <a:rPr lang="es-ES" dirty="0" err="1"/>
+              <a:t>Qr</a:t>
+            </a:r>
+            <a:r>
+              <a:rPr lang="es-ES" dirty="0"/>
+              <a:t>.</a:t>
+            </a:r>
+          </a:p>
+          <a:p>
+            <a:endParaRPr lang="es-ES" dirty="0"/>
+          </a:p>
+        </p:txBody>
+      </p:sp>
+      <p:pic>
+        <p:nvPicPr>
+          <p:cNvPr id="4098" name="Picture 2" descr="Resultado de imagen para conclusion"/>
+          <p:cNvPicPr>
+            <a:picLocks noChangeAspect="1" noChangeArrowheads="1"/>
+          </p:cNvPicPr>
+          <p:nvPr/>
+        </p:nvPicPr>
+        <p:blipFill>
+          <a:blip r:embed="rId2">
+            <a:extLst>
+              <a:ext uri="{28A0092B-C50C-407E-A947-70E740481C1C}">
+                <a14:useLocalDpi xmlns:a14="http://schemas.microsoft.com/office/drawing/2010/main" val="0"/>
+              </a:ext>
+            </a:extLst>
+          </a:blip>
+          <a:srcRect/>
+          <a:stretch>
+            <a:fillRect/>
+          </a:stretch>
+        </p:blipFill>
+        <p:spPr bwMode="auto">
+          <a:xfrm>
+            <a:off x="33892" y="188640"/>
+            <a:ext cx="1066800" cy="1071563"/>
+          </a:xfrm>
+          <a:prstGeom prst="rect">
+            <a:avLst/>
+          </a:prstGeom>
+          <a:noFill/>
+          <a:extLst>
+            <a:ext uri="{909E8E84-426E-40DD-AFC4-6F175D3DCCD1}">
+              <a14:hiddenFill xmlns:a14="http://schemas.microsoft.com/office/drawing/2010/main">
+                <a:solidFill>
+                  <a:srgbClr val="FFFFFF"/>
+                </a:solidFill>
+              </a14:hiddenFill>
+            </a:ext>
+          </a:extLst>
+        </p:spPr>
+      </p:pic>
+      <p:sp>
+        <p:nvSpPr>
+          <p:cNvPr id="5" name="AutoShape 6" descr="Resultado de imagen para conclusion gif"/>
+          <p:cNvSpPr>
+            <a:spLocks noChangeAspect="1" noChangeArrowheads="1"/>
+          </p:cNvSpPr>
+          <p:nvPr/>
+        </p:nvSpPr>
+        <p:spPr bwMode="auto">
+          <a:xfrm>
+            <a:off x="155575" y="-144463"/>
+            <a:ext cx="304800" cy="304801"/>
+          </a:xfrm>
+          <a:prstGeom prst="rect">
+            <a:avLst/>
+          </a:prstGeom>
+          <a:noFill/>
+          <a:extLst>
+            <a:ext uri="{909E8E84-426E-40DD-AFC4-6F175D3DCCD1}">
+              <a14:hiddenFill xmlns:a14="http://schemas.microsoft.com/office/drawing/2010/main">
+                <a:solidFill>
+                  <a:srgbClr val="FFFFFF"/>
+                </a:solidFill>
+              </a14:hiddenFill>
+            </a:ext>
+          </a:extLst>
+        </p:spPr>
+        <p:txBody>
+          <a:bodyPr vert="horz" wrap="square" lIns="91440" tIns="45720" rIns="91440" bIns="45720" numCol="1" anchor="t" anchorCtr="0" compatLnSpc="1">
+            <a:prstTxWarp prst="textNoShape">
+              <a:avLst/>
+            </a:prstTxWarp>
+          </a:bodyPr>
+          <a:lstStyle/>
+          <a:p>
+            <a:endParaRPr lang="es-ES"/>
+          </a:p>
+        </p:txBody>
+      </p:sp>
+      <p:sp>
+        <p:nvSpPr>
+          <p:cNvPr id="6" name="AutoShape 8" descr="Resultado de imagen para conclusion gif"/>
+          <p:cNvSpPr>
+            <a:spLocks noChangeAspect="1" noChangeArrowheads="1"/>
+          </p:cNvSpPr>
+          <p:nvPr/>
+        </p:nvSpPr>
+        <p:spPr bwMode="auto">
+          <a:xfrm>
+            <a:off x="307975" y="7937"/>
+            <a:ext cx="304800" cy="304801"/>
+          </a:xfrm>
+          <a:prstGeom prst="rect">
+            <a:avLst/>
+          </a:prstGeom>
+          <a:noFill/>
+          <a:extLst>
+            <a:ext uri="{909E8E84-426E-40DD-AFC4-6F175D3DCCD1}">
+              <a14:hiddenFill xmlns:a14="http://schemas.microsoft.com/office/drawing/2010/main">
+                <a:solidFill>
+                  <a:srgbClr val="FFFFFF"/>
+                </a:solidFill>
+              </a14:hiddenFill>
+            </a:ext>
+          </a:extLst>
+        </p:spPr>
+        <p:txBody>
+          <a:bodyPr vert="horz" wrap="square" lIns="91440" tIns="45720" rIns="91440" bIns="45720" numCol="1" anchor="t" anchorCtr="0" compatLnSpc="1">
+            <a:prstTxWarp prst="textNoShape">
+              <a:avLst/>
+            </a:prstTxWarp>
+          </a:bodyPr>
+          <a:lstStyle/>
+          <a:p>
+            <a:endParaRPr lang="es-ES"/>
+          </a:p>
+        </p:txBody>
+      </p:sp>
+      <p:pic>
+        <p:nvPicPr>
+          <p:cNvPr id="4106" name="Picture 10" descr="http://202.91.162.22/web/Bataannuclearpowerplant/html/conclusion.gif"/>
+          <p:cNvPicPr>
+            <a:picLocks noChangeAspect="1" noChangeArrowheads="1"/>
+          </p:cNvPicPr>
+          <p:nvPr/>
+        </p:nvPicPr>
+        <p:blipFill>
+          <a:blip r:embed="rId3">
+            <a:extLst>
+              <a:ext uri="{28A0092B-C50C-407E-A947-70E740481C1C}">
+                <a14:useLocalDpi xmlns:a14="http://schemas.microsoft.com/office/drawing/2010/main" val="0"/>
+              </a:ext>
+            </a:extLst>
+          </a:blip>
+          <a:srcRect/>
+          <a:stretch>
+            <a:fillRect/>
+          </a:stretch>
+        </p:blipFill>
+        <p:spPr bwMode="auto">
+          <a:xfrm>
+            <a:off x="1100692" y="568653"/>
+            <a:ext cx="7279474" cy="1383100"/>
+          </a:xfrm>
+          <a:prstGeom prst="rect">
+            <a:avLst/>
+          </a:prstGeom>
+          <a:noFill/>
+          <a:extLst>
+            <a:ext uri="{909E8E84-426E-40DD-AFC4-6F175D3DCCD1}">
+              <a14:hiddenFill xmlns:a14="http://schemas.microsoft.com/office/drawing/2010/main">
+                <a:solidFill>
+                  <a:srgbClr val="FFFFFF"/>
+                </a:solidFill>
+              </a14:hiddenFill>
+            </a:ext>
+          </a:extLst>
+        </p:spPr>
+      </p:pic>
+    </p:spTree>
+    <p:extLst>
+      <p:ext uri="{BB962C8B-B14F-4D97-AF65-F5344CB8AC3E}">
+        <p14:creationId xmlns:p14="http://schemas.microsoft.com/office/powerpoint/2010/main" val="1299315915"/>
+      </p:ext>
+    </p:extLst>
+  </p:cSld>
+  <p:clrMapOvr>
+    <a:masterClrMapping/>
+  </p:clrMapOvr>
+  <p:timing>
+    <p:tnLst>
+      <p:par>
+        <p:cTn id="1" dur="indefinite" restart="never" nodeType="tmRoot"/>
+      </p:par>
+    </p:tnLst>
+  </p:timing>
+</p:sld>
+</file>
+
+<file path=ppt/slides/slide14.xml><?xml version="1.0" encoding="utf-8"?>
+<p:sld xmlns:a="http://schemas.openxmlformats.org/drawingml/2006/main" xmlns:r="http://schemas.openxmlformats.org/officeDocument/2006/relationships" xmlns:p="http://schemas.openxmlformats.org/presentationml/2006/main">
+  <p:cSld>
+    <p:spTree>
+      <p:nvGrpSpPr>
+        <p:cNvPr id="1" name=""/>
+        <p:cNvGrpSpPr/>
+        <p:nvPr/>
+      </p:nvGrpSpPr>
+      <p:grpSpPr>
+        <a:xfrm>
+          <a:off x="0" y="0"/>
+          <a:ext cx="0" cy="0"/>
+          <a:chOff x="0" y="0"/>
+          <a:chExt cx="0" cy="0"/>
+        </a:xfrm>
+      </p:grpSpPr>
+      <p:pic>
+        <p:nvPicPr>
+          <p:cNvPr id="3074" name="Picture 2" descr="http://www.felipegarciarey.com/wp-content/uploads/2012/12/Gracias2012_.jpg"/>
+          <p:cNvPicPr>
+            <a:picLocks noChangeAspect="1" noChangeArrowheads="1"/>
+          </p:cNvPicPr>
+          <p:nvPr/>
+        </p:nvPicPr>
+        <p:blipFill>
+          <a:blip r:embed="rId2">
+            <a:extLst>
+              <a:ext uri="{28A0092B-C50C-407E-A947-70E740481C1C}">
+                <a14:useLocalDpi xmlns:a14="http://schemas.microsoft.com/office/drawing/2010/main" val="0"/>
+              </a:ext>
+            </a:extLst>
+          </a:blip>
+          <a:srcRect/>
+          <a:stretch>
+            <a:fillRect/>
+          </a:stretch>
+        </p:blipFill>
+        <p:spPr bwMode="auto">
+          <a:xfrm>
+            <a:off x="13142" y="0"/>
+            <a:ext cx="9142100" cy="6858000"/>
+          </a:xfrm>
+          <a:prstGeom prst="rect">
+            <a:avLst/>
+          </a:prstGeom>
+          <a:noFill/>
+          <a:extLst>
+            <a:ext uri="{909E8E84-426E-40DD-AFC4-6F175D3DCCD1}">
+              <a14:hiddenFill xmlns:a14="http://schemas.microsoft.com/office/drawing/2010/main">
+                <a:solidFill>
+                  <a:srgbClr val="FFFFFF"/>
+                </a:solidFill>
+              </a14:hiddenFill>
+            </a:ext>
+          </a:extLst>
+        </p:spPr>
+      </p:pic>
+      <p:pic>
+        <p:nvPicPr>
+          <p:cNvPr id="3076" name="Picture 4" descr="Resultado de imagen para gracias"/>
+          <p:cNvPicPr>
+            <a:picLocks noChangeAspect="1" noChangeArrowheads="1"/>
+          </p:cNvPicPr>
+          <p:nvPr/>
+        </p:nvPicPr>
+        <p:blipFill rotWithShape="1">
+          <a:blip r:embed="rId3">
+            <a:extLst>
+              <a:ext uri="{28A0092B-C50C-407E-A947-70E740481C1C}">
+                <a14:useLocalDpi xmlns:a14="http://schemas.microsoft.com/office/drawing/2010/main" val="0"/>
+              </a:ext>
+            </a:extLst>
+          </a:blip>
+          <a:srcRect l="-1176" t="17252" r="1176" b="-390"/>
+          <a:stretch/>
+        </p:blipFill>
+        <p:spPr bwMode="auto">
+          <a:xfrm>
+            <a:off x="6849863" y="4941168"/>
+            <a:ext cx="2305379" cy="1925185"/>
+          </a:xfrm>
+          <a:prstGeom prst="rect">
+            <a:avLst/>
+          </a:prstGeom>
+          <a:noFill/>
+          <a:extLst>
+            <a:ext uri="{909E8E84-426E-40DD-AFC4-6F175D3DCCD1}">
+              <a14:hiddenFill xmlns:a14="http://schemas.microsoft.com/office/drawing/2010/main">
+                <a:solidFill>
+                  <a:srgbClr val="FFFFFF"/>
+                </a:solidFill>
+              </a14:hiddenFill>
+            </a:ext>
+          </a:extLst>
+        </p:spPr>
+      </p:pic>
+    </p:spTree>
+    <p:extLst>
+      <p:ext uri="{BB962C8B-B14F-4D97-AF65-F5344CB8AC3E}">
+        <p14:creationId xmlns:p14="http://schemas.microsoft.com/office/powerpoint/2010/main" val="1707639733"/>
+      </p:ext>
+    </p:extLst>
+  </p:cSld>
+  <p:clrMapOvr>
+    <a:masterClrMapping/>
+  </p:clrMapOvr>
+  <p:timing>
+    <p:tnLst>
+      <p:par>
+        <p:cTn id="1" dur="indefinite" restart="never" nodeType="tmRoot"/>
+      </p:par>
+    </p:tnLst>
+  </p:timing>
+</p:sld>
+</file>
+
+<file path=ppt/slides/slide2.xml><?xml version="1.0" encoding="utf-8"?>
+<p:sld xmlns:a="http://schemas.openxmlformats.org/drawingml/2006/main" xmlns:r="http://schemas.openxmlformats.org/officeDocument/2006/relationships" xmlns:p="http://schemas.openxmlformats.org/presentationml/2006/main">
+  <p:cSld>
+    <p:spTree>
+      <p:nvGrpSpPr>
+        <p:cNvPr id="1" name=""/>
+        <p:cNvGrpSpPr/>
+        <p:nvPr/>
+      </p:nvGrpSpPr>
+      <p:grpSpPr>
+        <a:xfrm>
+          <a:off x="0" y="0"/>
+          <a:ext cx="0" cy="0"/>
+          <a:chOff x="0" y="0"/>
+          <a:chExt cx="0" cy="0"/>
+        </a:xfrm>
+      </p:grpSpPr>
+      <p:sp>
+        <p:nvSpPr>
+          <p:cNvPr id="2" name="1 Título"/>
+          <p:cNvSpPr>
+            <a:spLocks noGrp="1"/>
+          </p:cNvSpPr>
+          <p:nvPr>
+            <p:ph type="title"/>
+          </p:nvPr>
+        </p:nvSpPr>
+        <p:spPr/>
+        <p:txBody>
+          <a:bodyPr>
+            <a:normAutofit fontScale="90000"/>
+          </a:bodyPr>
+          <a:lstStyle/>
+          <a:p>
+            <a:r>
+              <a:rPr lang="es-PE" b="1" dirty="0"/>
+              <a:t>EL TURISMO</a:t>
+            </a:r>
+            <a:r>
+              <a:rPr lang="es-ES" dirty="0"/>
+              <a:t/>
+            </a:r>
+            <a:br>
+              <a:rPr lang="es-ES" dirty="0"/>
+            </a:br>
+            <a:endParaRPr lang="es-ES" dirty="0"/>
+          </a:p>
+        </p:txBody>
+      </p:sp>
+      <p:sp>
+        <p:nvSpPr>
+          <p:cNvPr id="3" name="2 Marcador de contenido"/>
+          <p:cNvSpPr>
+            <a:spLocks noGrp="1"/>
+          </p:cNvSpPr>
+          <p:nvPr>
+            <p:ph sz="quarter" idx="1"/>
+          </p:nvPr>
+        </p:nvSpPr>
+        <p:spPr>
+          <a:xfrm>
+            <a:off x="395536" y="836712"/>
+            <a:ext cx="8229600" cy="3649960"/>
+          </a:xfrm>
+        </p:spPr>
+        <p:txBody>
+          <a:bodyPr/>
+          <a:lstStyle/>
+          <a:p>
+            <a:r>
+              <a:rPr lang="es-ES" dirty="0"/>
+              <a:t>La actividad turística hoy en día forma parte importante en el desarrollo de la economía de una nación, debido que es una fuente de ingreso de divisas al país, y también la generación de diversos puestos de trabajo para la población local por ello es necesario tener en cuenta el aspecto medioambiental social y cultural que son elementos importantes para la formulación de nuevos productos turísticos</a:t>
+            </a:r>
+            <a:r>
+              <a:rPr lang="es-ES" dirty="0" smtClean="0"/>
+              <a:t>.</a:t>
+            </a:r>
+            <a:endParaRPr lang="es-ES" dirty="0"/>
+          </a:p>
+        </p:txBody>
+      </p:sp>
+      <p:sp>
+        <p:nvSpPr>
+          <p:cNvPr id="4" name="AutoShape 2" descr="Resultado de imagen para el turismo en andahuaylas"/>
+          <p:cNvSpPr>
+            <a:spLocks noChangeAspect="1" noChangeArrowheads="1"/>
+          </p:cNvSpPr>
+          <p:nvPr/>
+        </p:nvSpPr>
+        <p:spPr bwMode="auto">
+          <a:xfrm>
+            <a:off x="155575" y="-144463"/>
+            <a:ext cx="304800" cy="304801"/>
+          </a:xfrm>
+          <a:prstGeom prst="rect">
+            <a:avLst/>
+          </a:prstGeom>
+          <a:noFill/>
+          <a:extLst>
+            <a:ext uri="{909E8E84-426E-40DD-AFC4-6F175D3DCCD1}">
+              <a14:hiddenFill xmlns:a14="http://schemas.microsoft.com/office/drawing/2010/main">
+                <a:solidFill>
+                  <a:srgbClr val="FFFFFF"/>
+                </a:solidFill>
+              </a14:hiddenFill>
+            </a:ext>
+          </a:extLst>
+        </p:spPr>
+        <p:txBody>
+          <a:bodyPr vert="horz" wrap="square" lIns="91440" tIns="45720" rIns="91440" bIns="45720" numCol="1" anchor="t" anchorCtr="0" compatLnSpc="1">
+            <a:prstTxWarp prst="textNoShape">
+              <a:avLst/>
+            </a:prstTxWarp>
+          </a:bodyPr>
+          <a:lstStyle/>
+          <a:p>
+            <a:endParaRPr lang="es-ES"/>
+          </a:p>
+        </p:txBody>
+      </p:sp>
+      <p:pic>
+        <p:nvPicPr>
+          <p:cNvPr id="2052" name="Picture 4" descr="http://2.bp.blogspot.com/-CqUeL9ScfF8/TsdWCKiAtgI/AAAAAAAAAHo/Jt3eU3hj5_k/s1600/banner.jpg"/>
+          <p:cNvPicPr>
+            <a:picLocks noChangeAspect="1" noChangeArrowheads="1"/>
+          </p:cNvPicPr>
+          <p:nvPr/>
+        </p:nvPicPr>
+        <p:blipFill>
+          <a:blip r:embed="rId2">
+            <a:extLst>
+              <a:ext uri="{28A0092B-C50C-407E-A947-70E740481C1C}">
+                <a14:useLocalDpi xmlns:a14="http://schemas.microsoft.com/office/drawing/2010/main" val="0"/>
+              </a:ext>
+            </a:extLst>
+          </a:blip>
+          <a:srcRect/>
+          <a:stretch>
+            <a:fillRect/>
+          </a:stretch>
+        </p:blipFill>
+        <p:spPr bwMode="auto">
+          <a:xfrm>
+            <a:off x="1362440" y="4149080"/>
+            <a:ext cx="6354415" cy="2431488"/>
+          </a:xfrm>
+          <a:prstGeom prst="rect">
+            <a:avLst/>
+          </a:prstGeom>
+          <a:noFill/>
+          <a:extLst>
+            <a:ext uri="{909E8E84-426E-40DD-AFC4-6F175D3DCCD1}">
+              <a14:hiddenFill xmlns:a14="http://schemas.microsoft.com/office/drawing/2010/main">
+                <a:solidFill>
+                  <a:srgbClr val="FFFFFF"/>
+                </a:solidFill>
+              </a14:hiddenFill>
+            </a:ext>
+          </a:extLst>
+        </p:spPr>
+      </p:pic>
+    </p:spTree>
+    <p:extLst>
+      <p:ext uri="{BB962C8B-B14F-4D97-AF65-F5344CB8AC3E}">
+        <p14:creationId xmlns:p14="http://schemas.microsoft.com/office/powerpoint/2010/main" val="2760804014"/>
+      </p:ext>
+    </p:extLst>
+  </p:cSld>
+  <p:clrMapOvr>
+    <a:masterClrMapping/>
+  </p:clrMapOvr>
+  <p:timing>
+    <p:tnLst>
+      <p:par>
+        <p:cTn id="1" dur="indefinite" restart="never" nodeType="tmRoot"/>
+      </p:par>
+    </p:tnLst>
+  </p:timing>
+</p:sld>
+</file>
+
+<file path=ppt/slides/slide3.xml><?xml version="1.0" encoding="utf-8"?>
+<p:sld xmlns:a="http://schemas.openxmlformats.org/drawingml/2006/main" xmlns:r="http://schemas.openxmlformats.org/officeDocument/2006/relationships" xmlns:p="http://schemas.openxmlformats.org/presentationml/2006/main">
+  <p:cSld>
+    <p:spTree>
+      <p:nvGrpSpPr>
+        <p:cNvPr id="1" name=""/>
+        <p:cNvGrpSpPr/>
+        <p:nvPr/>
+      </p:nvGrpSpPr>
+      <p:grpSpPr>
+        <a:xfrm>
+          <a:off x="0" y="0"/>
+          <a:ext cx="0" cy="0"/>
+          <a:chOff x="0" y="0"/>
+          <a:chExt cx="0" cy="0"/>
+        </a:xfrm>
+      </p:grpSpPr>
+      <p:sp>
+        <p:nvSpPr>
+          <p:cNvPr id="2" name="1 Título"/>
+          <p:cNvSpPr>
+            <a:spLocks noGrp="1"/>
+          </p:cNvSpPr>
+          <p:nvPr>
+            <p:ph type="title"/>
+          </p:nvPr>
+        </p:nvSpPr>
+        <p:spPr/>
+        <p:txBody>
+          <a:bodyPr>
+            <a:normAutofit fontScale="90000"/>
+          </a:bodyPr>
+          <a:lstStyle/>
+          <a:p>
+            <a:r>
+              <a:rPr lang="es-ES" b="1" dirty="0" smtClean="0"/>
+              <a:t/>
+            </a:r>
+            <a:br>
+              <a:rPr lang="es-ES" b="1" dirty="0" smtClean="0"/>
+            </a:br>
+            <a:r>
+              <a:rPr lang="es-ES" b="1" dirty="0"/>
+              <a:t/>
+            </a:r>
+            <a:br>
+              <a:rPr lang="es-ES" b="1" dirty="0"/>
+            </a:br>
+            <a:r>
+              <a:rPr lang="es-ES" b="1" dirty="0" smtClean="0"/>
+              <a:t>PROPUESTA</a:t>
+            </a:r>
+            <a:endParaRPr lang="es-ES" dirty="0"/>
+          </a:p>
+        </p:txBody>
+      </p:sp>
+      <p:sp>
+        <p:nvSpPr>
+          <p:cNvPr id="3" name="2 Marcador de contenido"/>
+          <p:cNvSpPr>
+            <a:spLocks noGrp="1"/>
+          </p:cNvSpPr>
+          <p:nvPr>
+            <p:ph sz="quarter" idx="1"/>
+          </p:nvPr>
+        </p:nvSpPr>
+        <p:spPr/>
+        <p:txBody>
+          <a:bodyPr>
+            <a:normAutofit fontScale="92500" lnSpcReduction="20000"/>
+          </a:bodyPr>
+          <a:lstStyle/>
+          <a:p>
+            <a:r>
+              <a:rPr lang="es-ES" dirty="0"/>
+              <a:t>Este sistema se desarrolló en </a:t>
+            </a:r>
+            <a:r>
+              <a:rPr lang="es-ES" dirty="0" err="1"/>
+              <a:t>php</a:t>
+            </a:r>
+            <a:r>
+              <a:rPr lang="es-ES" dirty="0"/>
+              <a:t> con </a:t>
+            </a:r>
+            <a:r>
+              <a:rPr lang="es-ES" dirty="0" err="1"/>
+              <a:t>mysql</a:t>
+            </a:r>
+            <a:r>
+              <a:rPr lang="es-ES" dirty="0"/>
+              <a:t> en el cual se muestra todos los sitios turísticos que pose nuestra ciudad de Andahuaylas el cual optamos por esta opción ya q se presta ala tecnología de hoy en día y toda la información de sitios turísticos, hoteles, restaurantes viaje atreves de la internet y pueda hacerse conocer nuestra propuesta turística a todo el mundo.</a:t>
+            </a:r>
+          </a:p>
+          <a:p>
+            <a:pPr marL="0" indent="0">
+              <a:buNone/>
+            </a:pPr>
+            <a:r>
+              <a:rPr lang="es-ES" sz="2200" b="1" dirty="0"/>
+              <a:t>SISTEMA TURISTICO</a:t>
+            </a:r>
+          </a:p>
+          <a:p>
+            <a:pPr marL="0" indent="0">
+              <a:buNone/>
+            </a:pPr>
+            <a:r>
+              <a:rPr lang="es-ES" dirty="0"/>
+              <a:t>Tendrá dos operaciones:</a:t>
+            </a:r>
+          </a:p>
+          <a:p>
+            <a:r>
+              <a:rPr lang="es-ES" sz="2200" b="1" dirty="0"/>
+              <a:t>Administrador </a:t>
+            </a:r>
+          </a:p>
+          <a:p>
+            <a:pPr marL="0" indent="0">
+              <a:buNone/>
+            </a:pPr>
+            <a:r>
+              <a:rPr lang="es-ES" dirty="0"/>
+              <a:t>El cual se encargara de actualizar la información proporcionada del sistema.</a:t>
+            </a:r>
+          </a:p>
+          <a:p>
+            <a:r>
+              <a:rPr lang="es-ES" sz="2200" b="1" dirty="0"/>
+              <a:t>Usuario</a:t>
+            </a:r>
+          </a:p>
+          <a:p>
+            <a:pPr marL="0" indent="0">
+              <a:buNone/>
+            </a:pPr>
+            <a:r>
+              <a:rPr lang="es-ES" dirty="0"/>
+              <a:t>El usuario tendrá acceso a toda la información de dicho sistema turístico. </a:t>
+            </a:r>
+          </a:p>
+          <a:p>
+            <a:endParaRPr lang="es-ES" dirty="0"/>
+          </a:p>
+        </p:txBody>
+      </p:sp>
+      <p:pic>
+        <p:nvPicPr>
+          <p:cNvPr id="4" name="Picture 2" descr="Resultado de imagen para conclusion"/>
+          <p:cNvPicPr>
+            <a:picLocks noChangeAspect="1" noChangeArrowheads="1"/>
+          </p:cNvPicPr>
+          <p:nvPr/>
+        </p:nvPicPr>
+        <p:blipFill>
+          <a:blip r:embed="rId2">
+            <a:extLst>
+              <a:ext uri="{28A0092B-C50C-407E-A947-70E740481C1C}">
+                <a14:useLocalDpi xmlns:a14="http://schemas.microsoft.com/office/drawing/2010/main" val="0"/>
+              </a:ext>
+            </a:extLst>
+          </a:blip>
+          <a:srcRect/>
+          <a:stretch>
+            <a:fillRect/>
+          </a:stretch>
+        </p:blipFill>
+        <p:spPr bwMode="auto">
+          <a:xfrm>
+            <a:off x="8077200" y="213583"/>
+            <a:ext cx="1066800" cy="1071563"/>
+          </a:xfrm>
+          <a:prstGeom prst="rect">
+            <a:avLst/>
+          </a:prstGeom>
+          <a:noFill/>
+          <a:extLst>
+            <a:ext uri="{909E8E84-426E-40DD-AFC4-6F175D3DCCD1}">
+              <a14:hiddenFill xmlns:a14="http://schemas.microsoft.com/office/drawing/2010/main">
+                <a:solidFill>
+                  <a:srgbClr val="FFFFFF"/>
+                </a:solidFill>
+              </a14:hiddenFill>
+            </a:ext>
+          </a:extLst>
+        </p:spPr>
+      </p:pic>
+    </p:spTree>
+    <p:extLst>
+      <p:ext uri="{BB962C8B-B14F-4D97-AF65-F5344CB8AC3E}">
+        <p14:creationId xmlns:p14="http://schemas.microsoft.com/office/powerpoint/2010/main" val="3867466781"/>
+      </p:ext>
+    </p:extLst>
+  </p:cSld>
+  <p:clrMapOvr>
+    <a:masterClrMapping/>
+  </p:clrMapOvr>
+  <p:timing>
+    <p:tnLst>
+      <p:par>
+        <p:cTn id="1" dur="indefinite" restart="never" nodeType="tmRoot"/>
+      </p:par>
+    </p:tnLst>
+  </p:timing>
+</p:sld>
+</file>
+
+<file path=ppt/slides/slide4.xml><?xml version="1.0" encoding="utf-8"?>
+<p:sld xmlns:a="http://schemas.openxmlformats.org/drawingml/2006/main" xmlns:r="http://schemas.openxmlformats.org/officeDocument/2006/relationships" xmlns:p="http://schemas.openxmlformats.org/presentationml/2006/main">
+  <p:cSld>
+    <p:spTree>
+      <p:nvGrpSpPr>
+        <p:cNvPr id="1" name=""/>
+        <p:cNvGrpSpPr/>
+        <p:nvPr/>
+      </p:nvGrpSpPr>
+      <p:grpSpPr>
+        <a:xfrm>
+          <a:off x="0" y="0"/>
+          <a:ext cx="0" cy="0"/>
+          <a:chOff x="0" y="0"/>
+          <a:chExt cx="0" cy="0"/>
+        </a:xfrm>
+      </p:grpSpPr>
+      <p:sp>
+        <p:nvSpPr>
+          <p:cNvPr id="2" name="1 Título"/>
+          <p:cNvSpPr>
+            <a:spLocks noGrp="1"/>
+          </p:cNvSpPr>
+          <p:nvPr>
+            <p:ph type="title"/>
+          </p:nvPr>
+        </p:nvSpPr>
+        <p:spPr/>
+        <p:txBody>
+          <a:bodyPr>
+            <a:normAutofit/>
+          </a:bodyPr>
+          <a:lstStyle/>
+          <a:p>
+            <a:r>
+              <a:rPr lang="es-ES" b="1" dirty="0" smtClean="0"/>
+              <a:t>PORTADA</a:t>
+            </a:r>
+            <a:endParaRPr lang="es-ES" dirty="0"/>
+          </a:p>
+        </p:txBody>
+      </p:sp>
+      <p:sp>
+        <p:nvSpPr>
+          <p:cNvPr id="3" name="2 Marcador de contenido"/>
+          <p:cNvSpPr>
+            <a:spLocks noGrp="1"/>
+          </p:cNvSpPr>
+          <p:nvPr>
+            <p:ph sz="quarter" idx="1"/>
+          </p:nvPr>
+        </p:nvSpPr>
+        <p:spPr/>
+        <p:txBody>
+          <a:bodyPr/>
+          <a:lstStyle/>
+          <a:p>
+            <a:r>
+              <a:rPr lang="es-ES" sz="2000" dirty="0"/>
+              <a:t>Al acceder ala web podremos ver un </a:t>
+            </a:r>
+            <a:r>
+              <a:rPr lang="es-ES" sz="2000" dirty="0" smtClean="0"/>
+              <a:t>menú </a:t>
+            </a:r>
+            <a:r>
+              <a:rPr lang="es-ES" sz="2000" dirty="0"/>
+              <a:t>con varias opciones que esta con la </a:t>
+            </a:r>
+            <a:r>
+              <a:rPr lang="es-ES" sz="2000" dirty="0" smtClean="0"/>
+              <a:t>característica </a:t>
+            </a:r>
+            <a:r>
+              <a:rPr lang="es-ES" sz="2000" dirty="0"/>
+              <a:t>de los tres </a:t>
+            </a:r>
+            <a:r>
+              <a:rPr lang="es-ES" sz="2000" dirty="0" smtClean="0"/>
+              <a:t>clic, </a:t>
+            </a:r>
+            <a:r>
+              <a:rPr lang="es-ES" sz="2000" dirty="0"/>
+              <a:t>el cual cada uno de las pestañas muestra la </a:t>
+            </a:r>
+            <a:r>
+              <a:rPr lang="es-ES" sz="2000" dirty="0" smtClean="0"/>
+              <a:t>información </a:t>
+            </a:r>
+            <a:r>
+              <a:rPr lang="es-ES" sz="2000" dirty="0"/>
+              <a:t>necesaria.</a:t>
+            </a:r>
+          </a:p>
+          <a:p>
+            <a:endParaRPr lang="es-ES" dirty="0"/>
+          </a:p>
+        </p:txBody>
+      </p:sp>
+      <p:pic>
+        <p:nvPicPr>
+          <p:cNvPr id="4" name="3 Imagen"/>
+          <p:cNvPicPr/>
+          <p:nvPr/>
+        </p:nvPicPr>
+        <p:blipFill rotWithShape="1">
+          <a:blip r:embed="rId2"/>
+          <a:srcRect l="14926" t="6540" r="13522" b="8174"/>
+          <a:stretch/>
+        </p:blipFill>
+        <p:spPr bwMode="auto">
+          <a:xfrm>
+            <a:off x="1907704" y="2492896"/>
+            <a:ext cx="5188737" cy="3542536"/>
+          </a:xfrm>
+          <a:prstGeom prst="rect">
+            <a:avLst/>
+          </a:prstGeom>
+          <a:ln w="38100" cap="sq">
+            <a:solidFill>
+              <a:srgbClr val="000000"/>
+            </a:solidFill>
+            <a:prstDash val="solid"/>
+            <a:miter lim="800000"/>
+          </a:ln>
+          <a:effectLst>
+            <a:outerShdw blurRad="50800" dist="38100" dir="2700000" algn="tl" rotWithShape="0">
+              <a:srgbClr val="000000">
+                <a:alpha val="43000"/>
+              </a:srgbClr>
+            </a:outerShdw>
+          </a:effectLst>
+          <a:extLst>
+            <a:ext uri="{53640926-AAD7-44D8-BBD7-CCE9431645EC}">
+              <a14:shadowObscured xmlns:a14="http://schemas.microsoft.com/office/drawing/2010/main"/>
+            </a:ext>
+          </a:extLst>
+        </p:spPr>
+      </p:pic>
+      <p:pic>
+        <p:nvPicPr>
+          <p:cNvPr id="11266" name="Picture 2" descr="http://i46.tinypic.com/1z56uxj.jpg"/>
+          <p:cNvPicPr>
+            <a:picLocks noChangeAspect="1" noChangeArrowheads="1" noCrop="1"/>
+          </p:cNvPicPr>
+          <p:nvPr/>
+        </p:nvPicPr>
+        <p:blipFill>
+          <a:blip r:embed="rId3">
+            <a:extLst>
+              <a:ext uri="{28A0092B-C50C-407E-A947-70E740481C1C}">
+                <a14:useLocalDpi xmlns:a14="http://schemas.microsoft.com/office/drawing/2010/main" val="0"/>
+              </a:ext>
+            </a:extLst>
+          </a:blip>
+          <a:srcRect/>
+          <a:stretch>
+            <a:fillRect/>
+          </a:stretch>
+        </p:blipFill>
+        <p:spPr bwMode="auto">
+          <a:xfrm>
+            <a:off x="7468344" y="5165559"/>
+            <a:ext cx="1675656" cy="1675657"/>
+          </a:xfrm>
+          <a:prstGeom prst="rect">
+            <a:avLst/>
+          </a:prstGeom>
+          <a:noFill/>
+          <a:extLst>
+            <a:ext uri="{909E8E84-426E-40DD-AFC4-6F175D3DCCD1}">
+              <a14:hiddenFill xmlns:a14="http://schemas.microsoft.com/office/drawing/2010/main">
+                <a:solidFill>
+                  <a:srgbClr val="FFFFFF"/>
+                </a:solidFill>
+              </a14:hiddenFill>
+            </a:ext>
+          </a:extLst>
+        </p:spPr>
+      </p:pic>
+    </p:spTree>
+    <p:extLst>
+      <p:ext uri="{BB962C8B-B14F-4D97-AF65-F5344CB8AC3E}">
+        <p14:creationId xmlns:p14="http://schemas.microsoft.com/office/powerpoint/2010/main" val="496451704"/>
+      </p:ext>
+    </p:extLst>
+  </p:cSld>
+  <p:clrMapOvr>
+    <a:masterClrMapping/>
+  </p:clrMapOvr>
+  <p:timing>
+    <p:tnLst>
+      <p:par>
+        <p:cTn id="1" dur="indefinite" restart="never" nodeType="tmRoot"/>
+      </p:par>
+    </p:tnLst>
+  </p:timing>
+</p:sld>
+</file>
+
+<file path=ppt/slides/slide5.xml><?xml version="1.0" encoding="utf-8"?>
+<p:sld xmlns:a="http://schemas.openxmlformats.org/drawingml/2006/main" xmlns:r="http://schemas.openxmlformats.org/officeDocument/2006/relationships" xmlns:p="http://schemas.openxmlformats.org/presentationml/2006/main">
+  <p:cSld>
+    <p:spTree>
+      <p:nvGrpSpPr>
+        <p:cNvPr id="1" name=""/>
+        <p:cNvGrpSpPr/>
+        <p:nvPr/>
+      </p:nvGrpSpPr>
+      <p:grpSpPr>
+        <a:xfrm>
+          <a:off x="0" y="0"/>
+          <a:ext cx="0" cy="0"/>
+          <a:chOff x="0" y="0"/>
+          <a:chExt cx="0" cy="0"/>
+        </a:xfrm>
+      </p:grpSpPr>
+      <p:sp>
+        <p:nvSpPr>
+          <p:cNvPr id="2" name="1 Título"/>
+          <p:cNvSpPr>
+            <a:spLocks noGrp="1"/>
+          </p:cNvSpPr>
+          <p:nvPr>
+            <p:ph type="title"/>
+          </p:nvPr>
+        </p:nvSpPr>
+        <p:spPr/>
+        <p:txBody>
+          <a:bodyPr>
+            <a:normAutofit/>
+          </a:bodyPr>
+          <a:lstStyle/>
+          <a:p>
+            <a:r>
+              <a:rPr lang="es-ES" b="1" dirty="0"/>
+              <a:t>MENÚ </a:t>
+            </a:r>
+            <a:r>
+              <a:rPr lang="es-ES" b="1" dirty="0" smtClean="0"/>
+              <a:t>DESPLEGABLES</a:t>
+            </a:r>
+            <a:endParaRPr lang="es-ES" dirty="0"/>
+          </a:p>
+        </p:txBody>
+      </p:sp>
+      <p:sp>
+        <p:nvSpPr>
+          <p:cNvPr id="3" name="2 Marcador de contenido"/>
+          <p:cNvSpPr>
+            <a:spLocks noGrp="1"/>
+          </p:cNvSpPr>
+          <p:nvPr>
+            <p:ph sz="quarter" idx="1"/>
+          </p:nvPr>
+        </p:nvSpPr>
+        <p:spPr>
+          <a:xfrm>
+            <a:off x="467544" y="1556792"/>
+            <a:ext cx="8229600" cy="4937760"/>
+          </a:xfrm>
+        </p:spPr>
+        <p:txBody>
+          <a:bodyPr/>
+          <a:lstStyle/>
+          <a:p>
+            <a:r>
+              <a:rPr lang="es-ES" sz="2000" dirty="0"/>
+              <a:t>si nos dirigimos a servicios en centraremos las informaciones de esta manera el cual dándole un </a:t>
+            </a:r>
+            <a:r>
+              <a:rPr lang="es-ES" sz="2000" dirty="0" smtClean="0"/>
+              <a:t>clic </a:t>
+            </a:r>
+            <a:r>
+              <a:rPr lang="es-ES" sz="2000" dirty="0"/>
+              <a:t>nos llevara a la información necesaria.</a:t>
+            </a:r>
+          </a:p>
+          <a:p>
+            <a:endParaRPr lang="es-ES" dirty="0"/>
+          </a:p>
+        </p:txBody>
+      </p:sp>
+      <p:pic>
+        <p:nvPicPr>
+          <p:cNvPr id="4" name="3 Imagen" descr="C:\Users\pc-3\Desktop\Sin título.png"/>
+          <p:cNvPicPr/>
+          <p:nvPr/>
+        </p:nvPicPr>
+        <p:blipFill rotWithShape="1">
+          <a:blip r:embed="rId2">
+            <a:extLst>
+              <a:ext uri="{28A0092B-C50C-407E-A947-70E740481C1C}">
+                <a14:useLocalDpi xmlns:a14="http://schemas.microsoft.com/office/drawing/2010/main" val="0"/>
+              </a:ext>
+            </a:extLst>
+          </a:blip>
+          <a:srcRect l="10732" t="12239" r="12963" b="8073"/>
+          <a:stretch/>
+        </p:blipFill>
+        <p:spPr bwMode="auto">
+          <a:xfrm>
+            <a:off x="1344782" y="2492896"/>
+            <a:ext cx="6012992" cy="4104456"/>
+          </a:xfrm>
+          <a:prstGeom prst="rect">
+            <a:avLst/>
+          </a:prstGeom>
+          <a:ln w="38100" cap="sq">
+            <a:solidFill>
+              <a:srgbClr val="000000"/>
+            </a:solidFill>
+            <a:prstDash val="solid"/>
+            <a:miter lim="800000"/>
+          </a:ln>
+          <a:effectLst>
+            <a:outerShdw blurRad="50800" dist="38100" dir="2700000" algn="tl" rotWithShape="0">
+              <a:srgbClr val="000000">
+                <a:alpha val="43000"/>
+              </a:srgbClr>
+            </a:outerShdw>
+          </a:effectLst>
+          <a:extLst>
+            <a:ext uri="{53640926-AAD7-44D8-BBD7-CCE9431645EC}">
+              <a14:shadowObscured xmlns:a14="http://schemas.microsoft.com/office/drawing/2010/main"/>
+            </a:ext>
+          </a:extLst>
+        </p:spPr>
+      </p:pic>
+      <p:pic>
+        <p:nvPicPr>
+          <p:cNvPr id="10242" name="Picture 2" descr="http://i45.tinypic.com/sotrmo.jpg"/>
+          <p:cNvPicPr>
+            <a:picLocks noChangeAspect="1" noChangeArrowheads="1" noCrop="1"/>
+          </p:cNvPicPr>
+          <p:nvPr/>
+        </p:nvPicPr>
+        <p:blipFill>
+          <a:blip r:embed="rId3">
+            <a:extLst>
+              <a:ext uri="{28A0092B-C50C-407E-A947-70E740481C1C}">
+                <a14:useLocalDpi xmlns:a14="http://schemas.microsoft.com/office/drawing/2010/main" val="0"/>
+              </a:ext>
+            </a:extLst>
+          </a:blip>
+          <a:srcRect/>
+          <a:stretch>
+            <a:fillRect/>
+          </a:stretch>
+        </p:blipFill>
+        <p:spPr bwMode="auto">
+          <a:xfrm>
+            <a:off x="6048375" y="5439"/>
+            <a:ext cx="3095625" cy="1800200"/>
+          </a:xfrm>
+          <a:prstGeom prst="rect">
+            <a:avLst/>
+          </a:prstGeom>
+          <a:noFill/>
+          <a:extLst>
+            <a:ext uri="{909E8E84-426E-40DD-AFC4-6F175D3DCCD1}">
+              <a14:hiddenFill xmlns:a14="http://schemas.microsoft.com/office/drawing/2010/main">
+                <a:solidFill>
+                  <a:srgbClr val="FFFFFF"/>
+                </a:solidFill>
+              </a14:hiddenFill>
+            </a:ext>
+          </a:extLst>
+        </p:spPr>
+      </p:pic>
+    </p:spTree>
+    <p:extLst>
+      <p:ext uri="{BB962C8B-B14F-4D97-AF65-F5344CB8AC3E}">
+        <p14:creationId xmlns:p14="http://schemas.microsoft.com/office/powerpoint/2010/main" val="3520401476"/>
+      </p:ext>
+    </p:extLst>
+  </p:cSld>
+  <p:clrMapOvr>
+    <a:masterClrMapping/>
+  </p:clrMapOvr>
+  <p:timing>
+    <p:tnLst>
+      <p:par>
+        <p:cTn id="1" dur="indefinite" restart="never" nodeType="tmRoot"/>
+      </p:par>
+    </p:tnLst>
+  </p:timing>
+</p:sld>
+</file>
+
+<file path=ppt/slides/slide6.xml><?xml version="1.0" encoding="utf-8"?>
+<p:sld xmlns:a="http://schemas.openxmlformats.org/drawingml/2006/main" xmlns:r="http://schemas.openxmlformats.org/officeDocument/2006/relationships" xmlns:p="http://schemas.openxmlformats.org/presentationml/2006/main">
+  <p:cSld>
+    <p:spTree>
+      <p:nvGrpSpPr>
+        <p:cNvPr id="1" name=""/>
+        <p:cNvGrpSpPr/>
+        <p:nvPr/>
+      </p:nvGrpSpPr>
+      <p:grpSpPr>
+        <a:xfrm>
+          <a:off x="0" y="0"/>
+          <a:ext cx="0" cy="0"/>
+          <a:chOff x="0" y="0"/>
+          <a:chExt cx="0" cy="0"/>
+        </a:xfrm>
+      </p:grpSpPr>
+      <p:sp>
+        <p:nvSpPr>
+          <p:cNvPr id="2" name="1 Título"/>
+          <p:cNvSpPr>
+            <a:spLocks noGrp="1"/>
+          </p:cNvSpPr>
+          <p:nvPr>
+            <p:ph type="title"/>
+          </p:nvPr>
+        </p:nvSpPr>
+        <p:spPr/>
+        <p:txBody>
+          <a:bodyPr/>
+          <a:lstStyle/>
+          <a:p>
+            <a:pPr algn="r"/>
+            <a:r>
+              <a:rPr lang="es-ES" b="1" dirty="0"/>
+              <a:t>OPCION REASTAURANTE </a:t>
+            </a:r>
+            <a:endParaRPr lang="es-ES" dirty="0"/>
+          </a:p>
+        </p:txBody>
+      </p:sp>
+      <p:sp>
+        <p:nvSpPr>
+          <p:cNvPr id="3" name="2 Marcador de contenido"/>
+          <p:cNvSpPr>
+            <a:spLocks noGrp="1"/>
+          </p:cNvSpPr>
+          <p:nvPr>
+            <p:ph sz="quarter" idx="1"/>
+          </p:nvPr>
+        </p:nvSpPr>
+        <p:spPr>
+          <a:xfrm>
+            <a:off x="467544" y="1484784"/>
+            <a:ext cx="8229600" cy="4937760"/>
+          </a:xfrm>
+        </p:spPr>
+        <p:txBody>
+          <a:bodyPr/>
+          <a:lstStyle/>
+          <a:p>
+            <a:r>
+              <a:rPr lang="es-ES" sz="2000" dirty="0"/>
+              <a:t>Podremos encontrar los distintos restaurantes y las direcciones exactas de cada uno de ellas que también se podrán acceder con un código </a:t>
+            </a:r>
+            <a:r>
+              <a:rPr lang="es-ES" sz="2000" dirty="0" err="1"/>
+              <a:t>Qr</a:t>
+            </a:r>
+            <a:r>
+              <a:rPr lang="es-ES" sz="2000" dirty="0"/>
+              <a:t> mediante un Smartphone. </a:t>
+            </a:r>
+          </a:p>
+          <a:p>
+            <a:endParaRPr lang="es-ES" dirty="0"/>
+          </a:p>
+        </p:txBody>
+      </p:sp>
+      <p:pic>
+        <p:nvPicPr>
+          <p:cNvPr id="4" name="3 Imagen" descr="C:\Users\pc-3\Desktop\Sin título.png"/>
+          <p:cNvPicPr/>
+          <p:nvPr/>
+        </p:nvPicPr>
+        <p:blipFill rotWithShape="1">
+          <a:blip r:embed="rId2">
+            <a:extLst>
+              <a:ext uri="{28A0092B-C50C-407E-A947-70E740481C1C}">
+                <a14:useLocalDpi xmlns:a14="http://schemas.microsoft.com/office/drawing/2010/main" val="0"/>
+              </a:ext>
+            </a:extLst>
+          </a:blip>
+          <a:srcRect l="14114" t="20355" r="12963" b="6771"/>
+          <a:stretch/>
+        </p:blipFill>
+        <p:spPr bwMode="auto">
+          <a:xfrm>
+            <a:off x="1486953" y="2780928"/>
+            <a:ext cx="5544615" cy="3816424"/>
+          </a:xfrm>
+          <a:prstGeom prst="rect">
+            <a:avLst/>
+          </a:prstGeom>
+          <a:ln w="38100" cap="sq">
+            <a:solidFill>
+              <a:srgbClr val="000000"/>
+            </a:solidFill>
+            <a:prstDash val="solid"/>
+            <a:miter lim="800000"/>
+          </a:ln>
+          <a:effectLst>
+            <a:outerShdw blurRad="50800" dist="38100" dir="2700000" algn="tl" rotWithShape="0">
+              <a:srgbClr val="000000">
+                <a:alpha val="43000"/>
+              </a:srgbClr>
+            </a:outerShdw>
+          </a:effectLst>
+          <a:extLst>
+            <a:ext uri="{53640926-AAD7-44D8-BBD7-CCE9431645EC}">
+              <a14:shadowObscured xmlns:a14="http://schemas.microsoft.com/office/drawing/2010/main"/>
+            </a:ext>
+          </a:extLst>
+        </p:spPr>
+      </p:pic>
+      <p:pic>
+        <p:nvPicPr>
+          <p:cNvPr id="8194" name="Picture 2" descr="http://static1.bigstockphoto.com/thumbs/8/0/5/large2/5083226.jpg"/>
+          <p:cNvPicPr>
+            <a:picLocks noChangeAspect="1" noChangeArrowheads="1"/>
+          </p:cNvPicPr>
+          <p:nvPr/>
+        </p:nvPicPr>
+        <p:blipFill rotWithShape="1">
+          <a:blip r:embed="rId3">
+            <a:extLst>
+              <a:ext uri="{28A0092B-C50C-407E-A947-70E740481C1C}">
+                <a14:useLocalDpi xmlns:a14="http://schemas.microsoft.com/office/drawing/2010/main" val="0"/>
+              </a:ext>
+            </a:extLst>
+          </a:blip>
+          <a:srcRect b="7931"/>
+          <a:stretch/>
+        </p:blipFill>
+        <p:spPr bwMode="auto">
+          <a:xfrm>
+            <a:off x="209065" y="188640"/>
+            <a:ext cx="2555776" cy="1368151"/>
+          </a:xfrm>
+          <a:prstGeom prst="rect">
+            <a:avLst/>
+          </a:prstGeom>
+          <a:noFill/>
+          <a:extLst>
+            <a:ext uri="{909E8E84-426E-40DD-AFC4-6F175D3DCCD1}">
+              <a14:hiddenFill xmlns:a14="http://schemas.microsoft.com/office/drawing/2010/main">
+                <a:solidFill>
+                  <a:srgbClr val="FFFFFF"/>
+                </a:solidFill>
+              </a14:hiddenFill>
+            </a:ext>
+          </a:extLst>
+        </p:spPr>
+      </p:pic>
+    </p:spTree>
+    <p:extLst>
+      <p:ext uri="{BB962C8B-B14F-4D97-AF65-F5344CB8AC3E}">
+        <p14:creationId xmlns:p14="http://schemas.microsoft.com/office/powerpoint/2010/main" val="3196893292"/>
+      </p:ext>
+    </p:extLst>
+  </p:cSld>
+  <p:clrMapOvr>
+    <a:masterClrMapping/>
+  </p:clrMapOvr>
+  <p:timing>
+    <p:tnLst>
+      <p:par>
+        <p:cTn id="1" dur="indefinite" restart="never" nodeType="tmRoot"/>
+      </p:par>
+    </p:tnLst>
+  </p:timing>
+</p:sld>
+</file>
+
+<file path=ppt/slides/slide7.xml><?xml version="1.0" encoding="utf-8"?>
+<p:sld xmlns:a="http://schemas.openxmlformats.org/drawingml/2006/main" xmlns:r="http://schemas.openxmlformats.org/officeDocument/2006/relationships" xmlns:p="http://schemas.openxmlformats.org/presentationml/2006/main">
+  <p:cSld>
+    <p:spTree>
+      <p:nvGrpSpPr>
+        <p:cNvPr id="1" name=""/>
+        <p:cNvGrpSpPr/>
+        <p:nvPr/>
+      </p:nvGrpSpPr>
+      <p:grpSpPr>
+        <a:xfrm>
+          <a:off x="0" y="0"/>
+          <a:ext cx="0" cy="0"/>
+          <a:chOff x="0" y="0"/>
+          <a:chExt cx="0" cy="0"/>
+        </a:xfrm>
+      </p:grpSpPr>
+      <p:sp>
+        <p:nvSpPr>
+          <p:cNvPr id="2" name="1 Título"/>
+          <p:cNvSpPr>
+            <a:spLocks noGrp="1"/>
+          </p:cNvSpPr>
+          <p:nvPr>
+            <p:ph type="title"/>
+          </p:nvPr>
+        </p:nvSpPr>
+        <p:spPr/>
+        <p:txBody>
+          <a:bodyPr>
+            <a:normAutofit/>
+          </a:bodyPr>
+          <a:lstStyle/>
+          <a:p>
+            <a:pPr algn="r"/>
+            <a:r>
+              <a:rPr lang="es-ES" b="1" dirty="0"/>
+              <a:t>OPCION </a:t>
+            </a:r>
+            <a:r>
+              <a:rPr lang="es-ES" b="1" dirty="0" smtClean="0"/>
+              <a:t>AEROPUERTO</a:t>
+            </a:r>
+            <a:endParaRPr lang="es-ES" dirty="0"/>
+          </a:p>
+        </p:txBody>
+      </p:sp>
+      <p:sp>
+        <p:nvSpPr>
+          <p:cNvPr id="3" name="2 Marcador de contenido"/>
+          <p:cNvSpPr>
+            <a:spLocks noGrp="1"/>
+          </p:cNvSpPr>
+          <p:nvPr>
+            <p:ph sz="quarter" idx="1"/>
+          </p:nvPr>
+        </p:nvSpPr>
+        <p:spPr/>
+        <p:txBody>
+          <a:bodyPr/>
+          <a:lstStyle/>
+          <a:p>
+            <a:r>
+              <a:rPr lang="es-ES" sz="2000" dirty="0"/>
+              <a:t>En la opción aeropuerto podremos ver la información de los vuelos y también podremos acceder atravesó de los códigos </a:t>
+            </a:r>
+            <a:r>
+              <a:rPr lang="es-ES" sz="2000" dirty="0" err="1"/>
+              <a:t>Qr</a:t>
+            </a:r>
+            <a:r>
+              <a:rPr lang="es-ES" sz="2000" dirty="0"/>
+              <a:t> en una revista virtual que les mostrara.</a:t>
+            </a:r>
+          </a:p>
+          <a:p>
+            <a:endParaRPr lang="es-ES" dirty="0"/>
+          </a:p>
+        </p:txBody>
+      </p:sp>
+      <p:pic>
+        <p:nvPicPr>
+          <p:cNvPr id="4" name="3 Imagen" descr="C:\Users\pc-3\Desktop\Sin título.png"/>
+          <p:cNvPicPr/>
+          <p:nvPr/>
+        </p:nvPicPr>
+        <p:blipFill rotWithShape="1">
+          <a:blip r:embed="rId2">
+            <a:extLst>
+              <a:ext uri="{28A0092B-C50C-407E-A947-70E740481C1C}">
+                <a14:useLocalDpi xmlns:a14="http://schemas.microsoft.com/office/drawing/2010/main" val="0"/>
+              </a:ext>
+            </a:extLst>
+          </a:blip>
+          <a:srcRect l="11321" t="6249" r="14580" b="7553"/>
+          <a:stretch/>
+        </p:blipFill>
+        <p:spPr bwMode="auto">
+          <a:xfrm>
+            <a:off x="1691680" y="2276872"/>
+            <a:ext cx="5269949" cy="4104456"/>
+          </a:xfrm>
+          <a:prstGeom prst="rect">
+            <a:avLst/>
+          </a:prstGeom>
+          <a:ln w="38100" cap="sq">
+            <a:solidFill>
+              <a:srgbClr val="000000"/>
+            </a:solidFill>
+            <a:prstDash val="solid"/>
+            <a:miter lim="800000"/>
+          </a:ln>
+          <a:effectLst>
+            <a:outerShdw blurRad="50800" dist="38100" dir="2700000" algn="tl" rotWithShape="0">
+              <a:srgbClr val="000000">
+                <a:alpha val="43000"/>
+              </a:srgbClr>
+            </a:outerShdw>
+          </a:effectLst>
+          <a:extLst>
+            <a:ext uri="{53640926-AAD7-44D8-BBD7-CCE9431645EC}">
+              <a14:shadowObscured xmlns:a14="http://schemas.microsoft.com/office/drawing/2010/main"/>
+            </a:ext>
+          </a:extLst>
+        </p:spPr>
+      </p:pic>
+      <p:pic>
+        <p:nvPicPr>
+          <p:cNvPr id="5" name="Picture 2" descr="https://encrypted-tbn2.gstatic.com/images?q=tbn:ANd9GcQD1uJ0vPocKYj7V4VF7Tv8tX4VR_2sYxgMduIAKZkqSjgKrkve"/>
+          <p:cNvPicPr>
+            <a:picLocks noChangeAspect="1" noChangeArrowheads="1"/>
+          </p:cNvPicPr>
+          <p:nvPr/>
+        </p:nvPicPr>
+        <p:blipFill>
+          <a:blip r:embed="rId3">
+            <a:extLst>
+              <a:ext uri="{28A0092B-C50C-407E-A947-70E740481C1C}">
+                <a14:useLocalDpi xmlns:a14="http://schemas.microsoft.com/office/drawing/2010/main" val="0"/>
+              </a:ext>
+            </a:extLst>
+          </a:blip>
+          <a:srcRect/>
+          <a:stretch>
+            <a:fillRect/>
+          </a:stretch>
+        </p:blipFill>
+        <p:spPr bwMode="auto">
+          <a:xfrm>
+            <a:off x="88316" y="0"/>
+            <a:ext cx="1995452" cy="1243147"/>
+          </a:xfrm>
+          <a:prstGeom prst="rect">
+            <a:avLst/>
+          </a:prstGeom>
+          <a:noFill/>
+          <a:extLst>
+            <a:ext uri="{909E8E84-426E-40DD-AFC4-6F175D3DCCD1}">
+              <a14:hiddenFill xmlns:a14="http://schemas.microsoft.com/office/drawing/2010/main">
+                <a:solidFill>
+                  <a:srgbClr val="FFFFFF"/>
+                </a:solidFill>
+              </a14:hiddenFill>
+            </a:ext>
+          </a:extLst>
+        </p:spPr>
+      </p:pic>
+    </p:spTree>
+    <p:extLst>
+      <p:ext uri="{BB962C8B-B14F-4D97-AF65-F5344CB8AC3E}">
+        <p14:creationId xmlns:p14="http://schemas.microsoft.com/office/powerpoint/2010/main" val="1810334907"/>
+      </p:ext>
+    </p:extLst>
+  </p:cSld>
+  <p:clrMapOvr>
+    <a:masterClrMapping/>
+  </p:clrMapOvr>
+  <p:timing>
+    <p:tnLst>
+      <p:par>
+        <p:cTn id="1" dur="indefinite" restart="never" nodeType="tmRoot"/>
+      </p:par>
+    </p:tnLst>
+  </p:timing>
+</p:sld>
+</file>
+
+<file path=ppt/slides/slide8.xml><?xml version="1.0" encoding="utf-8"?>
+<p:sld xmlns:a="http://schemas.openxmlformats.org/drawingml/2006/main" xmlns:r="http://schemas.openxmlformats.org/officeDocument/2006/relationships" xmlns:p="http://schemas.openxmlformats.org/presentationml/2006/main">
+  <p:cSld>
+    <p:spTree>
+      <p:nvGrpSpPr>
+        <p:cNvPr id="1" name=""/>
+        <p:cNvGrpSpPr/>
+        <p:nvPr/>
+      </p:nvGrpSpPr>
+      <p:grpSpPr>
+        <a:xfrm>
+          <a:off x="0" y="0"/>
+          <a:ext cx="0" cy="0"/>
+          <a:chOff x="0" y="0"/>
+          <a:chExt cx="0" cy="0"/>
+        </a:xfrm>
+      </p:grpSpPr>
+      <p:sp>
+        <p:nvSpPr>
+          <p:cNvPr id="2" name="1 Título"/>
+          <p:cNvSpPr>
+            <a:spLocks noGrp="1"/>
+          </p:cNvSpPr>
+          <p:nvPr>
+            <p:ph type="title"/>
+          </p:nvPr>
+        </p:nvSpPr>
+        <p:spPr/>
+        <p:txBody>
+          <a:bodyPr>
+            <a:normAutofit/>
+          </a:bodyPr>
+          <a:lstStyle/>
+          <a:p>
+            <a:pPr algn="ctr"/>
+            <a:r>
+              <a:rPr lang="es-ES" b="1" dirty="0" smtClean="0"/>
+              <a:t>OPCIÓN HOTELES</a:t>
+            </a:r>
+            <a:endParaRPr lang="es-ES" dirty="0"/>
+          </a:p>
+        </p:txBody>
+      </p:sp>
+      <p:sp>
+        <p:nvSpPr>
+          <p:cNvPr id="3" name="2 Marcador de contenido"/>
+          <p:cNvSpPr>
+            <a:spLocks noGrp="1"/>
+          </p:cNvSpPr>
+          <p:nvPr>
+            <p:ph sz="quarter" idx="1"/>
+          </p:nvPr>
+        </p:nvSpPr>
+        <p:spPr>
+          <a:xfrm>
+            <a:off x="467544" y="1772816"/>
+            <a:ext cx="8229600" cy="4937760"/>
+          </a:xfrm>
+        </p:spPr>
+        <p:txBody>
+          <a:bodyPr/>
+          <a:lstStyle/>
+          <a:p>
+            <a:r>
+              <a:rPr lang="es-ES" sz="2000" dirty="0"/>
+              <a:t>Se les mostrara la información necesaria respecto a todos los hoteles en la provincia de Andahuaylas o que se podrá acceder mediante los códigos </a:t>
+            </a:r>
+            <a:r>
+              <a:rPr lang="es-ES" sz="2000" dirty="0" err="1"/>
+              <a:t>Qr</a:t>
+            </a:r>
+            <a:r>
+              <a:rPr lang="es-ES" sz="2000" dirty="0"/>
+              <a:t> en una revista virtual.</a:t>
+            </a:r>
+          </a:p>
+          <a:p>
+            <a:endParaRPr lang="es-ES" dirty="0"/>
+          </a:p>
+        </p:txBody>
+      </p:sp>
+      <p:pic>
+        <p:nvPicPr>
+          <p:cNvPr id="4" name="3 Imagen" descr="C:\Users\pc-3\Desktop\Sin título.png"/>
+          <p:cNvPicPr/>
+          <p:nvPr/>
+        </p:nvPicPr>
+        <p:blipFill rotWithShape="1">
+          <a:blip r:embed="rId2">
+            <a:extLst>
+              <a:ext uri="{28A0092B-C50C-407E-A947-70E740481C1C}">
+                <a14:useLocalDpi xmlns:a14="http://schemas.microsoft.com/office/drawing/2010/main" val="0"/>
+              </a:ext>
+            </a:extLst>
+          </a:blip>
+          <a:srcRect l="13232" t="7293" r="13550" b="10417"/>
+          <a:stretch/>
+        </p:blipFill>
+        <p:spPr bwMode="auto">
+          <a:xfrm>
+            <a:off x="1437363" y="2852936"/>
+            <a:ext cx="4862830" cy="3594958"/>
+          </a:xfrm>
+          <a:prstGeom prst="rect">
+            <a:avLst/>
+          </a:prstGeom>
+          <a:ln w="38100" cap="sq">
+            <a:solidFill>
+              <a:srgbClr val="000000"/>
+            </a:solidFill>
+            <a:prstDash val="solid"/>
+            <a:miter lim="800000"/>
+          </a:ln>
+          <a:effectLst>
+            <a:outerShdw blurRad="50800" dist="38100" dir="2700000" algn="tl" rotWithShape="0">
+              <a:srgbClr val="000000">
+                <a:alpha val="43000"/>
+              </a:srgbClr>
+            </a:outerShdw>
+          </a:effectLst>
+          <a:extLst>
+            <a:ext uri="{53640926-AAD7-44D8-BBD7-CCE9431645EC}">
+              <a14:shadowObscured xmlns:a14="http://schemas.microsoft.com/office/drawing/2010/main"/>
+            </a:ext>
+          </a:extLst>
+        </p:spPr>
+      </p:pic>
+      <p:pic>
+        <p:nvPicPr>
+          <p:cNvPr id="7170" name="Picture 2" descr="http://i39.tinypic.com/1949ja.gif"/>
+          <p:cNvPicPr>
+            <a:picLocks noChangeAspect="1" noChangeArrowheads="1" noCrop="1"/>
+          </p:cNvPicPr>
+          <p:nvPr/>
+        </p:nvPicPr>
+        <p:blipFill>
+          <a:blip r:embed="rId3">
+            <a:extLst>
+              <a:ext uri="{28A0092B-C50C-407E-A947-70E740481C1C}">
+                <a14:useLocalDpi xmlns:a14="http://schemas.microsoft.com/office/drawing/2010/main" val="0"/>
+              </a:ext>
+            </a:extLst>
+          </a:blip>
+          <a:srcRect/>
+          <a:stretch>
+            <a:fillRect/>
+          </a:stretch>
+        </p:blipFill>
+        <p:spPr bwMode="auto">
+          <a:xfrm>
+            <a:off x="611560" y="0"/>
+            <a:ext cx="1440160" cy="1732151"/>
+          </a:xfrm>
+          <a:prstGeom prst="rect">
+            <a:avLst/>
+          </a:prstGeom>
+          <a:noFill/>
+          <a:extLst>
+            <a:ext uri="{909E8E84-426E-40DD-AFC4-6F175D3DCCD1}">
+              <a14:hiddenFill xmlns:a14="http://schemas.microsoft.com/office/drawing/2010/main">
+                <a:solidFill>
+                  <a:srgbClr val="FFFFFF"/>
+                </a:solidFill>
+              </a14:hiddenFill>
+            </a:ext>
+          </a:extLst>
+        </p:spPr>
+      </p:pic>
+    </p:spTree>
+    <p:extLst>
+      <p:ext uri="{BB962C8B-B14F-4D97-AF65-F5344CB8AC3E}">
+        <p14:creationId xmlns:p14="http://schemas.microsoft.com/office/powerpoint/2010/main" val="1619174960"/>
+      </p:ext>
+    </p:extLst>
+  </p:cSld>
+  <p:clrMapOvr>
+    <a:masterClrMapping/>
+  </p:clrMapOvr>
+  <p:timing>
+    <p:tnLst>
+      <p:par>
+        <p:cTn id="1" dur="indefinite" restart="never" nodeType="tmRoot"/>
+      </p:par>
+    </p:tnLst>
+  </p:timing>
+</p:sld>
+</file>
+
+<file path=ppt/slides/slide9.xml><?xml version="1.0" encoding="utf-8"?>
+<p:sld xmlns:a="http://schemas.openxmlformats.org/drawingml/2006/main" xmlns:r="http://schemas.openxmlformats.org/officeDocument/2006/relationships" xmlns:p="http://schemas.openxmlformats.org/presentationml/2006/main">
+  <p:cSld>
+    <p:spTree>
+      <p:nvGrpSpPr>
+        <p:cNvPr id="1" name=""/>
+        <p:cNvGrpSpPr/>
+        <p:nvPr/>
+      </p:nvGrpSpPr>
+      <p:grpSpPr>
+        <a:xfrm>
+          <a:off x="0" y="0"/>
+          <a:ext cx="0" cy="0"/>
+          <a:chOff x="0" y="0"/>
+          <a:chExt cx="0" cy="0"/>
+        </a:xfrm>
+      </p:grpSpPr>
+      <p:sp>
+        <p:nvSpPr>
+          <p:cNvPr id="2" name="1 Título"/>
+          <p:cNvSpPr>
+            <a:spLocks noGrp="1"/>
+          </p:cNvSpPr>
+          <p:nvPr>
+            <p:ph type="title"/>
+          </p:nvPr>
+        </p:nvSpPr>
+        <p:spPr/>
+        <p:txBody>
+          <a:bodyPr>
+            <a:normAutofit/>
+          </a:bodyPr>
+          <a:lstStyle/>
+          <a:p>
+            <a:pPr algn="r"/>
+            <a:r>
+              <a:rPr lang="es-ES" b="1" dirty="0"/>
+              <a:t>OPCIÓN TRANSPORTE </a:t>
+            </a:r>
+            <a:endParaRPr lang="es-ES" dirty="0"/>
+          </a:p>
+        </p:txBody>
+      </p:sp>
+      <p:sp>
+        <p:nvSpPr>
+          <p:cNvPr id="3" name="2 Marcador de contenido"/>
+          <p:cNvSpPr>
+            <a:spLocks noGrp="1"/>
+          </p:cNvSpPr>
+          <p:nvPr>
+            <p:ph sz="quarter" idx="1"/>
+          </p:nvPr>
+        </p:nvSpPr>
+        <p:spPr/>
+        <p:txBody>
+          <a:bodyPr/>
+          <a:lstStyle/>
+          <a:p>
+            <a:r>
+              <a:rPr lang="es-ES" sz="2000" dirty="0"/>
+              <a:t>En el cual se les brindara toda la información necesaria de las diferentes empresas y los horarios de salida y llegada a nuestra provincia de Andahuaylas que también será direccionado a través de los códigos </a:t>
+            </a:r>
+            <a:r>
+              <a:rPr lang="es-ES" sz="2000" dirty="0" err="1"/>
+              <a:t>Qr</a:t>
+            </a:r>
+            <a:r>
+              <a:rPr lang="es-ES" sz="2000" dirty="0"/>
+              <a:t> en nuestra revista virtual.</a:t>
+            </a:r>
+          </a:p>
+          <a:p>
+            <a:endParaRPr lang="es-ES" dirty="0"/>
+          </a:p>
+        </p:txBody>
+      </p:sp>
+      <p:pic>
+        <p:nvPicPr>
+          <p:cNvPr id="4" name="3 Imagen" descr="C:\Users\pc-3\Desktop\Sin título.png"/>
+          <p:cNvPicPr/>
+          <p:nvPr/>
+        </p:nvPicPr>
+        <p:blipFill rotWithShape="1">
+          <a:blip r:embed="rId2">
+            <a:extLst>
+              <a:ext uri="{28A0092B-C50C-407E-A947-70E740481C1C}">
+                <a14:useLocalDpi xmlns:a14="http://schemas.microsoft.com/office/drawing/2010/main" val="0"/>
+              </a:ext>
+            </a:extLst>
+          </a:blip>
+          <a:srcRect l="13379" t="6249" r="14286" b="6771"/>
+          <a:stretch/>
+        </p:blipFill>
+        <p:spPr bwMode="auto">
+          <a:xfrm>
+            <a:off x="2051720" y="2636912"/>
+            <a:ext cx="5472608" cy="3888432"/>
+          </a:xfrm>
+          <a:prstGeom prst="rect">
+            <a:avLst/>
+          </a:prstGeom>
+          <a:ln w="38100" cap="sq">
+            <a:solidFill>
+              <a:srgbClr val="000000"/>
+            </a:solidFill>
+            <a:prstDash val="solid"/>
+            <a:miter lim="800000"/>
+          </a:ln>
+          <a:effectLst>
+            <a:outerShdw blurRad="50800" dist="38100" dir="2700000" algn="tl" rotWithShape="0">
+              <a:srgbClr val="000000">
+                <a:alpha val="43000"/>
+              </a:srgbClr>
+            </a:outerShdw>
+          </a:effectLst>
+          <a:extLst>
+            <a:ext uri="{53640926-AAD7-44D8-BBD7-CCE9431645EC}">
+              <a14:shadowObscured xmlns:a14="http://schemas.microsoft.com/office/drawing/2010/main"/>
+            </a:ext>
+          </a:extLst>
+        </p:spPr>
+      </p:pic>
+      <p:pic>
+        <p:nvPicPr>
+          <p:cNvPr id="6146" name="Picture 2" descr="https://encrypted-tbn2.gstatic.com/images?q=tbn:ANd9GcQD1uJ0vPocKYj7V4VF7Tv8tX4VR_2sYxgMduIAKZkqSjgKrkve"/>
+          <p:cNvPicPr>
+            <a:picLocks noChangeAspect="1" noChangeArrowheads="1"/>
+          </p:cNvPicPr>
+          <p:nvPr/>
+        </p:nvPicPr>
+        <p:blipFill>
+          <a:blip r:embed="rId3">
+            <a:extLst>
+              <a:ext uri="{28A0092B-C50C-407E-A947-70E740481C1C}">
+                <a14:useLocalDpi xmlns:a14="http://schemas.microsoft.com/office/drawing/2010/main" val="0"/>
+              </a:ext>
+            </a:extLst>
+          </a:blip>
+          <a:srcRect/>
+          <a:stretch>
+            <a:fillRect/>
+          </a:stretch>
+        </p:blipFill>
+        <p:spPr bwMode="auto">
+          <a:xfrm>
+            <a:off x="88316" y="0"/>
+            <a:ext cx="1995452" cy="1243147"/>
+          </a:xfrm>
+          <a:prstGeom prst="rect">
+            <a:avLst/>
+          </a:prstGeom>
+          <a:noFill/>
+          <a:extLst>
+            <a:ext uri="{909E8E84-426E-40DD-AFC4-6F175D3DCCD1}">
+              <a14:hiddenFill xmlns:a14="http://schemas.microsoft.com/office/drawing/2010/main">
+                <a:solidFill>
+                  <a:srgbClr val="FFFFFF"/>
+                </a:solidFill>
+              </a14:hiddenFill>
+            </a:ext>
+          </a:extLst>
+        </p:spPr>
+      </p:pic>
+    </p:spTree>
+    <p:extLst>
+      <p:ext uri="{BB962C8B-B14F-4D97-AF65-F5344CB8AC3E}">
+        <p14:creationId xmlns:p14="http://schemas.microsoft.com/office/powerpoint/2010/main" val="771644153"/>
+      </p:ext>
+    </p:extLst>
+  </p:cSld>
+  <p:clrMapOvr>
+    <a:masterClrMapping/>
+  </p:clrMapOvr>
+  <p:timing>
+    <p:tnLst>
+      <p:par>
+        <p:cTn id="1" dur="indefinite" restart="never" nodeType="tmRoot"/>
+      </p:par>
+    </p:tnLst>
+  </p:timing>
+</p:sld>
+</file>
+
 <file path=ppt/theme/theme1.xml><?xml version="1.0" encoding="utf-8"?>
-<a:theme xmlns:a="http://schemas.openxmlformats.org/drawingml/2006/main" name="Tema de Office">
+<a:theme xmlns:a="http://schemas.openxmlformats.org/drawingml/2006/main" name="Origen">
   <a:themeElements>
-    <a:clrScheme name="Oficina">
+    <a:clrScheme name="Origen">
       <a:dk1>
         <a:sysClr val="windowText" lastClr="000000"/>
       </a:dk1>
@@ -3026,48 +6465,50 @@
         <a:sysClr val="window" lastClr="FFFFFF"/>
       </a:lt1>
       <a:dk2>
-        <a:srgbClr val="1F497D"/>
+        <a:srgbClr val="464653"/>
       </a:dk2>
       <a:lt2>
-        <a:srgbClr val="EEECE1"/>
+        <a:srgbClr val="DDE9EC"/>
       </a:lt2>
       <a:accent1>
-        <a:srgbClr val="4F81BD"/>
+        <a:srgbClr val="727CA3"/>
       </a:accent1>
       <a:accent2>
-        <a:srgbClr val="C0504D"/>
+        <a:srgbClr val="9FB8CD"/>
       </a:accent2>
       <a:accent3>
-        <a:srgbClr val="9BBB59"/>
+        <a:srgbClr val="D2DA7A"/>
       </a:accent3>
       <a:accent4>
-        <a:srgbClr val="8064A2"/>
+        <a:srgbClr val="FADA7A"/>
       </a:accent4>
       <a:accent5>
-        <a:srgbClr val="4BACC6"/>
+        <a:srgbClr val="B88472"/>
       </a:accent5>
       <a:accent6>
-        <a:srgbClr val="F79646"/>
+        <a:srgbClr val="8E736A"/>
       </a:accent6>
       <a:hlink>
-        <a:srgbClr val="0000FF"/>
+        <a:srgbClr val="B292CA"/>
       </a:hlink>
       <a:folHlink>
-        <a:srgbClr val="800080"/>
+        <a:srgbClr val="6B5680"/>
       </a:folHlink>
     </a:clrScheme>
-    <a:fontScheme name="Oficina">
+    <a:fontScheme name="Origen">
       <a:majorFont>
-        <a:latin typeface="Calibri"/>
+        <a:latin typeface="Bookman Old Style"/>
         <a:ea typeface=""/>
         <a:cs typeface=""/>
-        <a:font script="Jpan" typeface="ＭＳ Ｐゴシック"/>
-        <a:font script="Hang" typeface="맑은 고딕"/>
+        <a:font script="Grek" typeface="Cambria"/>
+        <a:font script="Cyrl" typeface="Cambria"/>
+        <a:font script="Jpan" typeface="HG明朝E"/>
+        <a:font script="Hang" typeface="돋움"/>
         <a:font script="Hans" typeface="宋体"/>
-        <a:font script="Hant" typeface="新細明體"/>
+        <a:font script="Hant" typeface="標楷體"/>
         <a:font script="Arab" typeface="Times New Roman"/>
         <a:font script="Hebr" typeface="Times New Roman"/>
-        <a:font script="Thai" typeface="Angsana New"/>
+        <a:font script="Thai" typeface="Browallia New"/>
         <a:font script="Ethi" typeface="Nyala"/>
         <a:font script="Beng" typeface="Vrinda"/>
         <a:font script="Gujr" typeface="Shruti"/>
@@ -3090,14 +6531,17 @@
         <a:font script="Mong" typeface="Mongolian Baiti"/>
         <a:font script="Viet" typeface="Times New Roman"/>
         <a:font script="Uigh" typeface="Microsoft Uighur"/>
+        <a:font script="Geor" typeface="Sylfaen"/>
       </a:majorFont>
       <a:minorFont>
-        <a:latin typeface="Calibri"/>
+        <a:latin typeface="Gill Sans MT"/>
         <a:ea typeface=""/>
         <a:cs typeface=""/>
+        <a:font script="Grek" typeface="Calibri"/>
+        <a:font script="Cyrl" typeface="Calibri"/>
         <a:font script="Jpan" typeface="ＭＳ Ｐゴシック"/>
         <a:font script="Hang" typeface="맑은 고딕"/>
-        <a:font script="Hans" typeface="宋体"/>
+        <a:font script="Hans" typeface="华文新魏"/>
         <a:font script="Hant" typeface="新細明體"/>
         <a:font script="Arab" typeface="Arial"/>
         <a:font script="Hebr" typeface="Arial"/>
@@ -3124,9 +6568,10 @@
         <a:font script="Mong" typeface="Mongolian Baiti"/>
         <a:font script="Viet" typeface="Arial"/>
         <a:font script="Uigh" typeface="Microsoft Uighur"/>
+        <a:font script="Geor" typeface="Sylfaen"/>
       </a:minorFont>
     </a:fontScheme>
-    <a:fmtScheme name="Oficina">
+    <a:fmtScheme name="Origen">
       <a:fillStyleLst>
         <a:solidFill>
           <a:schemeClr val="phClr"/>
@@ -3135,56 +6580,93 @@
           <a:gsLst>
             <a:gs pos="0">
               <a:schemeClr val="phClr">
-                <a:tint val="50000"/>
-                <a:satMod val="300000"/>
+                <a:tint val="45000"/>
+                <a:satMod val="200000"/>
               </a:schemeClr>
             </a:gs>
-            <a:gs pos="35000">
+            <a:gs pos="30000">
               <a:schemeClr val="phClr">
-                <a:tint val="37000"/>
-                <a:satMod val="300000"/>
+                <a:tint val="61000"/>
+                <a:satMod val="200000"/>
+              </a:schemeClr>
+            </a:gs>
+            <a:gs pos="45000">
+              <a:schemeClr val="phClr">
+                <a:tint val="66000"/>
+                <a:satMod val="200000"/>
+              </a:schemeClr>
+            </a:gs>
+            <a:gs pos="55000">
+              <a:schemeClr val="phClr">
+                <a:tint val="66000"/>
+                <a:satMod val="200000"/>
+              </a:schemeClr>
+            </a:gs>
+            <a:gs pos="73000">
+              <a:schemeClr val="phClr">
+                <a:tint val="61000"/>
+                <a:satMod val="200000"/>
               </a:schemeClr>
             </a:gs>
             <a:gs pos="100000">
               <a:schemeClr val="phClr">
-                <a:tint val="15000"/>
-                <a:satMod val="350000"/>
+                <a:tint val="45000"/>
+                <a:satMod val="200000"/>
               </a:schemeClr>
             </a:gs>
           </a:gsLst>
-          <a:lin ang="16200000" scaled="1"/>
+          <a:lin ang="950000" scaled="1"/>
         </a:gradFill>
         <a:gradFill rotWithShape="1">
           <a:gsLst>
             <a:gs pos="0">
               <a:schemeClr val="phClr">
-                <a:shade val="51000"/>
-                <a:satMod val="130000"/>
+                <a:shade val="63000"/>
               </a:schemeClr>
             </a:gs>
-            <a:gs pos="80000">
+            <a:gs pos="30000">
               <a:schemeClr val="phClr">
-                <a:shade val="93000"/>
-                <a:satMod val="130000"/>
+                <a:shade val="90000"/>
+                <a:satMod val="110000"/>
+              </a:schemeClr>
+            </a:gs>
+            <a:gs pos="45000">
+              <a:schemeClr val="phClr">
+                <a:shade val="100000"/>
+                <a:satMod val="118000"/>
+              </a:schemeClr>
+            </a:gs>
+            <a:gs pos="55000">
+              <a:schemeClr val="phClr">
+                <a:shade val="100000"/>
+                <a:satMod val="118000"/>
+              </a:schemeClr>
+            </a:gs>
+            <a:gs pos="73000">
+              <a:schemeClr val="phClr">
+                <a:shade val="90000"/>
+                <a:satMod val="110000"/>
               </a:schemeClr>
             </a:gs>
             <a:gs pos="100000">
               <a:schemeClr val="phClr">
-                <a:shade val="94000"/>
-                <a:satMod val="135000"/>
+                <a:shade val="63000"/>
               </a:schemeClr>
             </a:gs>
           </a:gsLst>
-          <a:lin ang="16200000" scaled="0"/>
+          <a:lin ang="950000" scaled="1"/>
         </a:gradFill>
       </a:fillStyleLst>
       <a:lnStyleLst>
         <a:ln w="9525" cap="flat" cmpd="sng" algn="ctr">
           <a:solidFill>
-            <a:schemeClr val="phClr">
-              <a:shade val="95000"/>
-              <a:satMod val="105000"/>
-            </a:schemeClr>
+            <a:schemeClr val="phClr"/>
+          </a:solidFill>
+          <a:prstDash val="solid"/>
+        </a:ln>
+        <a:ln w="19050" cap="flat" cmpd="sng" algn="ctr">
+          <a:solidFill>
+            <a:schemeClr val="phClr"/>
           </a:solidFill>
           <a:prstDash val="solid"/>
         </a:ln>
@@ -3194,50 +6676,66 @@
           </a:solidFill>
           <a:prstDash val="solid"/>
         </a:ln>
-        <a:ln w="38100" cap="flat" cmpd="sng" algn="ctr">
-          <a:solidFill>
-            <a:schemeClr val="phClr"/>
-          </a:solidFill>
-          <a:prstDash val="solid"/>
-        </a:ln>
       </a:lnStyleLst>
       <a:effectStyleLst>
         <a:effectStyle>
           <a:effectLst>
-            <a:outerShdw blurRad="40000" dist="20000" dir="5400000" rotWithShape="0">
+            <a:outerShdw blurRad="38100" dist="25400" dir="5400000" rotWithShape="0">
               <a:srgbClr val="000000">
-                <a:alpha val="38000"/>
+                <a:alpha val="40000"/>
               </a:srgbClr>
             </a:outerShdw>
           </a:effectLst>
         </a:effectStyle>
         <a:effectStyle>
           <a:effectLst>
-            <a:outerShdw blurRad="40000" dist="23000" dir="5400000" rotWithShape="0">
+            <a:outerShdw blurRad="50800" dist="43000" dir="5400000" rotWithShape="0">
               <a:srgbClr val="000000">
-                <a:alpha val="35000"/>
-              </a:srgbClr>
-            </a:outerShdw>
-          </a:effectLst>
-        </a:effectStyle>
-        <a:effectStyle>
-          <a:effectLst>
-            <a:outerShdw blurRad="40000" dist="23000" dir="5400000" rotWithShape="0">
-              <a:srgbClr val="000000">
-                <a:alpha val="35000"/>
+                <a:alpha val="40000"/>
               </a:srgbClr>
             </a:outerShdw>
           </a:effectLst>
           <a:scene3d>
-            <a:camera prst="orthographicFront">
+            <a:camera prst="orthographicFront" fov="0">
               <a:rot lat="0" lon="0" rev="0"/>
             </a:camera>
-            <a:lightRig rig="threePt" dir="t">
-              <a:rot lat="0" lon="0" rev="1200000"/>
+            <a:lightRig rig="balanced" dir="t">
+              <a:rot lat="0" lon="0" rev="0"/>
             </a:lightRig>
           </a:scene3d>
-          <a:sp3d>
-            <a:bevelT w="63500" h="25400"/>
+          <a:sp3d prstMaterial="matte">
+            <a:bevelT w="0" h="0"/>
+            <a:contourClr>
+              <a:schemeClr val="phClr">
+                <a:tint val="100000"/>
+                <a:shade val="100000"/>
+                <a:hueMod val="100000"/>
+                <a:satMod val="100000"/>
+              </a:schemeClr>
+            </a:contourClr>
+          </a:sp3d>
+        </a:effectStyle>
+        <a:effectStyle>
+          <a:effectLst>
+            <a:outerShdw blurRad="50800" dist="25400" dir="5400000" rotWithShape="0">
+              <a:srgbClr val="000000">
+                <a:alpha val="50000"/>
+              </a:srgbClr>
+            </a:outerShdw>
+          </a:effectLst>
+          <a:scene3d>
+            <a:camera prst="orthographicFront" fov="0">
+              <a:rot lat="0" lon="0" rev="0"/>
+            </a:camera>
+            <a:lightRig rig="soft" dir="t">
+              <a:rot lat="0" lon="0" rev="2700000"/>
+            </a:lightRig>
+          </a:scene3d>
+          <a:sp3d prstMaterial="matte">
+            <a:bevelT w="50800" h="50800"/>
+            <a:contourClr>
+              <a:schemeClr val="phClr"/>
+            </a:contourClr>
           </a:sp3d>
         </a:effectStyle>
       </a:effectStyleLst>
@@ -3249,47 +6747,39 @@
           <a:gsLst>
             <a:gs pos="0">
               <a:schemeClr val="phClr">
-                <a:tint val="40000"/>
-                <a:satMod val="350000"/>
+                <a:shade val="60000"/>
+                <a:satMod val="300000"/>
               </a:schemeClr>
             </a:gs>
-            <a:gs pos="40000">
+            <a:gs pos="30000">
               <a:schemeClr val="phClr">
-                <a:tint val="45000"/>
-                <a:shade val="99000"/>
-                <a:satMod val="350000"/>
+                <a:shade val="80000"/>
+                <a:satMod val="230000"/>
               </a:schemeClr>
             </a:gs>
             <a:gs pos="100000">
               <a:schemeClr val="phClr">
-                <a:shade val="20000"/>
-                <a:satMod val="255000"/>
+                <a:tint val="97000"/>
+                <a:satMod val="220000"/>
               </a:schemeClr>
             </a:gs>
           </a:gsLst>
-          <a:path path="circle">
-            <a:fillToRect l="50000" t="-80000" r="50000" b="180000"/>
-          </a:path>
+          <a:lin ang="16200000" scaled="1"/>
         </a:gradFill>
-        <a:gradFill rotWithShape="1">
-          <a:gsLst>
-            <a:gs pos="0">
+        <a:blipFill>
+          <a:blip xmlns:r="http://schemas.openxmlformats.org/officeDocument/2006/relationships" r:embed="rId1">
+            <a:duotone>
               <a:schemeClr val="phClr">
-                <a:tint val="80000"/>
-                <a:satMod val="300000"/>
+                <a:shade val="6000"/>
+                <a:satMod val="120000"/>
               </a:schemeClr>
-            </a:gs>
-            <a:gs pos="100000">
               <a:schemeClr val="phClr">
-                <a:shade val="30000"/>
-                <a:satMod val="200000"/>
+                <a:tint val="90000"/>
               </a:schemeClr>
-            </a:gs>
-          </a:gsLst>
-          <a:path path="circle">
-            <a:fillToRect l="50000" t="50000" r="50000" b="50000"/>
-          </a:path>
-        </a:gradFill>
+            </a:duotone>
+          </a:blip>
+          <a:tile tx="0" ty="0" sx="35000" sy="40000" flip="x" algn="tl"/>
+        </a:blipFill>
       </a:bgFillStyleLst>
     </a:fmtScheme>
   </a:themeElements>
